--- a/SecondPresentation.pptx
+++ b/SecondPresentation.pptx
@@ -4,13 +4,17 @@
   <p:sldMasterIdLst>
     <p:sldMasterId id="2147483648" r:id="rId1"/>
   </p:sldMasterIdLst>
+  <p:notesMasterIdLst>
+    <p:notesMasterId r:id="rId9"/>
+  </p:notesMasterIdLst>
   <p:sldIdLst>
-    <p:sldId id="256" r:id="rId2"/>
-    <p:sldId id="257" r:id="rId3"/>
-    <p:sldId id="258" r:id="rId4"/>
-    <p:sldId id="259" r:id="rId5"/>
-    <p:sldId id="260" r:id="rId6"/>
-    <p:sldId id="261" r:id="rId7"/>
+    <p:sldId id="262" r:id="rId2"/>
+    <p:sldId id="265" r:id="rId3"/>
+    <p:sldId id="266" r:id="rId4"/>
+    <p:sldId id="268" r:id="rId5"/>
+    <p:sldId id="267" r:id="rId6"/>
+    <p:sldId id="270" r:id="rId7"/>
+    <p:sldId id="269" r:id="rId8"/>
   </p:sldIdLst>
   <p:sldSz cx="12192000" cy="6858000"/>
   <p:notesSz cx="6858000" cy="9144000"/>
@@ -109,7 +113,970 @@
       </a:defRPr>
     </a:lvl9pPr>
   </p:defaultTextStyle>
+  <p:extLst>
+    <p:ext uri="{EFAFB233-063F-42B5-8137-9DF3F51BA10A}">
+      <p15:sldGuideLst xmlns:p15="http://schemas.microsoft.com/office/powerpoint/2012/main"/>
+    </p:ext>
+  </p:extLst>
 </p:presentation>
+</file>
+
+<file path=ppt/notesMasters/notesMaster1.xml><?xml version="1.0" encoding="utf-8"?>
+<p:notesMaster xmlns:a="http://schemas.openxmlformats.org/drawingml/2006/main" xmlns:r="http://schemas.openxmlformats.org/officeDocument/2006/relationships" xmlns:p="http://schemas.openxmlformats.org/presentationml/2006/main">
+  <p:cSld>
+    <p:bg>
+      <p:bgRef idx="1001">
+        <a:schemeClr val="bg1"/>
+      </p:bgRef>
+    </p:bg>
+    <p:spTree>
+      <p:nvGrpSpPr>
+        <p:cNvPr id="1" name=""/>
+        <p:cNvGrpSpPr/>
+        <p:nvPr/>
+      </p:nvGrpSpPr>
+      <p:grpSpPr>
+        <a:xfrm>
+          <a:off x="0" y="0"/>
+          <a:ext cx="0" cy="0"/>
+          <a:chOff x="0" y="0"/>
+          <a:chExt cx="0" cy="0"/>
+        </a:xfrm>
+      </p:grpSpPr>
+      <p:sp>
+        <p:nvSpPr>
+          <p:cNvPr id="2" name="Header Placeholder 1"/>
+          <p:cNvSpPr>
+            <a:spLocks noGrp="1"/>
+          </p:cNvSpPr>
+          <p:nvPr>
+            <p:ph type="hdr" sz="quarter"/>
+          </p:nvPr>
+        </p:nvSpPr>
+        <p:spPr>
+          <a:xfrm>
+            <a:off x="0" y="0"/>
+            <a:ext cx="2971800" cy="458788"/>
+          </a:xfrm>
+          <a:prstGeom prst="rect">
+            <a:avLst/>
+          </a:prstGeom>
+        </p:spPr>
+        <p:txBody>
+          <a:bodyPr vert="horz" lIns="91440" tIns="45720" rIns="91440" bIns="45720" rtlCol="0"/>
+          <a:lstStyle>
+            <a:lvl1pPr algn="l">
+              <a:defRPr sz="1200"/>
+            </a:lvl1pPr>
+          </a:lstStyle>
+          <a:p>
+            <a:endParaRPr lang="en-US"/>
+          </a:p>
+        </p:txBody>
+      </p:sp>
+      <p:sp>
+        <p:nvSpPr>
+          <p:cNvPr id="3" name="Date Placeholder 2"/>
+          <p:cNvSpPr>
+            <a:spLocks noGrp="1"/>
+          </p:cNvSpPr>
+          <p:nvPr>
+            <p:ph type="dt" idx="1"/>
+          </p:nvPr>
+        </p:nvSpPr>
+        <p:spPr>
+          <a:xfrm>
+            <a:off x="3884613" y="0"/>
+            <a:ext cx="2971800" cy="458788"/>
+          </a:xfrm>
+          <a:prstGeom prst="rect">
+            <a:avLst/>
+          </a:prstGeom>
+        </p:spPr>
+        <p:txBody>
+          <a:bodyPr vert="horz" lIns="91440" tIns="45720" rIns="91440" bIns="45720" rtlCol="0"/>
+          <a:lstStyle>
+            <a:lvl1pPr algn="r">
+              <a:defRPr sz="1200"/>
+            </a:lvl1pPr>
+          </a:lstStyle>
+          <a:p>
+            <a:fld id="{B6C0561D-6E65-4779-8689-F523603A3DDD}" type="datetimeFigureOut">
+              <a:rPr lang="en-US" smtClean="0"/>
+              <a:t>11/3/2019</a:t>
+            </a:fld>
+            <a:endParaRPr lang="en-US"/>
+          </a:p>
+        </p:txBody>
+      </p:sp>
+      <p:sp>
+        <p:nvSpPr>
+          <p:cNvPr id="4" name="Slide Image Placeholder 3"/>
+          <p:cNvSpPr>
+            <a:spLocks noGrp="1" noRot="1" noChangeAspect="1"/>
+          </p:cNvSpPr>
+          <p:nvPr>
+            <p:ph type="sldImg" idx="2"/>
+          </p:nvPr>
+        </p:nvSpPr>
+        <p:spPr>
+          <a:xfrm>
+            <a:off x="685800" y="1143000"/>
+            <a:ext cx="5486400" cy="3086100"/>
+          </a:xfrm>
+          <a:prstGeom prst="rect">
+            <a:avLst/>
+          </a:prstGeom>
+          <a:noFill/>
+          <a:ln w="12700">
+            <a:solidFill>
+              <a:prstClr val="black"/>
+            </a:solidFill>
+          </a:ln>
+        </p:spPr>
+        <p:txBody>
+          <a:bodyPr vert="horz" lIns="91440" tIns="45720" rIns="91440" bIns="45720" rtlCol="0" anchor="ctr"/>
+          <a:lstStyle/>
+          <a:p>
+            <a:endParaRPr lang="en-US"/>
+          </a:p>
+        </p:txBody>
+      </p:sp>
+      <p:sp>
+        <p:nvSpPr>
+          <p:cNvPr id="5" name="Notes Placeholder 4"/>
+          <p:cNvSpPr>
+            <a:spLocks noGrp="1"/>
+          </p:cNvSpPr>
+          <p:nvPr>
+            <p:ph type="body" sz="quarter" idx="3"/>
+          </p:nvPr>
+        </p:nvSpPr>
+        <p:spPr>
+          <a:xfrm>
+            <a:off x="685800" y="4400550"/>
+            <a:ext cx="5486400" cy="3600450"/>
+          </a:xfrm>
+          <a:prstGeom prst="rect">
+            <a:avLst/>
+          </a:prstGeom>
+        </p:spPr>
+        <p:txBody>
+          <a:bodyPr vert="horz" lIns="91440" tIns="45720" rIns="91440" bIns="45720" rtlCol="0"/>
+          <a:lstStyle/>
+          <a:p>
+            <a:pPr lvl="0"/>
+            <a:r>
+              <a:rPr lang="en-US"/>
+              <a:t>Click to edit Master text styles</a:t>
+            </a:r>
+          </a:p>
+          <a:p>
+            <a:pPr lvl="1"/>
+            <a:r>
+              <a:rPr lang="en-US"/>
+              <a:t>Second level</a:t>
+            </a:r>
+          </a:p>
+          <a:p>
+            <a:pPr lvl="2"/>
+            <a:r>
+              <a:rPr lang="en-US"/>
+              <a:t>Third level</a:t>
+            </a:r>
+          </a:p>
+          <a:p>
+            <a:pPr lvl="3"/>
+            <a:r>
+              <a:rPr lang="en-US"/>
+              <a:t>Fourth level</a:t>
+            </a:r>
+          </a:p>
+          <a:p>
+            <a:pPr lvl="4"/>
+            <a:r>
+              <a:rPr lang="en-US"/>
+              <a:t>Fifth level</a:t>
+            </a:r>
+          </a:p>
+        </p:txBody>
+      </p:sp>
+      <p:sp>
+        <p:nvSpPr>
+          <p:cNvPr id="6" name="Footer Placeholder 5"/>
+          <p:cNvSpPr>
+            <a:spLocks noGrp="1"/>
+          </p:cNvSpPr>
+          <p:nvPr>
+            <p:ph type="ftr" sz="quarter" idx="4"/>
+          </p:nvPr>
+        </p:nvSpPr>
+        <p:spPr>
+          <a:xfrm>
+            <a:off x="0" y="8685213"/>
+            <a:ext cx="2971800" cy="458787"/>
+          </a:xfrm>
+          <a:prstGeom prst="rect">
+            <a:avLst/>
+          </a:prstGeom>
+        </p:spPr>
+        <p:txBody>
+          <a:bodyPr vert="horz" lIns="91440" tIns="45720" rIns="91440" bIns="45720" rtlCol="0" anchor="b"/>
+          <a:lstStyle>
+            <a:lvl1pPr algn="l">
+              <a:defRPr sz="1200"/>
+            </a:lvl1pPr>
+          </a:lstStyle>
+          <a:p>
+            <a:endParaRPr lang="en-US"/>
+          </a:p>
+        </p:txBody>
+      </p:sp>
+      <p:sp>
+        <p:nvSpPr>
+          <p:cNvPr id="7" name="Slide Number Placeholder 6"/>
+          <p:cNvSpPr>
+            <a:spLocks noGrp="1"/>
+          </p:cNvSpPr>
+          <p:nvPr>
+            <p:ph type="sldNum" sz="quarter" idx="5"/>
+          </p:nvPr>
+        </p:nvSpPr>
+        <p:spPr>
+          <a:xfrm>
+            <a:off x="3884613" y="8685213"/>
+            <a:ext cx="2971800" cy="458787"/>
+          </a:xfrm>
+          <a:prstGeom prst="rect">
+            <a:avLst/>
+          </a:prstGeom>
+        </p:spPr>
+        <p:txBody>
+          <a:bodyPr vert="horz" lIns="91440" tIns="45720" rIns="91440" bIns="45720" rtlCol="0" anchor="b"/>
+          <a:lstStyle>
+            <a:lvl1pPr algn="r">
+              <a:defRPr sz="1200"/>
+            </a:lvl1pPr>
+          </a:lstStyle>
+          <a:p>
+            <a:fld id="{E30B7B49-35B1-47A0-824F-C242A0DFDE73}" type="slidenum">
+              <a:rPr lang="en-US" smtClean="0"/>
+              <a:t>‹#›</a:t>
+            </a:fld>
+            <a:endParaRPr lang="en-US"/>
+          </a:p>
+        </p:txBody>
+      </p:sp>
+    </p:spTree>
+    <p:extLst>
+      <p:ext uri="{BB962C8B-B14F-4D97-AF65-F5344CB8AC3E}">
+        <p14:creationId xmlns:p14="http://schemas.microsoft.com/office/powerpoint/2010/main" val="1111610830"/>
+      </p:ext>
+    </p:extLst>
+  </p:cSld>
+  <p:clrMap bg1="lt1" tx1="dk1" bg2="lt2" tx2="dk2" accent1="accent1" accent2="accent2" accent3="accent3" accent4="accent4" accent5="accent5" accent6="accent6" hlink="hlink" folHlink="folHlink"/>
+  <p:notesStyle>
+    <a:lvl1pPr marL="0" algn="l" defTabSz="914400" rtl="0" eaLnBrk="1" latinLnBrk="0" hangingPunct="1">
+      <a:defRPr sz="1200" kern="1200">
+        <a:solidFill>
+          <a:schemeClr val="tx1"/>
+        </a:solidFill>
+        <a:latin typeface="+mn-lt"/>
+        <a:ea typeface="+mn-ea"/>
+        <a:cs typeface="+mn-cs"/>
+      </a:defRPr>
+    </a:lvl1pPr>
+    <a:lvl2pPr marL="457200" algn="l" defTabSz="914400" rtl="0" eaLnBrk="1" latinLnBrk="0" hangingPunct="1">
+      <a:defRPr sz="1200" kern="1200">
+        <a:solidFill>
+          <a:schemeClr val="tx1"/>
+        </a:solidFill>
+        <a:latin typeface="+mn-lt"/>
+        <a:ea typeface="+mn-ea"/>
+        <a:cs typeface="+mn-cs"/>
+      </a:defRPr>
+    </a:lvl2pPr>
+    <a:lvl3pPr marL="914400" algn="l" defTabSz="914400" rtl="0" eaLnBrk="1" latinLnBrk="0" hangingPunct="1">
+      <a:defRPr sz="1200" kern="1200">
+        <a:solidFill>
+          <a:schemeClr val="tx1"/>
+        </a:solidFill>
+        <a:latin typeface="+mn-lt"/>
+        <a:ea typeface="+mn-ea"/>
+        <a:cs typeface="+mn-cs"/>
+      </a:defRPr>
+    </a:lvl3pPr>
+    <a:lvl4pPr marL="1371600" algn="l" defTabSz="914400" rtl="0" eaLnBrk="1" latinLnBrk="0" hangingPunct="1">
+      <a:defRPr sz="1200" kern="1200">
+        <a:solidFill>
+          <a:schemeClr val="tx1"/>
+        </a:solidFill>
+        <a:latin typeface="+mn-lt"/>
+        <a:ea typeface="+mn-ea"/>
+        <a:cs typeface="+mn-cs"/>
+      </a:defRPr>
+    </a:lvl4pPr>
+    <a:lvl5pPr marL="1828800" algn="l" defTabSz="914400" rtl="0" eaLnBrk="1" latinLnBrk="0" hangingPunct="1">
+      <a:defRPr sz="1200" kern="1200">
+        <a:solidFill>
+          <a:schemeClr val="tx1"/>
+        </a:solidFill>
+        <a:latin typeface="+mn-lt"/>
+        <a:ea typeface="+mn-ea"/>
+        <a:cs typeface="+mn-cs"/>
+      </a:defRPr>
+    </a:lvl5pPr>
+    <a:lvl6pPr marL="2286000" algn="l" defTabSz="914400" rtl="0" eaLnBrk="1" latinLnBrk="0" hangingPunct="1">
+      <a:defRPr sz="1200" kern="1200">
+        <a:solidFill>
+          <a:schemeClr val="tx1"/>
+        </a:solidFill>
+        <a:latin typeface="+mn-lt"/>
+        <a:ea typeface="+mn-ea"/>
+        <a:cs typeface="+mn-cs"/>
+      </a:defRPr>
+    </a:lvl6pPr>
+    <a:lvl7pPr marL="2743200" algn="l" defTabSz="914400" rtl="0" eaLnBrk="1" latinLnBrk="0" hangingPunct="1">
+      <a:defRPr sz="1200" kern="1200">
+        <a:solidFill>
+          <a:schemeClr val="tx1"/>
+        </a:solidFill>
+        <a:latin typeface="+mn-lt"/>
+        <a:ea typeface="+mn-ea"/>
+        <a:cs typeface="+mn-cs"/>
+      </a:defRPr>
+    </a:lvl7pPr>
+    <a:lvl8pPr marL="3200400" algn="l" defTabSz="914400" rtl="0" eaLnBrk="1" latinLnBrk="0" hangingPunct="1">
+      <a:defRPr sz="1200" kern="1200">
+        <a:solidFill>
+          <a:schemeClr val="tx1"/>
+        </a:solidFill>
+        <a:latin typeface="+mn-lt"/>
+        <a:ea typeface="+mn-ea"/>
+        <a:cs typeface="+mn-cs"/>
+      </a:defRPr>
+    </a:lvl8pPr>
+    <a:lvl9pPr marL="3657600" algn="l" defTabSz="914400" rtl="0" eaLnBrk="1" latinLnBrk="0" hangingPunct="1">
+      <a:defRPr sz="1200" kern="1200">
+        <a:solidFill>
+          <a:schemeClr val="tx1"/>
+        </a:solidFill>
+        <a:latin typeface="+mn-lt"/>
+        <a:ea typeface="+mn-ea"/>
+        <a:cs typeface="+mn-cs"/>
+      </a:defRPr>
+    </a:lvl9pPr>
+  </p:notesStyle>
+</p:notesMaster>
+</file>
+
+<file path=ppt/notesSlides/notesSlide1.xml><?xml version="1.0" encoding="utf-8"?>
+<p:notes xmlns:a="http://schemas.openxmlformats.org/drawingml/2006/main" xmlns:r="http://schemas.openxmlformats.org/officeDocument/2006/relationships" xmlns:p="http://schemas.openxmlformats.org/presentationml/2006/main">
+  <p:cSld>
+    <p:spTree>
+      <p:nvGrpSpPr>
+        <p:cNvPr id="1" name=""/>
+        <p:cNvGrpSpPr/>
+        <p:nvPr/>
+      </p:nvGrpSpPr>
+      <p:grpSpPr>
+        <a:xfrm>
+          <a:off x="0" y="0"/>
+          <a:ext cx="0" cy="0"/>
+          <a:chOff x="0" y="0"/>
+          <a:chExt cx="0" cy="0"/>
+        </a:xfrm>
+      </p:grpSpPr>
+      <p:sp>
+        <p:nvSpPr>
+          <p:cNvPr id="2" name="Slide Image Placeholder 1"/>
+          <p:cNvSpPr>
+            <a:spLocks noGrp="1" noRot="1" noChangeAspect="1"/>
+          </p:cNvSpPr>
+          <p:nvPr>
+            <p:ph type="sldImg"/>
+          </p:nvPr>
+        </p:nvSpPr>
+        <p:spPr/>
+      </p:sp>
+      <p:sp>
+        <p:nvSpPr>
+          <p:cNvPr id="3" name="Notes Placeholder 2"/>
+          <p:cNvSpPr>
+            <a:spLocks noGrp="1"/>
+          </p:cNvSpPr>
+          <p:nvPr>
+            <p:ph type="body" idx="1"/>
+          </p:nvPr>
+        </p:nvSpPr>
+        <p:spPr/>
+        <p:txBody>
+          <a:bodyPr/>
+          <a:lstStyle/>
+          <a:p>
+            <a:r>
+              <a:rPr lang="en-US" dirty="0"/>
+              <a:t>Title</a:t>
+            </a:r>
+          </a:p>
+        </p:txBody>
+      </p:sp>
+      <p:sp>
+        <p:nvSpPr>
+          <p:cNvPr id="4" name="Slide Number Placeholder 3"/>
+          <p:cNvSpPr>
+            <a:spLocks noGrp="1"/>
+          </p:cNvSpPr>
+          <p:nvPr>
+            <p:ph type="sldNum" sz="quarter" idx="5"/>
+          </p:nvPr>
+        </p:nvSpPr>
+        <p:spPr/>
+        <p:txBody>
+          <a:bodyPr/>
+          <a:lstStyle/>
+          <a:p>
+            <a:fld id="{34183C30-C335-4E0B-914B-A5F4AAEA7570}" type="slidenum">
+              <a:rPr lang="en-US" smtClean="0"/>
+              <a:t>1</a:t>
+            </a:fld>
+            <a:endParaRPr lang="en-US"/>
+          </a:p>
+        </p:txBody>
+      </p:sp>
+    </p:spTree>
+    <p:extLst>
+      <p:ext uri="{BB962C8B-B14F-4D97-AF65-F5344CB8AC3E}">
+        <p14:creationId xmlns:p14="http://schemas.microsoft.com/office/powerpoint/2010/main" val="1026582824"/>
+      </p:ext>
+    </p:extLst>
+  </p:cSld>
+  <p:clrMapOvr>
+    <a:masterClrMapping/>
+  </p:clrMapOvr>
+</p:notes>
+</file>
+
+<file path=ppt/notesSlides/notesSlide2.xml><?xml version="1.0" encoding="utf-8"?>
+<p:notes xmlns:a="http://schemas.openxmlformats.org/drawingml/2006/main" xmlns:r="http://schemas.openxmlformats.org/officeDocument/2006/relationships" xmlns:p="http://schemas.openxmlformats.org/presentationml/2006/main">
+  <p:cSld>
+    <p:spTree>
+      <p:nvGrpSpPr>
+        <p:cNvPr id="1" name=""/>
+        <p:cNvGrpSpPr/>
+        <p:nvPr/>
+      </p:nvGrpSpPr>
+      <p:grpSpPr>
+        <a:xfrm>
+          <a:off x="0" y="0"/>
+          <a:ext cx="0" cy="0"/>
+          <a:chOff x="0" y="0"/>
+          <a:chExt cx="0" cy="0"/>
+        </a:xfrm>
+      </p:grpSpPr>
+      <p:sp>
+        <p:nvSpPr>
+          <p:cNvPr id="2" name="Slide Image Placeholder 1"/>
+          <p:cNvSpPr>
+            <a:spLocks noGrp="1" noRot="1" noChangeAspect="1"/>
+          </p:cNvSpPr>
+          <p:nvPr>
+            <p:ph type="sldImg"/>
+          </p:nvPr>
+        </p:nvSpPr>
+        <p:spPr/>
+      </p:sp>
+      <p:sp>
+        <p:nvSpPr>
+          <p:cNvPr id="3" name="Notes Placeholder 2"/>
+          <p:cNvSpPr>
+            <a:spLocks noGrp="1"/>
+          </p:cNvSpPr>
+          <p:nvPr>
+            <p:ph type="body" idx="1"/>
+          </p:nvPr>
+        </p:nvSpPr>
+        <p:spPr/>
+        <p:txBody>
+          <a:bodyPr/>
+          <a:lstStyle/>
+          <a:p>
+            <a:r>
+              <a:rPr lang="en-US" dirty="0"/>
+              <a:t>Proposal</a:t>
+            </a:r>
+          </a:p>
+        </p:txBody>
+      </p:sp>
+      <p:sp>
+        <p:nvSpPr>
+          <p:cNvPr id="4" name="Slide Number Placeholder 3"/>
+          <p:cNvSpPr>
+            <a:spLocks noGrp="1"/>
+          </p:cNvSpPr>
+          <p:nvPr>
+            <p:ph type="sldNum" sz="quarter" idx="5"/>
+          </p:nvPr>
+        </p:nvSpPr>
+        <p:spPr/>
+        <p:txBody>
+          <a:bodyPr/>
+          <a:lstStyle/>
+          <a:p>
+            <a:fld id="{34183C30-C335-4E0B-914B-A5F4AAEA7570}" type="slidenum">
+              <a:rPr lang="en-US" smtClean="0"/>
+              <a:t>2</a:t>
+            </a:fld>
+            <a:endParaRPr lang="en-US"/>
+          </a:p>
+        </p:txBody>
+      </p:sp>
+    </p:spTree>
+    <p:extLst>
+      <p:ext uri="{BB962C8B-B14F-4D97-AF65-F5344CB8AC3E}">
+        <p14:creationId xmlns:p14="http://schemas.microsoft.com/office/powerpoint/2010/main" val="460059644"/>
+      </p:ext>
+    </p:extLst>
+  </p:cSld>
+  <p:clrMapOvr>
+    <a:masterClrMapping/>
+  </p:clrMapOvr>
+</p:notes>
+</file>
+
+<file path=ppt/notesSlides/notesSlide3.xml><?xml version="1.0" encoding="utf-8"?>
+<p:notes xmlns:a="http://schemas.openxmlformats.org/drawingml/2006/main" xmlns:r="http://schemas.openxmlformats.org/officeDocument/2006/relationships" xmlns:p="http://schemas.openxmlformats.org/presentationml/2006/main">
+  <p:cSld>
+    <p:spTree>
+      <p:nvGrpSpPr>
+        <p:cNvPr id="1" name=""/>
+        <p:cNvGrpSpPr/>
+        <p:nvPr/>
+      </p:nvGrpSpPr>
+      <p:grpSpPr>
+        <a:xfrm>
+          <a:off x="0" y="0"/>
+          <a:ext cx="0" cy="0"/>
+          <a:chOff x="0" y="0"/>
+          <a:chExt cx="0" cy="0"/>
+        </a:xfrm>
+      </p:grpSpPr>
+      <p:sp>
+        <p:nvSpPr>
+          <p:cNvPr id="2" name="Slide Image Placeholder 1"/>
+          <p:cNvSpPr>
+            <a:spLocks noGrp="1" noRot="1" noChangeAspect="1"/>
+          </p:cNvSpPr>
+          <p:nvPr>
+            <p:ph type="sldImg"/>
+          </p:nvPr>
+        </p:nvSpPr>
+        <p:spPr/>
+      </p:sp>
+      <p:sp>
+        <p:nvSpPr>
+          <p:cNvPr id="3" name="Notes Placeholder 2"/>
+          <p:cNvSpPr>
+            <a:spLocks noGrp="1"/>
+          </p:cNvSpPr>
+          <p:nvPr>
+            <p:ph type="body" idx="1"/>
+          </p:nvPr>
+        </p:nvSpPr>
+        <p:spPr/>
+        <p:txBody>
+          <a:bodyPr/>
+          <a:lstStyle/>
+          <a:p>
+            <a:r>
+              <a:rPr lang="en-US" dirty="0"/>
+              <a:t>Proposal</a:t>
+            </a:r>
+          </a:p>
+        </p:txBody>
+      </p:sp>
+      <p:sp>
+        <p:nvSpPr>
+          <p:cNvPr id="4" name="Slide Number Placeholder 3"/>
+          <p:cNvSpPr>
+            <a:spLocks noGrp="1"/>
+          </p:cNvSpPr>
+          <p:nvPr>
+            <p:ph type="sldNum" sz="quarter" idx="5"/>
+          </p:nvPr>
+        </p:nvSpPr>
+        <p:spPr/>
+        <p:txBody>
+          <a:bodyPr/>
+          <a:lstStyle/>
+          <a:p>
+            <a:fld id="{34183C30-C335-4E0B-914B-A5F4AAEA7570}" type="slidenum">
+              <a:rPr lang="en-US" smtClean="0"/>
+              <a:t>3</a:t>
+            </a:fld>
+            <a:endParaRPr lang="en-US"/>
+          </a:p>
+        </p:txBody>
+      </p:sp>
+    </p:spTree>
+    <p:extLst>
+      <p:ext uri="{BB962C8B-B14F-4D97-AF65-F5344CB8AC3E}">
+        <p14:creationId xmlns:p14="http://schemas.microsoft.com/office/powerpoint/2010/main" val="2945440330"/>
+      </p:ext>
+    </p:extLst>
+  </p:cSld>
+  <p:clrMapOvr>
+    <a:masterClrMapping/>
+  </p:clrMapOvr>
+</p:notes>
+</file>
+
+<file path=ppt/notesSlides/notesSlide4.xml><?xml version="1.0" encoding="utf-8"?>
+<p:notes xmlns:a="http://schemas.openxmlformats.org/drawingml/2006/main" xmlns:r="http://schemas.openxmlformats.org/officeDocument/2006/relationships" xmlns:p="http://schemas.openxmlformats.org/presentationml/2006/main">
+  <p:cSld>
+    <p:spTree>
+      <p:nvGrpSpPr>
+        <p:cNvPr id="1" name=""/>
+        <p:cNvGrpSpPr/>
+        <p:nvPr/>
+      </p:nvGrpSpPr>
+      <p:grpSpPr>
+        <a:xfrm>
+          <a:off x="0" y="0"/>
+          <a:ext cx="0" cy="0"/>
+          <a:chOff x="0" y="0"/>
+          <a:chExt cx="0" cy="0"/>
+        </a:xfrm>
+      </p:grpSpPr>
+      <p:sp>
+        <p:nvSpPr>
+          <p:cNvPr id="2" name="Slide Image Placeholder 1"/>
+          <p:cNvSpPr>
+            <a:spLocks noGrp="1" noRot="1" noChangeAspect="1"/>
+          </p:cNvSpPr>
+          <p:nvPr>
+            <p:ph type="sldImg"/>
+          </p:nvPr>
+        </p:nvSpPr>
+        <p:spPr/>
+      </p:sp>
+      <p:sp>
+        <p:nvSpPr>
+          <p:cNvPr id="3" name="Notes Placeholder 2"/>
+          <p:cNvSpPr>
+            <a:spLocks noGrp="1"/>
+          </p:cNvSpPr>
+          <p:nvPr>
+            <p:ph type="body" idx="1"/>
+          </p:nvPr>
+        </p:nvSpPr>
+        <p:spPr/>
+        <p:txBody>
+          <a:bodyPr/>
+          <a:lstStyle/>
+          <a:p>
+            <a:r>
+              <a:rPr lang="en-US" dirty="0"/>
+              <a:t>Proposal</a:t>
+            </a:r>
+          </a:p>
+        </p:txBody>
+      </p:sp>
+      <p:sp>
+        <p:nvSpPr>
+          <p:cNvPr id="4" name="Slide Number Placeholder 3"/>
+          <p:cNvSpPr>
+            <a:spLocks noGrp="1"/>
+          </p:cNvSpPr>
+          <p:nvPr>
+            <p:ph type="sldNum" sz="quarter" idx="5"/>
+          </p:nvPr>
+        </p:nvSpPr>
+        <p:spPr/>
+        <p:txBody>
+          <a:bodyPr/>
+          <a:lstStyle/>
+          <a:p>
+            <a:fld id="{34183C30-C335-4E0B-914B-A5F4AAEA7570}" type="slidenum">
+              <a:rPr lang="en-US" smtClean="0"/>
+              <a:t>4</a:t>
+            </a:fld>
+            <a:endParaRPr lang="en-US"/>
+          </a:p>
+        </p:txBody>
+      </p:sp>
+    </p:spTree>
+    <p:extLst>
+      <p:ext uri="{BB962C8B-B14F-4D97-AF65-F5344CB8AC3E}">
+        <p14:creationId xmlns:p14="http://schemas.microsoft.com/office/powerpoint/2010/main" val="2327931572"/>
+      </p:ext>
+    </p:extLst>
+  </p:cSld>
+  <p:clrMapOvr>
+    <a:masterClrMapping/>
+  </p:clrMapOvr>
+</p:notes>
+</file>
+
+<file path=ppt/notesSlides/notesSlide5.xml><?xml version="1.0" encoding="utf-8"?>
+<p:notes xmlns:a="http://schemas.openxmlformats.org/drawingml/2006/main" xmlns:r="http://schemas.openxmlformats.org/officeDocument/2006/relationships" xmlns:p="http://schemas.openxmlformats.org/presentationml/2006/main">
+  <p:cSld>
+    <p:spTree>
+      <p:nvGrpSpPr>
+        <p:cNvPr id="1" name=""/>
+        <p:cNvGrpSpPr/>
+        <p:nvPr/>
+      </p:nvGrpSpPr>
+      <p:grpSpPr>
+        <a:xfrm>
+          <a:off x="0" y="0"/>
+          <a:ext cx="0" cy="0"/>
+          <a:chOff x="0" y="0"/>
+          <a:chExt cx="0" cy="0"/>
+        </a:xfrm>
+      </p:grpSpPr>
+      <p:sp>
+        <p:nvSpPr>
+          <p:cNvPr id="2" name="Slide Image Placeholder 1"/>
+          <p:cNvSpPr>
+            <a:spLocks noGrp="1" noRot="1" noChangeAspect="1"/>
+          </p:cNvSpPr>
+          <p:nvPr>
+            <p:ph type="sldImg"/>
+          </p:nvPr>
+        </p:nvSpPr>
+        <p:spPr/>
+      </p:sp>
+      <p:sp>
+        <p:nvSpPr>
+          <p:cNvPr id="3" name="Notes Placeholder 2"/>
+          <p:cNvSpPr>
+            <a:spLocks noGrp="1"/>
+          </p:cNvSpPr>
+          <p:nvPr>
+            <p:ph type="body" idx="1"/>
+          </p:nvPr>
+        </p:nvSpPr>
+        <p:spPr/>
+        <p:txBody>
+          <a:bodyPr/>
+          <a:lstStyle/>
+          <a:p>
+            <a:r>
+              <a:rPr lang="en-US" dirty="0"/>
+              <a:t>Proposal</a:t>
+            </a:r>
+          </a:p>
+        </p:txBody>
+      </p:sp>
+      <p:sp>
+        <p:nvSpPr>
+          <p:cNvPr id="4" name="Slide Number Placeholder 3"/>
+          <p:cNvSpPr>
+            <a:spLocks noGrp="1"/>
+          </p:cNvSpPr>
+          <p:nvPr>
+            <p:ph type="sldNum" sz="quarter" idx="5"/>
+          </p:nvPr>
+        </p:nvSpPr>
+        <p:spPr/>
+        <p:txBody>
+          <a:bodyPr/>
+          <a:lstStyle/>
+          <a:p>
+            <a:fld id="{34183C30-C335-4E0B-914B-A5F4AAEA7570}" type="slidenum">
+              <a:rPr lang="en-US" smtClean="0"/>
+              <a:t>5</a:t>
+            </a:fld>
+            <a:endParaRPr lang="en-US"/>
+          </a:p>
+        </p:txBody>
+      </p:sp>
+    </p:spTree>
+    <p:extLst>
+      <p:ext uri="{BB962C8B-B14F-4D97-AF65-F5344CB8AC3E}">
+        <p14:creationId xmlns:p14="http://schemas.microsoft.com/office/powerpoint/2010/main" val="1722338640"/>
+      </p:ext>
+    </p:extLst>
+  </p:cSld>
+  <p:clrMapOvr>
+    <a:masterClrMapping/>
+  </p:clrMapOvr>
+</p:notes>
+</file>
+
+<file path=ppt/notesSlides/notesSlide6.xml><?xml version="1.0" encoding="utf-8"?>
+<p:notes xmlns:a="http://schemas.openxmlformats.org/drawingml/2006/main" xmlns:r="http://schemas.openxmlformats.org/officeDocument/2006/relationships" xmlns:p="http://schemas.openxmlformats.org/presentationml/2006/main">
+  <p:cSld>
+    <p:spTree>
+      <p:nvGrpSpPr>
+        <p:cNvPr id="1" name=""/>
+        <p:cNvGrpSpPr/>
+        <p:nvPr/>
+      </p:nvGrpSpPr>
+      <p:grpSpPr>
+        <a:xfrm>
+          <a:off x="0" y="0"/>
+          <a:ext cx="0" cy="0"/>
+          <a:chOff x="0" y="0"/>
+          <a:chExt cx="0" cy="0"/>
+        </a:xfrm>
+      </p:grpSpPr>
+      <p:sp>
+        <p:nvSpPr>
+          <p:cNvPr id="2" name="Slide Image Placeholder 1"/>
+          <p:cNvSpPr>
+            <a:spLocks noGrp="1" noRot="1" noChangeAspect="1"/>
+          </p:cNvSpPr>
+          <p:nvPr>
+            <p:ph type="sldImg"/>
+          </p:nvPr>
+        </p:nvSpPr>
+        <p:spPr/>
+      </p:sp>
+      <p:sp>
+        <p:nvSpPr>
+          <p:cNvPr id="3" name="Notes Placeholder 2"/>
+          <p:cNvSpPr>
+            <a:spLocks noGrp="1"/>
+          </p:cNvSpPr>
+          <p:nvPr>
+            <p:ph type="body" idx="1"/>
+          </p:nvPr>
+        </p:nvSpPr>
+        <p:spPr/>
+        <p:txBody>
+          <a:bodyPr/>
+          <a:lstStyle/>
+          <a:p>
+            <a:r>
+              <a:rPr lang="en-US" dirty="0"/>
+              <a:t>Proposal</a:t>
+            </a:r>
+          </a:p>
+        </p:txBody>
+      </p:sp>
+      <p:sp>
+        <p:nvSpPr>
+          <p:cNvPr id="4" name="Slide Number Placeholder 3"/>
+          <p:cNvSpPr>
+            <a:spLocks noGrp="1"/>
+          </p:cNvSpPr>
+          <p:nvPr>
+            <p:ph type="sldNum" sz="quarter" idx="5"/>
+          </p:nvPr>
+        </p:nvSpPr>
+        <p:spPr/>
+        <p:txBody>
+          <a:bodyPr/>
+          <a:lstStyle/>
+          <a:p>
+            <a:fld id="{34183C30-C335-4E0B-914B-A5F4AAEA7570}" type="slidenum">
+              <a:rPr lang="en-US" smtClean="0"/>
+              <a:t>6</a:t>
+            </a:fld>
+            <a:endParaRPr lang="en-US"/>
+          </a:p>
+        </p:txBody>
+      </p:sp>
+    </p:spTree>
+    <p:extLst>
+      <p:ext uri="{BB962C8B-B14F-4D97-AF65-F5344CB8AC3E}">
+        <p14:creationId xmlns:p14="http://schemas.microsoft.com/office/powerpoint/2010/main" val="3880787153"/>
+      </p:ext>
+    </p:extLst>
+  </p:cSld>
+  <p:clrMapOvr>
+    <a:masterClrMapping/>
+  </p:clrMapOvr>
+</p:notes>
+</file>
+
+<file path=ppt/notesSlides/notesSlide7.xml><?xml version="1.0" encoding="utf-8"?>
+<p:notes xmlns:a="http://schemas.openxmlformats.org/drawingml/2006/main" xmlns:r="http://schemas.openxmlformats.org/officeDocument/2006/relationships" xmlns:p="http://schemas.openxmlformats.org/presentationml/2006/main">
+  <p:cSld>
+    <p:spTree>
+      <p:nvGrpSpPr>
+        <p:cNvPr id="1" name=""/>
+        <p:cNvGrpSpPr/>
+        <p:nvPr/>
+      </p:nvGrpSpPr>
+      <p:grpSpPr>
+        <a:xfrm>
+          <a:off x="0" y="0"/>
+          <a:ext cx="0" cy="0"/>
+          <a:chOff x="0" y="0"/>
+          <a:chExt cx="0" cy="0"/>
+        </a:xfrm>
+      </p:grpSpPr>
+      <p:sp>
+        <p:nvSpPr>
+          <p:cNvPr id="2" name="Slide Image Placeholder 1"/>
+          <p:cNvSpPr>
+            <a:spLocks noGrp="1" noRot="1" noChangeAspect="1"/>
+          </p:cNvSpPr>
+          <p:nvPr>
+            <p:ph type="sldImg"/>
+          </p:nvPr>
+        </p:nvSpPr>
+        <p:spPr/>
+      </p:sp>
+      <p:sp>
+        <p:nvSpPr>
+          <p:cNvPr id="3" name="Notes Placeholder 2"/>
+          <p:cNvSpPr>
+            <a:spLocks noGrp="1"/>
+          </p:cNvSpPr>
+          <p:nvPr>
+            <p:ph type="body" idx="1"/>
+          </p:nvPr>
+        </p:nvSpPr>
+        <p:spPr/>
+        <p:txBody>
+          <a:bodyPr/>
+          <a:lstStyle/>
+          <a:p>
+            <a:r>
+              <a:rPr lang="en-US" dirty="0"/>
+              <a:t>Proposal</a:t>
+            </a:r>
+          </a:p>
+        </p:txBody>
+      </p:sp>
+      <p:sp>
+        <p:nvSpPr>
+          <p:cNvPr id="4" name="Slide Number Placeholder 3"/>
+          <p:cNvSpPr>
+            <a:spLocks noGrp="1"/>
+          </p:cNvSpPr>
+          <p:nvPr>
+            <p:ph type="sldNum" sz="quarter" idx="5"/>
+          </p:nvPr>
+        </p:nvSpPr>
+        <p:spPr/>
+        <p:txBody>
+          <a:bodyPr/>
+          <a:lstStyle/>
+          <a:p>
+            <a:fld id="{34183C30-C335-4E0B-914B-A5F4AAEA7570}" type="slidenum">
+              <a:rPr lang="en-US" smtClean="0"/>
+              <a:t>7</a:t>
+            </a:fld>
+            <a:endParaRPr lang="en-US"/>
+          </a:p>
+        </p:txBody>
+      </p:sp>
+    </p:spTree>
+    <p:extLst>
+      <p:ext uri="{BB962C8B-B14F-4D97-AF65-F5344CB8AC3E}">
+        <p14:creationId xmlns:p14="http://schemas.microsoft.com/office/powerpoint/2010/main" val="1301360849"/>
+      </p:ext>
+    </p:extLst>
+  </p:cSld>
+  <p:clrMapOvr>
+    <a:masterClrMapping/>
+  </p:clrMapOvr>
+</p:notes>
 </file>
 
 <file path=ppt/slideLayouts/slideLayout1.xml><?xml version="1.0" encoding="utf-8"?>
@@ -259,7 +1226,7 @@
           <a:p>
             <a:fld id="{B1C4178F-1736-4F41-BF4A-731F588A4210}" type="datetimeFigureOut">
               <a:rPr lang="en-US" smtClean="0"/>
-              <a:t>11/2/2019</a:t>
+              <a:t>11/3/2019</a:t>
             </a:fld>
             <a:endParaRPr lang="en-US"/>
           </a:p>
@@ -457,7 +1424,7 @@
           <a:p>
             <a:fld id="{B1C4178F-1736-4F41-BF4A-731F588A4210}" type="datetimeFigureOut">
               <a:rPr lang="en-US" smtClean="0"/>
-              <a:t>11/2/2019</a:t>
+              <a:t>11/3/2019</a:t>
             </a:fld>
             <a:endParaRPr lang="en-US"/>
           </a:p>
@@ -665,7 +1632,7 @@
           <a:p>
             <a:fld id="{B1C4178F-1736-4F41-BF4A-731F588A4210}" type="datetimeFigureOut">
               <a:rPr lang="en-US" smtClean="0"/>
-              <a:t>11/2/2019</a:t>
+              <a:t>11/3/2019</a:t>
             </a:fld>
             <a:endParaRPr lang="en-US"/>
           </a:p>
@@ -863,7 +1830,7 @@
           <a:p>
             <a:fld id="{B1C4178F-1736-4F41-BF4A-731F588A4210}" type="datetimeFigureOut">
               <a:rPr lang="en-US" smtClean="0"/>
-              <a:t>11/2/2019</a:t>
+              <a:t>11/3/2019</a:t>
             </a:fld>
             <a:endParaRPr lang="en-US"/>
           </a:p>
@@ -1138,7 +2105,7 @@
           <a:p>
             <a:fld id="{B1C4178F-1736-4F41-BF4A-731F588A4210}" type="datetimeFigureOut">
               <a:rPr lang="en-US" smtClean="0"/>
-              <a:t>11/2/2019</a:t>
+              <a:t>11/3/2019</a:t>
             </a:fld>
             <a:endParaRPr lang="en-US"/>
           </a:p>
@@ -1403,7 +2370,7 @@
           <a:p>
             <a:fld id="{B1C4178F-1736-4F41-BF4A-731F588A4210}" type="datetimeFigureOut">
               <a:rPr lang="en-US" smtClean="0"/>
-              <a:t>11/2/2019</a:t>
+              <a:t>11/3/2019</a:t>
             </a:fld>
             <a:endParaRPr lang="en-US"/>
           </a:p>
@@ -1815,7 +2782,7 @@
           <a:p>
             <a:fld id="{B1C4178F-1736-4F41-BF4A-731F588A4210}" type="datetimeFigureOut">
               <a:rPr lang="en-US" smtClean="0"/>
-              <a:t>11/2/2019</a:t>
+              <a:t>11/3/2019</a:t>
             </a:fld>
             <a:endParaRPr lang="en-US"/>
           </a:p>
@@ -1956,7 +2923,7 @@
           <a:p>
             <a:fld id="{B1C4178F-1736-4F41-BF4A-731F588A4210}" type="datetimeFigureOut">
               <a:rPr lang="en-US" smtClean="0"/>
-              <a:t>11/2/2019</a:t>
+              <a:t>11/3/2019</a:t>
             </a:fld>
             <a:endParaRPr lang="en-US"/>
           </a:p>
@@ -2069,7 +3036,7 @@
           <a:p>
             <a:fld id="{B1C4178F-1736-4F41-BF4A-731F588A4210}" type="datetimeFigureOut">
               <a:rPr lang="en-US" smtClean="0"/>
-              <a:t>11/2/2019</a:t>
+              <a:t>11/3/2019</a:t>
             </a:fld>
             <a:endParaRPr lang="en-US"/>
           </a:p>
@@ -2380,7 +3347,7 @@
           <a:p>
             <a:fld id="{B1C4178F-1736-4F41-BF4A-731F588A4210}" type="datetimeFigureOut">
               <a:rPr lang="en-US" smtClean="0"/>
-              <a:t>11/2/2019</a:t>
+              <a:t>11/3/2019</a:t>
             </a:fld>
             <a:endParaRPr lang="en-US"/>
           </a:p>
@@ -2668,7 +3635,7 @@
           <a:p>
             <a:fld id="{B1C4178F-1736-4F41-BF4A-731F588A4210}" type="datetimeFigureOut">
               <a:rPr lang="en-US" smtClean="0"/>
-              <a:t>11/2/2019</a:t>
+              <a:t>11/3/2019</a:t>
             </a:fld>
             <a:endParaRPr lang="en-US"/>
           </a:p>
@@ -2909,7 +3876,7 @@
           <a:p>
             <a:fld id="{B1C4178F-1736-4F41-BF4A-731F588A4210}" type="datetimeFigureOut">
               <a:rPr lang="en-US" smtClean="0"/>
-              <a:t>11/2/2019</a:t>
+              <a:t>11/3/2019</a:t>
             </a:fld>
             <a:endParaRPr lang="en-US"/>
           </a:p>
@@ -3312,6 +4279,14 @@
 <file path=ppt/slides/slide1.xml><?xml version="1.0" encoding="utf-8"?>
 <p:sld xmlns:a="http://schemas.openxmlformats.org/drawingml/2006/main" xmlns:r="http://schemas.openxmlformats.org/officeDocument/2006/relationships" xmlns:p="http://schemas.openxmlformats.org/presentationml/2006/main">
   <p:cSld>
+    <p:bg>
+      <p:bgPr>
+        <a:solidFill>
+          <a:srgbClr val="CE2D75"/>
+        </a:solidFill>
+        <a:effectLst/>
+      </p:bgPr>
+    </p:bg>
     <p:spTree>
       <p:nvGrpSpPr>
         <p:cNvPr id="1" name=""/>
@@ -3328,10 +4303,234 @@
       </p:grpSpPr>
       <p:sp>
         <p:nvSpPr>
+          <p:cNvPr id="64" name="Rectangle 63">
+            <a:extLst>
+              <a:ext uri="{FF2B5EF4-FFF2-40B4-BE49-F238E27FC236}">
+                <a16:creationId xmlns:a16="http://schemas.microsoft.com/office/drawing/2014/main" id="{82D2074F-C4C1-4034-AE92-FC92C6EE0ACC}"/>
+              </a:ext>
+            </a:extLst>
+          </p:cNvPr>
+          <p:cNvSpPr/>
+          <p:nvPr/>
+        </p:nvSpPr>
+        <p:spPr>
+          <a:xfrm rot="10800000">
+            <a:off x="9714271" y="-2266335"/>
+            <a:ext cx="2477729" cy="12565626"/>
+          </a:xfrm>
+          <a:prstGeom prst="rect">
+            <a:avLst/>
+          </a:prstGeom>
+          <a:solidFill>
+            <a:srgbClr val="CE2D75"/>
+          </a:solidFill>
+          <a:ln>
+            <a:noFill/>
+          </a:ln>
+          <a:effectLst>
+            <a:innerShdw blurRad="546100" dist="50800">
+              <a:prstClr val="black">
+                <a:alpha val="45000"/>
+              </a:prstClr>
+            </a:innerShdw>
+          </a:effectLst>
+        </p:spPr>
+        <p:style>
+          <a:lnRef idx="2">
+            <a:schemeClr val="accent1">
+              <a:shade val="50000"/>
+            </a:schemeClr>
+          </a:lnRef>
+          <a:fillRef idx="1">
+            <a:schemeClr val="accent1"/>
+          </a:fillRef>
+          <a:effectRef idx="0">
+            <a:schemeClr val="accent1"/>
+          </a:effectRef>
+          <a:fontRef idx="minor">
+            <a:schemeClr val="lt1"/>
+          </a:fontRef>
+        </p:style>
+        <p:txBody>
+          <a:bodyPr rtlCol="0" anchor="ctr"/>
+          <a:lstStyle/>
+          <a:p>
+            <a:pPr algn="ctr"/>
+            <a:endParaRPr lang="en-US"/>
+          </a:p>
+        </p:txBody>
+      </p:sp>
+      <p:sp>
+        <p:nvSpPr>
+          <p:cNvPr id="65" name="Rectangle 64">
+            <a:extLst>
+              <a:ext uri="{FF2B5EF4-FFF2-40B4-BE49-F238E27FC236}">
+                <a16:creationId xmlns:a16="http://schemas.microsoft.com/office/drawing/2014/main" id="{2EC4A492-06CD-4032-A2A7-498E0AC426CC}"/>
+              </a:ext>
+            </a:extLst>
+          </p:cNvPr>
+          <p:cNvSpPr/>
+          <p:nvPr/>
+        </p:nvSpPr>
+        <p:spPr>
+          <a:xfrm rot="10800000">
+            <a:off x="8038004" y="-2477729"/>
+            <a:ext cx="3416710" cy="13219471"/>
+          </a:xfrm>
+          <a:prstGeom prst="rect">
+            <a:avLst/>
+          </a:prstGeom>
+          <a:solidFill>
+            <a:srgbClr val="CE2D75"/>
+          </a:solidFill>
+          <a:ln>
+            <a:noFill/>
+          </a:ln>
+          <a:effectLst/>
+        </p:spPr>
+        <p:style>
+          <a:lnRef idx="2">
+            <a:schemeClr val="accent1">
+              <a:shade val="50000"/>
+            </a:schemeClr>
+          </a:lnRef>
+          <a:fillRef idx="1">
+            <a:schemeClr val="accent1"/>
+          </a:fillRef>
+          <a:effectRef idx="0">
+            <a:schemeClr val="accent1"/>
+          </a:effectRef>
+          <a:fontRef idx="minor">
+            <a:schemeClr val="lt1"/>
+          </a:fontRef>
+        </p:style>
+        <p:txBody>
+          <a:bodyPr rtlCol="0" anchor="ctr"/>
+          <a:lstStyle/>
+          <a:p>
+            <a:pPr algn="ctr"/>
+            <a:endParaRPr lang="en-US"/>
+          </a:p>
+        </p:txBody>
+      </p:sp>
+      <p:sp>
+        <p:nvSpPr>
+          <p:cNvPr id="66" name="Rectangle 65">
+            <a:extLst>
+              <a:ext uri="{FF2B5EF4-FFF2-40B4-BE49-F238E27FC236}">
+                <a16:creationId xmlns:a16="http://schemas.microsoft.com/office/drawing/2014/main" id="{28B36C9E-36CE-41BF-ACA1-D0E6B0D2692C}"/>
+              </a:ext>
+            </a:extLst>
+          </p:cNvPr>
+          <p:cNvSpPr/>
+          <p:nvPr/>
+        </p:nvSpPr>
+        <p:spPr>
+          <a:xfrm>
+            <a:off x="0" y="-2477729"/>
+            <a:ext cx="2477729" cy="12565626"/>
+          </a:xfrm>
+          <a:prstGeom prst="rect">
+            <a:avLst/>
+          </a:prstGeom>
+          <a:solidFill>
+            <a:srgbClr val="CE2D75"/>
+          </a:solidFill>
+          <a:ln>
+            <a:noFill/>
+          </a:ln>
+          <a:effectLst>
+            <a:innerShdw blurRad="546100" dist="50800" dir="10800000">
+              <a:prstClr val="black">
+                <a:alpha val="45000"/>
+              </a:prstClr>
+            </a:innerShdw>
+          </a:effectLst>
+        </p:spPr>
+        <p:style>
+          <a:lnRef idx="2">
+            <a:schemeClr val="accent1">
+              <a:shade val="50000"/>
+            </a:schemeClr>
+          </a:lnRef>
+          <a:fillRef idx="1">
+            <a:schemeClr val="accent1"/>
+          </a:fillRef>
+          <a:effectRef idx="0">
+            <a:schemeClr val="accent1"/>
+          </a:effectRef>
+          <a:fontRef idx="minor">
+            <a:schemeClr val="lt1"/>
+          </a:fontRef>
+        </p:style>
+        <p:txBody>
+          <a:bodyPr rtlCol="0" anchor="ctr"/>
+          <a:lstStyle/>
+          <a:p>
+            <a:pPr algn="ctr"/>
+            <a:endParaRPr lang="en-US"/>
+          </a:p>
+        </p:txBody>
+      </p:sp>
+      <p:sp>
+        <p:nvSpPr>
+          <p:cNvPr id="67" name="Rectangle 66">
+            <a:extLst>
+              <a:ext uri="{FF2B5EF4-FFF2-40B4-BE49-F238E27FC236}">
+                <a16:creationId xmlns:a16="http://schemas.microsoft.com/office/drawing/2014/main" id="{2164B3E1-C696-4E7F-A329-E72736DF81AC}"/>
+              </a:ext>
+            </a:extLst>
+          </p:cNvPr>
+          <p:cNvSpPr/>
+          <p:nvPr/>
+        </p:nvSpPr>
+        <p:spPr>
+          <a:xfrm>
+            <a:off x="513403" y="-2920180"/>
+            <a:ext cx="3416710" cy="13219471"/>
+          </a:xfrm>
+          <a:prstGeom prst="rect">
+            <a:avLst/>
+          </a:prstGeom>
+          <a:solidFill>
+            <a:srgbClr val="CE2D75"/>
+          </a:solidFill>
+          <a:ln>
+            <a:noFill/>
+          </a:ln>
+          <a:effectLst/>
+        </p:spPr>
+        <p:style>
+          <a:lnRef idx="2">
+            <a:schemeClr val="accent1">
+              <a:shade val="50000"/>
+            </a:schemeClr>
+          </a:lnRef>
+          <a:fillRef idx="1">
+            <a:schemeClr val="accent1"/>
+          </a:fillRef>
+          <a:effectRef idx="0">
+            <a:schemeClr val="accent1"/>
+          </a:effectRef>
+          <a:fontRef idx="minor">
+            <a:schemeClr val="lt1"/>
+          </a:fontRef>
+        </p:style>
+        <p:txBody>
+          <a:bodyPr rtlCol="0" anchor="ctr"/>
+          <a:lstStyle/>
+          <a:p>
+            <a:pPr algn="ctr"/>
+            <a:endParaRPr lang="en-US"/>
+          </a:p>
+        </p:txBody>
+      </p:sp>
+      <p:sp>
+        <p:nvSpPr>
           <p:cNvPr id="2" name="Title 1">
             <a:extLst>
               <a:ext uri="{FF2B5EF4-FFF2-40B4-BE49-F238E27FC236}">
-                <a16:creationId xmlns:a16="http://schemas.microsoft.com/office/drawing/2014/main" id="{55FB5D5D-A8AA-48E9-946C-FEF9951821E4}"/>
+                <a16:creationId xmlns:a16="http://schemas.microsoft.com/office/drawing/2014/main" id="{019B48C3-6B31-4A0D-884F-1760E82AF903}"/>
               </a:ext>
             </a:extLst>
           </p:cNvPr>
@@ -3348,8 +4547,30 @@
           <a:lstStyle/>
           <a:p>
             <a:r>
-              <a:rPr lang="en-US" dirty="0"/>
-              <a:t>Progress Report</a:t>
+              <a:rPr lang="en-US" b="1" dirty="0">
+                <a:solidFill>
+                  <a:schemeClr val="bg1"/>
+                </a:solidFill>
+                <a:latin typeface="Quicksand" panose="02070303000000060000" pitchFamily="18" charset="0"/>
+              </a:rPr>
+              <a:t>Recipe Website</a:t>
+            </a:r>
+            <a:br>
+              <a:rPr lang="en-US" b="1" dirty="0">
+                <a:solidFill>
+                  <a:schemeClr val="bg1"/>
+                </a:solidFill>
+                <a:latin typeface="Quicksand" panose="02070303000000060000" pitchFamily="18" charset="0"/>
+              </a:rPr>
+            </a:br>
+            <a:r>
+              <a:rPr lang="en-US" b="1" dirty="0">
+                <a:solidFill>
+                  <a:schemeClr val="bg1"/>
+                </a:solidFill>
+                <a:latin typeface="Quicksand" panose="02070303000000060000" pitchFamily="18" charset="0"/>
+              </a:rPr>
+              <a:t>Project Report</a:t>
             </a:r>
           </a:p>
         </p:txBody>
@@ -3359,7 +4580,7 @@
           <p:cNvPr id="3" name="Subtitle 2">
             <a:extLst>
               <a:ext uri="{FF2B5EF4-FFF2-40B4-BE49-F238E27FC236}">
-                <a16:creationId xmlns:a16="http://schemas.microsoft.com/office/drawing/2014/main" id="{1907FE7E-351F-4DC2-B3AB-B385B3298E00}"/>
+                <a16:creationId xmlns:a16="http://schemas.microsoft.com/office/drawing/2014/main" id="{F6667EB8-94BF-44A2-AD3E-14DE9233C412}"/>
               </a:ext>
             </a:extLst>
           </p:cNvPr>
@@ -3375,14 +4596,140 @@
           <a:bodyPr/>
           <a:lstStyle/>
           <a:p>
-            <a:endParaRPr lang="en-US" dirty="0"/>
+            <a:r>
+              <a:rPr lang="en-US" dirty="0">
+                <a:solidFill>
+                  <a:schemeClr val="bg1"/>
+                </a:solidFill>
+                <a:latin typeface="Quicksand" panose="02070303000000060000" pitchFamily="18" charset="0"/>
+              </a:rPr>
+              <a:t>Matt Imel</a:t>
+            </a:r>
+          </a:p>
+        </p:txBody>
+      </p:sp>
+      <p:sp>
+        <p:nvSpPr>
+          <p:cNvPr id="4" name="Rectangle 3">
+            <a:extLst>
+              <a:ext uri="{FF2B5EF4-FFF2-40B4-BE49-F238E27FC236}">
+                <a16:creationId xmlns:a16="http://schemas.microsoft.com/office/drawing/2014/main" id="{B4CF0ADA-B32B-43DE-B21A-B4F945EA2D87}"/>
+              </a:ext>
+            </a:extLst>
+          </p:cNvPr>
+          <p:cNvSpPr/>
+          <p:nvPr/>
+        </p:nvSpPr>
+        <p:spPr>
+          <a:xfrm>
+            <a:off x="10206681" y="-840259"/>
+            <a:ext cx="963827" cy="8501448"/>
+          </a:xfrm>
+          <a:prstGeom prst="rect">
+            <a:avLst/>
+          </a:prstGeom>
+          <a:solidFill>
+            <a:srgbClr val="861657"/>
+          </a:solidFill>
+          <a:ln>
+            <a:noFill/>
+          </a:ln>
+          <a:effectLst>
+            <a:outerShdw blurRad="63500" sx="102000" sy="102000" algn="ctr" rotWithShape="0">
+              <a:prstClr val="black">
+                <a:alpha val="40000"/>
+              </a:prstClr>
+            </a:outerShdw>
+          </a:effectLst>
+        </p:spPr>
+        <p:style>
+          <a:lnRef idx="2">
+            <a:schemeClr val="accent1">
+              <a:shade val="50000"/>
+            </a:schemeClr>
+          </a:lnRef>
+          <a:fillRef idx="1">
+            <a:schemeClr val="accent1"/>
+          </a:fillRef>
+          <a:effectRef idx="0">
+            <a:schemeClr val="accent1"/>
+          </a:effectRef>
+          <a:fontRef idx="minor">
+            <a:schemeClr val="lt1"/>
+          </a:fontRef>
+        </p:style>
+        <p:txBody>
+          <a:bodyPr rtlCol="0" anchor="ctr"/>
+          <a:lstStyle/>
+          <a:p>
+            <a:pPr algn="ctr"/>
+            <a:endParaRPr lang="en-US"/>
+          </a:p>
+        </p:txBody>
+      </p:sp>
+      <p:sp>
+        <p:nvSpPr>
+          <p:cNvPr id="5" name="Rectangle 4">
+            <a:extLst>
+              <a:ext uri="{FF2B5EF4-FFF2-40B4-BE49-F238E27FC236}">
+                <a16:creationId xmlns:a16="http://schemas.microsoft.com/office/drawing/2014/main" id="{9001ECF8-4C9E-44B4-A2DA-34D43FC531DD}"/>
+              </a:ext>
+            </a:extLst>
+          </p:cNvPr>
+          <p:cNvSpPr/>
+          <p:nvPr/>
+        </p:nvSpPr>
+        <p:spPr>
+          <a:xfrm>
+            <a:off x="11372336" y="-821724"/>
+            <a:ext cx="243016" cy="8501448"/>
+          </a:xfrm>
+          <a:prstGeom prst="rect">
+            <a:avLst/>
+          </a:prstGeom>
+          <a:solidFill>
+            <a:srgbClr val="861657"/>
+          </a:solidFill>
+          <a:ln>
+            <a:noFill/>
+          </a:ln>
+          <a:effectLst>
+            <a:outerShdw blurRad="63500" sx="102000" sy="102000" algn="ctr" rotWithShape="0">
+              <a:prstClr val="black">
+                <a:alpha val="40000"/>
+              </a:prstClr>
+            </a:outerShdw>
+          </a:effectLst>
+        </p:spPr>
+        <p:style>
+          <a:lnRef idx="2">
+            <a:schemeClr val="accent1">
+              <a:shade val="50000"/>
+            </a:schemeClr>
+          </a:lnRef>
+          <a:fillRef idx="1">
+            <a:schemeClr val="accent1"/>
+          </a:fillRef>
+          <a:effectRef idx="0">
+            <a:schemeClr val="accent1"/>
+          </a:effectRef>
+          <a:fontRef idx="minor">
+            <a:schemeClr val="lt1"/>
+          </a:fontRef>
+        </p:style>
+        <p:txBody>
+          <a:bodyPr rtlCol="0" anchor="ctr"/>
+          <a:lstStyle/>
+          <a:p>
+            <a:pPr algn="ctr"/>
+            <a:endParaRPr lang="en-US"/>
           </a:p>
         </p:txBody>
       </p:sp>
     </p:spTree>
     <p:extLst>
       <p:ext uri="{BB962C8B-B14F-4D97-AF65-F5344CB8AC3E}">
-        <p14:creationId xmlns:p14="http://schemas.microsoft.com/office/powerpoint/2010/main" val="4214264188"/>
+        <p14:creationId xmlns:p14="http://schemas.microsoft.com/office/powerpoint/2010/main" val="820901104"/>
       </p:ext>
     </p:extLst>
   </p:cSld>
@@ -3395,6 +4742,14 @@
 <file path=ppt/slides/slide2.xml><?xml version="1.0" encoding="utf-8"?>
 <p:sld xmlns:a="http://schemas.openxmlformats.org/drawingml/2006/main" xmlns:r="http://schemas.openxmlformats.org/officeDocument/2006/relationships" xmlns:p="http://schemas.openxmlformats.org/presentationml/2006/main">
   <p:cSld>
+    <p:bg>
+      <p:bgPr>
+        <a:solidFill>
+          <a:srgbClr val="CE2D75"/>
+        </a:solidFill>
+        <a:effectLst/>
+      </p:bgPr>
+    </p:bg>
     <p:spTree>
       <p:nvGrpSpPr>
         <p:cNvPr id="1" name=""/>
@@ -3411,10 +4766,234 @@
       </p:grpSpPr>
       <p:sp>
         <p:nvSpPr>
+          <p:cNvPr id="7" name="Rectangle 6">
+            <a:extLst>
+              <a:ext uri="{FF2B5EF4-FFF2-40B4-BE49-F238E27FC236}">
+                <a16:creationId xmlns:a16="http://schemas.microsoft.com/office/drawing/2014/main" id="{A6850917-8652-4383-995B-9767AA7442AE}"/>
+              </a:ext>
+            </a:extLst>
+          </p:cNvPr>
+          <p:cNvSpPr/>
+          <p:nvPr/>
+        </p:nvSpPr>
+        <p:spPr>
+          <a:xfrm rot="10800000">
+            <a:off x="9714271" y="-2266335"/>
+            <a:ext cx="2477729" cy="12565626"/>
+          </a:xfrm>
+          <a:prstGeom prst="rect">
+            <a:avLst/>
+          </a:prstGeom>
+          <a:solidFill>
+            <a:srgbClr val="CE2D75"/>
+          </a:solidFill>
+          <a:ln>
+            <a:noFill/>
+          </a:ln>
+          <a:effectLst>
+            <a:innerShdw blurRad="546100" dist="50800">
+              <a:prstClr val="black">
+                <a:alpha val="45000"/>
+              </a:prstClr>
+            </a:innerShdw>
+          </a:effectLst>
+        </p:spPr>
+        <p:style>
+          <a:lnRef idx="2">
+            <a:schemeClr val="accent1">
+              <a:shade val="50000"/>
+            </a:schemeClr>
+          </a:lnRef>
+          <a:fillRef idx="1">
+            <a:schemeClr val="accent1"/>
+          </a:fillRef>
+          <a:effectRef idx="0">
+            <a:schemeClr val="accent1"/>
+          </a:effectRef>
+          <a:fontRef idx="minor">
+            <a:schemeClr val="lt1"/>
+          </a:fontRef>
+        </p:style>
+        <p:txBody>
+          <a:bodyPr rtlCol="0" anchor="ctr"/>
+          <a:lstStyle/>
+          <a:p>
+            <a:pPr algn="ctr"/>
+            <a:endParaRPr lang="en-US"/>
+          </a:p>
+        </p:txBody>
+      </p:sp>
+      <p:sp>
+        <p:nvSpPr>
+          <p:cNvPr id="8" name="Rectangle 7">
+            <a:extLst>
+              <a:ext uri="{FF2B5EF4-FFF2-40B4-BE49-F238E27FC236}">
+                <a16:creationId xmlns:a16="http://schemas.microsoft.com/office/drawing/2014/main" id="{887F3168-6639-4E53-8D6F-D90E84D40768}"/>
+              </a:ext>
+            </a:extLst>
+          </p:cNvPr>
+          <p:cNvSpPr/>
+          <p:nvPr/>
+        </p:nvSpPr>
+        <p:spPr>
+          <a:xfrm rot="10800000">
+            <a:off x="8038004" y="-2477729"/>
+            <a:ext cx="3416710" cy="13219471"/>
+          </a:xfrm>
+          <a:prstGeom prst="rect">
+            <a:avLst/>
+          </a:prstGeom>
+          <a:solidFill>
+            <a:srgbClr val="CE2D75"/>
+          </a:solidFill>
+          <a:ln>
+            <a:noFill/>
+          </a:ln>
+          <a:effectLst/>
+        </p:spPr>
+        <p:style>
+          <a:lnRef idx="2">
+            <a:schemeClr val="accent1">
+              <a:shade val="50000"/>
+            </a:schemeClr>
+          </a:lnRef>
+          <a:fillRef idx="1">
+            <a:schemeClr val="accent1"/>
+          </a:fillRef>
+          <a:effectRef idx="0">
+            <a:schemeClr val="accent1"/>
+          </a:effectRef>
+          <a:fontRef idx="minor">
+            <a:schemeClr val="lt1"/>
+          </a:fontRef>
+        </p:style>
+        <p:txBody>
+          <a:bodyPr rtlCol="0" anchor="ctr"/>
+          <a:lstStyle/>
+          <a:p>
+            <a:pPr algn="ctr"/>
+            <a:endParaRPr lang="en-US"/>
+          </a:p>
+        </p:txBody>
+      </p:sp>
+      <p:sp>
+        <p:nvSpPr>
+          <p:cNvPr id="9" name="Rectangle 8">
+            <a:extLst>
+              <a:ext uri="{FF2B5EF4-FFF2-40B4-BE49-F238E27FC236}">
+                <a16:creationId xmlns:a16="http://schemas.microsoft.com/office/drawing/2014/main" id="{FDD1ACB1-7FEE-4262-A3F7-5E130DBBB513}"/>
+              </a:ext>
+            </a:extLst>
+          </p:cNvPr>
+          <p:cNvSpPr/>
+          <p:nvPr/>
+        </p:nvSpPr>
+        <p:spPr>
+          <a:xfrm>
+            <a:off x="0" y="-2477729"/>
+            <a:ext cx="2477729" cy="12565626"/>
+          </a:xfrm>
+          <a:prstGeom prst="rect">
+            <a:avLst/>
+          </a:prstGeom>
+          <a:solidFill>
+            <a:srgbClr val="CE2D75"/>
+          </a:solidFill>
+          <a:ln>
+            <a:noFill/>
+          </a:ln>
+          <a:effectLst>
+            <a:innerShdw blurRad="546100" dist="50800" dir="10800000">
+              <a:prstClr val="black">
+                <a:alpha val="45000"/>
+              </a:prstClr>
+            </a:innerShdw>
+          </a:effectLst>
+        </p:spPr>
+        <p:style>
+          <a:lnRef idx="2">
+            <a:schemeClr val="accent1">
+              <a:shade val="50000"/>
+            </a:schemeClr>
+          </a:lnRef>
+          <a:fillRef idx="1">
+            <a:schemeClr val="accent1"/>
+          </a:fillRef>
+          <a:effectRef idx="0">
+            <a:schemeClr val="accent1"/>
+          </a:effectRef>
+          <a:fontRef idx="minor">
+            <a:schemeClr val="lt1"/>
+          </a:fontRef>
+        </p:style>
+        <p:txBody>
+          <a:bodyPr rtlCol="0" anchor="ctr"/>
+          <a:lstStyle/>
+          <a:p>
+            <a:pPr algn="ctr"/>
+            <a:endParaRPr lang="en-US"/>
+          </a:p>
+        </p:txBody>
+      </p:sp>
+      <p:sp>
+        <p:nvSpPr>
+          <p:cNvPr id="10" name="Rectangle 9">
+            <a:extLst>
+              <a:ext uri="{FF2B5EF4-FFF2-40B4-BE49-F238E27FC236}">
+                <a16:creationId xmlns:a16="http://schemas.microsoft.com/office/drawing/2014/main" id="{1EF2AD43-D3C4-41B6-B450-19320FAFBC3D}"/>
+              </a:ext>
+            </a:extLst>
+          </p:cNvPr>
+          <p:cNvSpPr/>
+          <p:nvPr/>
+        </p:nvSpPr>
+        <p:spPr>
+          <a:xfrm>
+            <a:off x="513403" y="-2920180"/>
+            <a:ext cx="3416710" cy="13219471"/>
+          </a:xfrm>
+          <a:prstGeom prst="rect">
+            <a:avLst/>
+          </a:prstGeom>
+          <a:solidFill>
+            <a:srgbClr val="CE2D75"/>
+          </a:solidFill>
+          <a:ln>
+            <a:noFill/>
+          </a:ln>
+          <a:effectLst/>
+        </p:spPr>
+        <p:style>
+          <a:lnRef idx="2">
+            <a:schemeClr val="accent1">
+              <a:shade val="50000"/>
+            </a:schemeClr>
+          </a:lnRef>
+          <a:fillRef idx="1">
+            <a:schemeClr val="accent1"/>
+          </a:fillRef>
+          <a:effectRef idx="0">
+            <a:schemeClr val="accent1"/>
+          </a:effectRef>
+          <a:fontRef idx="minor">
+            <a:schemeClr val="lt1"/>
+          </a:fontRef>
+        </p:style>
+        <p:txBody>
+          <a:bodyPr rtlCol="0" anchor="ctr"/>
+          <a:lstStyle/>
+          <a:p>
+            <a:pPr algn="ctr"/>
+            <a:endParaRPr lang="en-US"/>
+          </a:p>
+        </p:txBody>
+      </p:sp>
+      <p:sp>
+        <p:nvSpPr>
           <p:cNvPr id="2" name="Title 1">
             <a:extLst>
               <a:ext uri="{FF2B5EF4-FFF2-40B4-BE49-F238E27FC236}">
-                <a16:creationId xmlns:a16="http://schemas.microsoft.com/office/drawing/2014/main" id="{6068215B-2031-41CF-B158-C029CCD84CAE}"/>
+                <a16:creationId xmlns:a16="http://schemas.microsoft.com/office/drawing/2014/main" id="{BB6B329F-66D6-42EE-82DD-B81655B95A17}"/>
               </a:ext>
             </a:extLst>
           </p:cNvPr>
@@ -3431,8 +5010,13 @@
           <a:lstStyle/>
           <a:p>
             <a:r>
-              <a:rPr lang="en-US" dirty="0"/>
-              <a:t>Project Reminder</a:t>
+              <a:rPr lang="en-US" b="1" dirty="0">
+                <a:solidFill>
+                  <a:schemeClr val="bg1"/>
+                </a:solidFill>
+                <a:latin typeface="Quicksand" panose="02070303000000060000" pitchFamily="18" charset="0"/>
+              </a:rPr>
+              <a:t>Recipe Website Overview</a:t>
             </a:r>
           </a:p>
         </p:txBody>
@@ -3442,7 +5026,7 @@
           <p:cNvPr id="3" name="Content Placeholder 2">
             <a:extLst>
               <a:ext uri="{FF2B5EF4-FFF2-40B4-BE49-F238E27FC236}">
-                <a16:creationId xmlns:a16="http://schemas.microsoft.com/office/drawing/2014/main" id="{FD13C2C9-C610-4B0C-8733-37B1E15F667A}"/>
+                <a16:creationId xmlns:a16="http://schemas.microsoft.com/office/drawing/2014/main" id="{CBE42BD6-46A7-457F-9693-6B535C4334D6}"/>
               </a:ext>
             </a:extLst>
           </p:cNvPr>
@@ -3453,11 +5037,253 @@
             <p:ph idx="1"/>
           </p:nvPr>
         </p:nvSpPr>
-        <p:spPr/>
-        <p:txBody>
-          <a:bodyPr/>
-          <a:lstStyle/>
-          <a:p>
+        <p:spPr>
+          <a:xfrm>
+            <a:off x="838200" y="1356853"/>
+            <a:ext cx="9166653" cy="5501147"/>
+          </a:xfrm>
+        </p:spPr>
+        <p:txBody>
+          <a:bodyPr>
+            <a:normAutofit/>
+          </a:bodyPr>
+          <a:lstStyle/>
+          <a:p>
+            <a:pPr marL="0" indent="0">
+              <a:buNone/>
+            </a:pPr>
+            <a:r>
+              <a:rPr lang="en-US" b="1" dirty="0">
+                <a:solidFill>
+                  <a:schemeClr val="bg1"/>
+                </a:solidFill>
+                <a:effectLst>
+                  <a:outerShdw blurRad="38100" dist="38100" dir="2700000" algn="tl">
+                    <a:srgbClr val="000000">
+                      <a:alpha val="43137"/>
+                    </a:srgbClr>
+                  </a:outerShdw>
+                </a:effectLst>
+                <a:latin typeface="Quicksand" panose="02070303000000060000" pitchFamily="18" charset="0"/>
+              </a:rPr>
+              <a:t>Promotes a collaborative and constructive environment around creating and refining recipes.</a:t>
+            </a:r>
+          </a:p>
+          <a:p>
+            <a:pPr marL="0" indent="0">
+              <a:buNone/>
+            </a:pPr>
+            <a:r>
+              <a:rPr lang="en-US" b="1" dirty="0">
+                <a:solidFill>
+                  <a:schemeClr val="bg1"/>
+                </a:solidFill>
+                <a:effectLst>
+                  <a:outerShdw blurRad="38100" dist="38100" dir="2700000" algn="tl">
+                    <a:srgbClr val="000000">
+                      <a:alpha val="43137"/>
+                    </a:srgbClr>
+                  </a:outerShdw>
+                </a:effectLst>
+                <a:latin typeface="Quicksand" panose="02070303000000060000" pitchFamily="18" charset="0"/>
+              </a:rPr>
+              <a:t>Allow users to upload “Variants” to recipes. Variants can be tagged not only by cuisine or type, but by intent.</a:t>
+            </a:r>
+            <a:br>
+              <a:rPr lang="en-US" b="1" dirty="0">
+                <a:solidFill>
+                  <a:schemeClr val="bg1"/>
+                </a:solidFill>
+                <a:effectLst>
+                  <a:outerShdw blurRad="38100" dist="38100" dir="2700000" algn="tl">
+                    <a:srgbClr val="000000">
+                      <a:alpha val="43137"/>
+                    </a:srgbClr>
+                  </a:outerShdw>
+                </a:effectLst>
+                <a:latin typeface="Quicksand" panose="02070303000000060000" pitchFamily="18" charset="0"/>
+              </a:rPr>
+            </a:br>
+            <a:br>
+              <a:rPr lang="en-US" b="1" dirty="0">
+                <a:solidFill>
+                  <a:schemeClr val="bg1"/>
+                </a:solidFill>
+                <a:effectLst>
+                  <a:outerShdw blurRad="38100" dist="38100" dir="2700000" algn="tl">
+                    <a:srgbClr val="000000">
+                      <a:alpha val="43137"/>
+                    </a:srgbClr>
+                  </a:outerShdw>
+                </a:effectLst>
+                <a:latin typeface="Quicksand" panose="02070303000000060000" pitchFamily="18" charset="0"/>
+              </a:rPr>
+            </a:br>
+            <a:r>
+              <a:rPr lang="en-US" b="1" dirty="0">
+                <a:solidFill>
+                  <a:schemeClr val="bg1"/>
+                </a:solidFill>
+                <a:effectLst>
+                  <a:outerShdw blurRad="38100" dist="38100" dir="2700000" algn="tl">
+                    <a:srgbClr val="000000">
+                      <a:alpha val="43137"/>
+                    </a:srgbClr>
+                  </a:outerShdw>
+                </a:effectLst>
+                <a:latin typeface="Quicksand" panose="02070303000000060000" pitchFamily="18" charset="0"/>
+              </a:rPr>
+              <a:t>Webpage, using </a:t>
+            </a:r>
+            <a:r>
+              <a:rPr lang="en-US" b="1" dirty="0" err="1">
+                <a:solidFill>
+                  <a:schemeClr val="bg1"/>
+                </a:solidFill>
+                <a:effectLst>
+                  <a:outerShdw blurRad="38100" dist="38100" dir="2700000" algn="tl">
+                    <a:srgbClr val="000000">
+                      <a:alpha val="43137"/>
+                    </a:srgbClr>
+                  </a:outerShdw>
+                </a:effectLst>
+                <a:latin typeface="Quicksand" panose="02070303000000060000" pitchFamily="18" charset="0"/>
+              </a:rPr>
+              <a:t>CakePHP</a:t>
+            </a:r>
+            <a:r>
+              <a:rPr lang="en-US" b="1" dirty="0">
+                <a:solidFill>
+                  <a:schemeClr val="bg1"/>
+                </a:solidFill>
+                <a:effectLst>
+                  <a:outerShdw blurRad="38100" dist="38100" dir="2700000" algn="tl">
+                    <a:srgbClr val="000000">
+                      <a:alpha val="43137"/>
+                    </a:srgbClr>
+                  </a:outerShdw>
+                </a:effectLst>
+                <a:latin typeface="Quicksand" panose="02070303000000060000" pitchFamily="18" charset="0"/>
+              </a:rPr>
+              <a:t> as a framework.</a:t>
+            </a:r>
+          </a:p>
+        </p:txBody>
+      </p:sp>
+      <p:sp>
+        <p:nvSpPr>
+          <p:cNvPr id="4" name="Rectangle 3">
+            <a:extLst>
+              <a:ext uri="{FF2B5EF4-FFF2-40B4-BE49-F238E27FC236}">
+                <a16:creationId xmlns:a16="http://schemas.microsoft.com/office/drawing/2014/main" id="{379CDECF-74BF-44F4-92E3-2A273826367E}"/>
+              </a:ext>
+            </a:extLst>
+          </p:cNvPr>
+          <p:cNvSpPr/>
+          <p:nvPr/>
+        </p:nvSpPr>
+        <p:spPr>
+          <a:xfrm>
+            <a:off x="10206681" y="-840259"/>
+            <a:ext cx="963827" cy="8501448"/>
+          </a:xfrm>
+          <a:prstGeom prst="rect">
+            <a:avLst/>
+          </a:prstGeom>
+          <a:solidFill>
+            <a:srgbClr val="861657"/>
+          </a:solidFill>
+          <a:ln>
+            <a:noFill/>
+          </a:ln>
+          <a:effectLst>
+            <a:outerShdw blurRad="63500" sx="102000" sy="102000" algn="ctr" rotWithShape="0">
+              <a:prstClr val="black">
+                <a:alpha val="40000"/>
+              </a:prstClr>
+            </a:outerShdw>
+          </a:effectLst>
+        </p:spPr>
+        <p:style>
+          <a:lnRef idx="2">
+            <a:schemeClr val="accent1">
+              <a:shade val="50000"/>
+            </a:schemeClr>
+          </a:lnRef>
+          <a:fillRef idx="1">
+            <a:schemeClr val="accent1"/>
+          </a:fillRef>
+          <a:effectRef idx="0">
+            <a:schemeClr val="accent1"/>
+          </a:effectRef>
+          <a:fontRef idx="minor">
+            <a:schemeClr val="lt1"/>
+          </a:fontRef>
+        </p:style>
+        <p:txBody>
+          <a:bodyPr rtlCol="0" anchor="ctr"/>
+          <a:lstStyle/>
+          <a:p>
+            <a:pPr algn="ctr"/>
+            <a:endParaRPr lang="en-US"/>
+          </a:p>
+        </p:txBody>
+      </p:sp>
+      <p:sp>
+        <p:nvSpPr>
+          <p:cNvPr id="5" name="Rectangle 4">
+            <a:extLst>
+              <a:ext uri="{FF2B5EF4-FFF2-40B4-BE49-F238E27FC236}">
+                <a16:creationId xmlns:a16="http://schemas.microsoft.com/office/drawing/2014/main" id="{90080D6F-F4A9-42C9-BCAE-E72A037517C3}"/>
+              </a:ext>
+            </a:extLst>
+          </p:cNvPr>
+          <p:cNvSpPr/>
+          <p:nvPr/>
+        </p:nvSpPr>
+        <p:spPr>
+          <a:xfrm>
+            <a:off x="11372336" y="-821724"/>
+            <a:ext cx="243016" cy="8501448"/>
+          </a:xfrm>
+          <a:prstGeom prst="rect">
+            <a:avLst/>
+          </a:prstGeom>
+          <a:solidFill>
+            <a:srgbClr val="861657"/>
+          </a:solidFill>
+          <a:ln>
+            <a:noFill/>
+          </a:ln>
+          <a:effectLst>
+            <a:outerShdw blurRad="63500" sx="102000" sy="102000" algn="ctr" rotWithShape="0">
+              <a:prstClr val="black">
+                <a:alpha val="40000"/>
+              </a:prstClr>
+            </a:outerShdw>
+          </a:effectLst>
+        </p:spPr>
+        <p:style>
+          <a:lnRef idx="2">
+            <a:schemeClr val="accent1">
+              <a:shade val="50000"/>
+            </a:schemeClr>
+          </a:lnRef>
+          <a:fillRef idx="1">
+            <a:schemeClr val="accent1"/>
+          </a:fillRef>
+          <a:effectRef idx="0">
+            <a:schemeClr val="accent1"/>
+          </a:effectRef>
+          <a:fontRef idx="minor">
+            <a:schemeClr val="lt1"/>
+          </a:fontRef>
+        </p:style>
+        <p:txBody>
+          <a:bodyPr rtlCol="0" anchor="ctr"/>
+          <a:lstStyle/>
+          <a:p>
+            <a:pPr algn="ctr"/>
             <a:endParaRPr lang="en-US"/>
           </a:p>
         </p:txBody>
@@ -3465,19 +5291,30 @@
     </p:spTree>
     <p:extLst>
       <p:ext uri="{BB962C8B-B14F-4D97-AF65-F5344CB8AC3E}">
-        <p14:creationId xmlns:p14="http://schemas.microsoft.com/office/powerpoint/2010/main" val="29935729"/>
+        <p14:creationId xmlns:p14="http://schemas.microsoft.com/office/powerpoint/2010/main" val="1325007648"/>
       </p:ext>
     </p:extLst>
   </p:cSld>
   <p:clrMapOvr>
     <a:masterClrMapping/>
   </p:clrMapOvr>
+  <p:transition spd="slow">
+    <p:push dir="u"/>
+  </p:transition>
 </p:sld>
 </file>
 
 <file path=ppt/slides/slide3.xml><?xml version="1.0" encoding="utf-8"?>
 <p:sld xmlns:a="http://schemas.openxmlformats.org/drawingml/2006/main" xmlns:r="http://schemas.openxmlformats.org/officeDocument/2006/relationships" xmlns:p="http://schemas.openxmlformats.org/presentationml/2006/main">
   <p:cSld>
+    <p:bg>
+      <p:bgPr>
+        <a:solidFill>
+          <a:srgbClr val="CE2D75"/>
+        </a:solidFill>
+        <a:effectLst/>
+      </p:bgPr>
+    </p:bg>
     <p:spTree>
       <p:nvGrpSpPr>
         <p:cNvPr id="1" name=""/>
@@ -3494,10 +5331,234 @@
       </p:grpSpPr>
       <p:sp>
         <p:nvSpPr>
+          <p:cNvPr id="7" name="Rectangle 6">
+            <a:extLst>
+              <a:ext uri="{FF2B5EF4-FFF2-40B4-BE49-F238E27FC236}">
+                <a16:creationId xmlns:a16="http://schemas.microsoft.com/office/drawing/2014/main" id="{A6850917-8652-4383-995B-9767AA7442AE}"/>
+              </a:ext>
+            </a:extLst>
+          </p:cNvPr>
+          <p:cNvSpPr/>
+          <p:nvPr/>
+        </p:nvSpPr>
+        <p:spPr>
+          <a:xfrm rot="10800000">
+            <a:off x="9714271" y="-2266335"/>
+            <a:ext cx="2477729" cy="12565626"/>
+          </a:xfrm>
+          <a:prstGeom prst="rect">
+            <a:avLst/>
+          </a:prstGeom>
+          <a:solidFill>
+            <a:srgbClr val="CE2D75"/>
+          </a:solidFill>
+          <a:ln>
+            <a:noFill/>
+          </a:ln>
+          <a:effectLst>
+            <a:innerShdw blurRad="546100" dist="50800">
+              <a:prstClr val="black">
+                <a:alpha val="45000"/>
+              </a:prstClr>
+            </a:innerShdw>
+          </a:effectLst>
+        </p:spPr>
+        <p:style>
+          <a:lnRef idx="2">
+            <a:schemeClr val="accent1">
+              <a:shade val="50000"/>
+            </a:schemeClr>
+          </a:lnRef>
+          <a:fillRef idx="1">
+            <a:schemeClr val="accent1"/>
+          </a:fillRef>
+          <a:effectRef idx="0">
+            <a:schemeClr val="accent1"/>
+          </a:effectRef>
+          <a:fontRef idx="minor">
+            <a:schemeClr val="lt1"/>
+          </a:fontRef>
+        </p:style>
+        <p:txBody>
+          <a:bodyPr rtlCol="0" anchor="ctr"/>
+          <a:lstStyle/>
+          <a:p>
+            <a:pPr algn="ctr"/>
+            <a:endParaRPr lang="en-US"/>
+          </a:p>
+        </p:txBody>
+      </p:sp>
+      <p:sp>
+        <p:nvSpPr>
+          <p:cNvPr id="8" name="Rectangle 7">
+            <a:extLst>
+              <a:ext uri="{FF2B5EF4-FFF2-40B4-BE49-F238E27FC236}">
+                <a16:creationId xmlns:a16="http://schemas.microsoft.com/office/drawing/2014/main" id="{887F3168-6639-4E53-8D6F-D90E84D40768}"/>
+              </a:ext>
+            </a:extLst>
+          </p:cNvPr>
+          <p:cNvSpPr/>
+          <p:nvPr/>
+        </p:nvSpPr>
+        <p:spPr>
+          <a:xfrm rot="10800000">
+            <a:off x="8038004" y="-2477729"/>
+            <a:ext cx="3416710" cy="13219471"/>
+          </a:xfrm>
+          <a:prstGeom prst="rect">
+            <a:avLst/>
+          </a:prstGeom>
+          <a:solidFill>
+            <a:srgbClr val="CE2D75"/>
+          </a:solidFill>
+          <a:ln>
+            <a:noFill/>
+          </a:ln>
+          <a:effectLst/>
+        </p:spPr>
+        <p:style>
+          <a:lnRef idx="2">
+            <a:schemeClr val="accent1">
+              <a:shade val="50000"/>
+            </a:schemeClr>
+          </a:lnRef>
+          <a:fillRef idx="1">
+            <a:schemeClr val="accent1"/>
+          </a:fillRef>
+          <a:effectRef idx="0">
+            <a:schemeClr val="accent1"/>
+          </a:effectRef>
+          <a:fontRef idx="minor">
+            <a:schemeClr val="lt1"/>
+          </a:fontRef>
+        </p:style>
+        <p:txBody>
+          <a:bodyPr rtlCol="0" anchor="ctr"/>
+          <a:lstStyle/>
+          <a:p>
+            <a:pPr algn="ctr"/>
+            <a:endParaRPr lang="en-US" dirty="0"/>
+          </a:p>
+        </p:txBody>
+      </p:sp>
+      <p:sp>
+        <p:nvSpPr>
+          <p:cNvPr id="9" name="Rectangle 8">
+            <a:extLst>
+              <a:ext uri="{FF2B5EF4-FFF2-40B4-BE49-F238E27FC236}">
+                <a16:creationId xmlns:a16="http://schemas.microsoft.com/office/drawing/2014/main" id="{FDD1ACB1-7FEE-4262-A3F7-5E130DBBB513}"/>
+              </a:ext>
+            </a:extLst>
+          </p:cNvPr>
+          <p:cNvSpPr/>
+          <p:nvPr/>
+        </p:nvSpPr>
+        <p:spPr>
+          <a:xfrm>
+            <a:off x="0" y="-2477729"/>
+            <a:ext cx="2477729" cy="12565626"/>
+          </a:xfrm>
+          <a:prstGeom prst="rect">
+            <a:avLst/>
+          </a:prstGeom>
+          <a:solidFill>
+            <a:srgbClr val="CE2D75"/>
+          </a:solidFill>
+          <a:ln>
+            <a:noFill/>
+          </a:ln>
+          <a:effectLst>
+            <a:innerShdw blurRad="546100" dist="50800" dir="10800000">
+              <a:prstClr val="black">
+                <a:alpha val="45000"/>
+              </a:prstClr>
+            </a:innerShdw>
+          </a:effectLst>
+        </p:spPr>
+        <p:style>
+          <a:lnRef idx="2">
+            <a:schemeClr val="accent1">
+              <a:shade val="50000"/>
+            </a:schemeClr>
+          </a:lnRef>
+          <a:fillRef idx="1">
+            <a:schemeClr val="accent1"/>
+          </a:fillRef>
+          <a:effectRef idx="0">
+            <a:schemeClr val="accent1"/>
+          </a:effectRef>
+          <a:fontRef idx="minor">
+            <a:schemeClr val="lt1"/>
+          </a:fontRef>
+        </p:style>
+        <p:txBody>
+          <a:bodyPr rtlCol="0" anchor="ctr"/>
+          <a:lstStyle/>
+          <a:p>
+            <a:pPr algn="ctr"/>
+            <a:endParaRPr lang="en-US"/>
+          </a:p>
+        </p:txBody>
+      </p:sp>
+      <p:sp>
+        <p:nvSpPr>
+          <p:cNvPr id="10" name="Rectangle 9">
+            <a:extLst>
+              <a:ext uri="{FF2B5EF4-FFF2-40B4-BE49-F238E27FC236}">
+                <a16:creationId xmlns:a16="http://schemas.microsoft.com/office/drawing/2014/main" id="{1EF2AD43-D3C4-41B6-B450-19320FAFBC3D}"/>
+              </a:ext>
+            </a:extLst>
+          </p:cNvPr>
+          <p:cNvSpPr/>
+          <p:nvPr/>
+        </p:nvSpPr>
+        <p:spPr>
+          <a:xfrm>
+            <a:off x="513403" y="-2920180"/>
+            <a:ext cx="3416710" cy="13219471"/>
+          </a:xfrm>
+          <a:prstGeom prst="rect">
+            <a:avLst/>
+          </a:prstGeom>
+          <a:solidFill>
+            <a:srgbClr val="CE2D75"/>
+          </a:solidFill>
+          <a:ln>
+            <a:noFill/>
+          </a:ln>
+          <a:effectLst/>
+        </p:spPr>
+        <p:style>
+          <a:lnRef idx="2">
+            <a:schemeClr val="accent1">
+              <a:shade val="50000"/>
+            </a:schemeClr>
+          </a:lnRef>
+          <a:fillRef idx="1">
+            <a:schemeClr val="accent1"/>
+          </a:fillRef>
+          <a:effectRef idx="0">
+            <a:schemeClr val="accent1"/>
+          </a:effectRef>
+          <a:fontRef idx="minor">
+            <a:schemeClr val="lt1"/>
+          </a:fontRef>
+        </p:style>
+        <p:txBody>
+          <a:bodyPr rtlCol="0" anchor="ctr"/>
+          <a:lstStyle/>
+          <a:p>
+            <a:pPr algn="ctr"/>
+            <a:endParaRPr lang="en-US"/>
+          </a:p>
+        </p:txBody>
+      </p:sp>
+      <p:sp>
+        <p:nvSpPr>
           <p:cNvPr id="2" name="Title 1">
             <a:extLst>
               <a:ext uri="{FF2B5EF4-FFF2-40B4-BE49-F238E27FC236}">
-                <a16:creationId xmlns:a16="http://schemas.microsoft.com/office/drawing/2014/main" id="{FAFDF435-8ADD-4A46-BC0E-E1346BA9BF29}"/>
+                <a16:creationId xmlns:a16="http://schemas.microsoft.com/office/drawing/2014/main" id="{BB6B329F-66D6-42EE-82DD-B81655B95A17}"/>
               </a:ext>
             </a:extLst>
           </p:cNvPr>
@@ -3514,53 +5575,192 @@
           <a:lstStyle/>
           <a:p>
             <a:r>
-              <a:rPr lang="en-US" dirty="0"/>
-              <a:t>Login System</a:t>
-            </a:r>
-          </a:p>
-        </p:txBody>
-      </p:sp>
-      <p:sp>
-        <p:nvSpPr>
-          <p:cNvPr id="3" name="Content Placeholder 2">
-            <a:extLst>
-              <a:ext uri="{FF2B5EF4-FFF2-40B4-BE49-F238E27FC236}">
-                <a16:creationId xmlns:a16="http://schemas.microsoft.com/office/drawing/2014/main" id="{F67B3497-A808-42EF-9642-567C87B9AB61}"/>
-              </a:ext>
-            </a:extLst>
-          </p:cNvPr>
-          <p:cNvSpPr>
-            <a:spLocks noGrp="1"/>
-          </p:cNvSpPr>
-          <p:nvPr>
-            <p:ph idx="1"/>
-          </p:nvPr>
-        </p:nvSpPr>
-        <p:spPr/>
-        <p:txBody>
-          <a:bodyPr/>
-          <a:lstStyle/>
-          <a:p>
+              <a:rPr lang="en-US" b="1" dirty="0">
+                <a:solidFill>
+                  <a:schemeClr val="bg1"/>
+                </a:solidFill>
+                <a:latin typeface="Quicksand" panose="02070303000000060000" pitchFamily="18" charset="0"/>
+              </a:rPr>
+              <a:t>Login System (/)</a:t>
+            </a:r>
+          </a:p>
+        </p:txBody>
+      </p:sp>
+      <p:sp>
+        <p:nvSpPr>
+          <p:cNvPr id="4" name="Rectangle 3">
+            <a:extLst>
+              <a:ext uri="{FF2B5EF4-FFF2-40B4-BE49-F238E27FC236}">
+                <a16:creationId xmlns:a16="http://schemas.microsoft.com/office/drawing/2014/main" id="{379CDECF-74BF-44F4-92E3-2A273826367E}"/>
+              </a:ext>
+            </a:extLst>
+          </p:cNvPr>
+          <p:cNvSpPr/>
+          <p:nvPr/>
+        </p:nvSpPr>
+        <p:spPr>
+          <a:xfrm>
+            <a:off x="10206681" y="-840259"/>
+            <a:ext cx="963827" cy="8501448"/>
+          </a:xfrm>
+          <a:prstGeom prst="rect">
+            <a:avLst/>
+          </a:prstGeom>
+          <a:solidFill>
+            <a:srgbClr val="861657"/>
+          </a:solidFill>
+          <a:ln>
+            <a:noFill/>
+          </a:ln>
+          <a:effectLst>
+            <a:outerShdw blurRad="63500" sx="102000" sy="102000" algn="ctr" rotWithShape="0">
+              <a:prstClr val="black">
+                <a:alpha val="40000"/>
+              </a:prstClr>
+            </a:outerShdw>
+          </a:effectLst>
+        </p:spPr>
+        <p:style>
+          <a:lnRef idx="2">
+            <a:schemeClr val="accent1">
+              <a:shade val="50000"/>
+            </a:schemeClr>
+          </a:lnRef>
+          <a:fillRef idx="1">
+            <a:schemeClr val="accent1"/>
+          </a:fillRef>
+          <a:effectRef idx="0">
+            <a:schemeClr val="accent1"/>
+          </a:effectRef>
+          <a:fontRef idx="minor">
+            <a:schemeClr val="lt1"/>
+          </a:fontRef>
+        </p:style>
+        <p:txBody>
+          <a:bodyPr rtlCol="0" anchor="ctr"/>
+          <a:lstStyle/>
+          <a:p>
+            <a:pPr algn="ctr"/>
             <a:endParaRPr lang="en-US"/>
           </a:p>
         </p:txBody>
       </p:sp>
+      <p:sp>
+        <p:nvSpPr>
+          <p:cNvPr id="5" name="Rectangle 4">
+            <a:extLst>
+              <a:ext uri="{FF2B5EF4-FFF2-40B4-BE49-F238E27FC236}">
+                <a16:creationId xmlns:a16="http://schemas.microsoft.com/office/drawing/2014/main" id="{90080D6F-F4A9-42C9-BCAE-E72A037517C3}"/>
+              </a:ext>
+            </a:extLst>
+          </p:cNvPr>
+          <p:cNvSpPr/>
+          <p:nvPr/>
+        </p:nvSpPr>
+        <p:spPr>
+          <a:xfrm>
+            <a:off x="11372336" y="-821724"/>
+            <a:ext cx="243016" cy="8501448"/>
+          </a:xfrm>
+          <a:prstGeom prst="rect">
+            <a:avLst/>
+          </a:prstGeom>
+          <a:solidFill>
+            <a:srgbClr val="861657"/>
+          </a:solidFill>
+          <a:ln>
+            <a:noFill/>
+          </a:ln>
+          <a:effectLst>
+            <a:outerShdw blurRad="63500" sx="102000" sy="102000" algn="ctr" rotWithShape="0">
+              <a:prstClr val="black">
+                <a:alpha val="40000"/>
+              </a:prstClr>
+            </a:outerShdw>
+          </a:effectLst>
+        </p:spPr>
+        <p:style>
+          <a:lnRef idx="2">
+            <a:schemeClr val="accent1">
+              <a:shade val="50000"/>
+            </a:schemeClr>
+          </a:lnRef>
+          <a:fillRef idx="1">
+            <a:schemeClr val="accent1"/>
+          </a:fillRef>
+          <a:effectRef idx="0">
+            <a:schemeClr val="accent1"/>
+          </a:effectRef>
+          <a:fontRef idx="minor">
+            <a:schemeClr val="lt1"/>
+          </a:fontRef>
+        </p:style>
+        <p:txBody>
+          <a:bodyPr rtlCol="0" anchor="ctr"/>
+          <a:lstStyle/>
+          <a:p>
+            <a:pPr algn="ctr"/>
+            <a:endParaRPr lang="en-US"/>
+          </a:p>
+        </p:txBody>
+      </p:sp>
+      <p:pic>
+        <p:nvPicPr>
+          <p:cNvPr id="11" name="Picture 10">
+            <a:extLst>
+              <a:ext uri="{FF2B5EF4-FFF2-40B4-BE49-F238E27FC236}">
+                <a16:creationId xmlns:a16="http://schemas.microsoft.com/office/drawing/2014/main" id="{1979B55E-DCD3-4F09-8287-2F2201387C7E}"/>
+              </a:ext>
+            </a:extLst>
+          </p:cNvPr>
+          <p:cNvPicPr>
+            <a:picLocks noChangeAspect="1"/>
+          </p:cNvPicPr>
+          <p:nvPr/>
+        </p:nvPicPr>
+        <p:blipFill>
+          <a:blip r:embed="rId3"/>
+          <a:stretch>
+            <a:fillRect/>
+          </a:stretch>
+        </p:blipFill>
+        <p:spPr>
+          <a:xfrm>
+            <a:off x="468312" y="1439069"/>
+            <a:ext cx="8258175" cy="5124450"/>
+          </a:xfrm>
+          <a:prstGeom prst="rect">
+            <a:avLst/>
+          </a:prstGeom>
+        </p:spPr>
+      </p:pic>
     </p:spTree>
     <p:extLst>
       <p:ext uri="{BB962C8B-B14F-4D97-AF65-F5344CB8AC3E}">
-        <p14:creationId xmlns:p14="http://schemas.microsoft.com/office/powerpoint/2010/main" val="1486506345"/>
+        <p14:creationId xmlns:p14="http://schemas.microsoft.com/office/powerpoint/2010/main" val="2252199940"/>
       </p:ext>
     </p:extLst>
   </p:cSld>
   <p:clrMapOvr>
     <a:masterClrMapping/>
   </p:clrMapOvr>
+  <p:transition spd="slow">
+    <p:push dir="u"/>
+  </p:transition>
 </p:sld>
 </file>
 
 <file path=ppt/slides/slide4.xml><?xml version="1.0" encoding="utf-8"?>
 <p:sld xmlns:a="http://schemas.openxmlformats.org/drawingml/2006/main" xmlns:r="http://schemas.openxmlformats.org/officeDocument/2006/relationships" xmlns:p="http://schemas.openxmlformats.org/presentationml/2006/main">
   <p:cSld>
+    <p:bg>
+      <p:bgPr>
+        <a:solidFill>
+          <a:srgbClr val="CE2D75"/>
+        </a:solidFill>
+        <a:effectLst/>
+      </p:bgPr>
+    </p:bg>
     <p:spTree>
       <p:nvGrpSpPr>
         <p:cNvPr id="1" name=""/>
@@ -3577,10 +5777,234 @@
       </p:grpSpPr>
       <p:sp>
         <p:nvSpPr>
+          <p:cNvPr id="7" name="Rectangle 6">
+            <a:extLst>
+              <a:ext uri="{FF2B5EF4-FFF2-40B4-BE49-F238E27FC236}">
+                <a16:creationId xmlns:a16="http://schemas.microsoft.com/office/drawing/2014/main" id="{A6850917-8652-4383-995B-9767AA7442AE}"/>
+              </a:ext>
+            </a:extLst>
+          </p:cNvPr>
+          <p:cNvSpPr/>
+          <p:nvPr/>
+        </p:nvSpPr>
+        <p:spPr>
+          <a:xfrm rot="10800000">
+            <a:off x="9714271" y="-2266335"/>
+            <a:ext cx="2477729" cy="12565626"/>
+          </a:xfrm>
+          <a:prstGeom prst="rect">
+            <a:avLst/>
+          </a:prstGeom>
+          <a:solidFill>
+            <a:srgbClr val="CE2D75"/>
+          </a:solidFill>
+          <a:ln>
+            <a:noFill/>
+          </a:ln>
+          <a:effectLst>
+            <a:innerShdw blurRad="546100" dist="50800">
+              <a:prstClr val="black">
+                <a:alpha val="45000"/>
+              </a:prstClr>
+            </a:innerShdw>
+          </a:effectLst>
+        </p:spPr>
+        <p:style>
+          <a:lnRef idx="2">
+            <a:schemeClr val="accent1">
+              <a:shade val="50000"/>
+            </a:schemeClr>
+          </a:lnRef>
+          <a:fillRef idx="1">
+            <a:schemeClr val="accent1"/>
+          </a:fillRef>
+          <a:effectRef idx="0">
+            <a:schemeClr val="accent1"/>
+          </a:effectRef>
+          <a:fontRef idx="minor">
+            <a:schemeClr val="lt1"/>
+          </a:fontRef>
+        </p:style>
+        <p:txBody>
+          <a:bodyPr rtlCol="0" anchor="ctr"/>
+          <a:lstStyle/>
+          <a:p>
+            <a:pPr algn="ctr"/>
+            <a:endParaRPr lang="en-US"/>
+          </a:p>
+        </p:txBody>
+      </p:sp>
+      <p:sp>
+        <p:nvSpPr>
+          <p:cNvPr id="8" name="Rectangle 7">
+            <a:extLst>
+              <a:ext uri="{FF2B5EF4-FFF2-40B4-BE49-F238E27FC236}">
+                <a16:creationId xmlns:a16="http://schemas.microsoft.com/office/drawing/2014/main" id="{887F3168-6639-4E53-8D6F-D90E84D40768}"/>
+              </a:ext>
+            </a:extLst>
+          </p:cNvPr>
+          <p:cNvSpPr/>
+          <p:nvPr/>
+        </p:nvSpPr>
+        <p:spPr>
+          <a:xfrm rot="10800000">
+            <a:off x="8038004" y="-2477729"/>
+            <a:ext cx="3416710" cy="13219471"/>
+          </a:xfrm>
+          <a:prstGeom prst="rect">
+            <a:avLst/>
+          </a:prstGeom>
+          <a:solidFill>
+            <a:srgbClr val="CE2D75"/>
+          </a:solidFill>
+          <a:ln>
+            <a:noFill/>
+          </a:ln>
+          <a:effectLst/>
+        </p:spPr>
+        <p:style>
+          <a:lnRef idx="2">
+            <a:schemeClr val="accent1">
+              <a:shade val="50000"/>
+            </a:schemeClr>
+          </a:lnRef>
+          <a:fillRef idx="1">
+            <a:schemeClr val="accent1"/>
+          </a:fillRef>
+          <a:effectRef idx="0">
+            <a:schemeClr val="accent1"/>
+          </a:effectRef>
+          <a:fontRef idx="minor">
+            <a:schemeClr val="lt1"/>
+          </a:fontRef>
+        </p:style>
+        <p:txBody>
+          <a:bodyPr rtlCol="0" anchor="ctr"/>
+          <a:lstStyle/>
+          <a:p>
+            <a:pPr algn="ctr"/>
+            <a:endParaRPr lang="en-US" dirty="0"/>
+          </a:p>
+        </p:txBody>
+      </p:sp>
+      <p:sp>
+        <p:nvSpPr>
+          <p:cNvPr id="9" name="Rectangle 8">
+            <a:extLst>
+              <a:ext uri="{FF2B5EF4-FFF2-40B4-BE49-F238E27FC236}">
+                <a16:creationId xmlns:a16="http://schemas.microsoft.com/office/drawing/2014/main" id="{FDD1ACB1-7FEE-4262-A3F7-5E130DBBB513}"/>
+              </a:ext>
+            </a:extLst>
+          </p:cNvPr>
+          <p:cNvSpPr/>
+          <p:nvPr/>
+        </p:nvSpPr>
+        <p:spPr>
+          <a:xfrm>
+            <a:off x="0" y="-2477729"/>
+            <a:ext cx="2477729" cy="12565626"/>
+          </a:xfrm>
+          <a:prstGeom prst="rect">
+            <a:avLst/>
+          </a:prstGeom>
+          <a:solidFill>
+            <a:srgbClr val="CE2D75"/>
+          </a:solidFill>
+          <a:ln>
+            <a:noFill/>
+          </a:ln>
+          <a:effectLst>
+            <a:innerShdw blurRad="546100" dist="50800" dir="10800000">
+              <a:prstClr val="black">
+                <a:alpha val="45000"/>
+              </a:prstClr>
+            </a:innerShdw>
+          </a:effectLst>
+        </p:spPr>
+        <p:style>
+          <a:lnRef idx="2">
+            <a:schemeClr val="accent1">
+              <a:shade val="50000"/>
+            </a:schemeClr>
+          </a:lnRef>
+          <a:fillRef idx="1">
+            <a:schemeClr val="accent1"/>
+          </a:fillRef>
+          <a:effectRef idx="0">
+            <a:schemeClr val="accent1"/>
+          </a:effectRef>
+          <a:fontRef idx="minor">
+            <a:schemeClr val="lt1"/>
+          </a:fontRef>
+        </p:style>
+        <p:txBody>
+          <a:bodyPr rtlCol="0" anchor="ctr"/>
+          <a:lstStyle/>
+          <a:p>
+            <a:pPr algn="ctr"/>
+            <a:endParaRPr lang="en-US"/>
+          </a:p>
+        </p:txBody>
+      </p:sp>
+      <p:sp>
+        <p:nvSpPr>
+          <p:cNvPr id="10" name="Rectangle 9">
+            <a:extLst>
+              <a:ext uri="{FF2B5EF4-FFF2-40B4-BE49-F238E27FC236}">
+                <a16:creationId xmlns:a16="http://schemas.microsoft.com/office/drawing/2014/main" id="{1EF2AD43-D3C4-41B6-B450-19320FAFBC3D}"/>
+              </a:ext>
+            </a:extLst>
+          </p:cNvPr>
+          <p:cNvSpPr/>
+          <p:nvPr/>
+        </p:nvSpPr>
+        <p:spPr>
+          <a:xfrm>
+            <a:off x="513403" y="-2920180"/>
+            <a:ext cx="3416710" cy="13219471"/>
+          </a:xfrm>
+          <a:prstGeom prst="rect">
+            <a:avLst/>
+          </a:prstGeom>
+          <a:solidFill>
+            <a:srgbClr val="CE2D75"/>
+          </a:solidFill>
+          <a:ln>
+            <a:noFill/>
+          </a:ln>
+          <a:effectLst/>
+        </p:spPr>
+        <p:style>
+          <a:lnRef idx="2">
+            <a:schemeClr val="accent1">
+              <a:shade val="50000"/>
+            </a:schemeClr>
+          </a:lnRef>
+          <a:fillRef idx="1">
+            <a:schemeClr val="accent1"/>
+          </a:fillRef>
+          <a:effectRef idx="0">
+            <a:schemeClr val="accent1"/>
+          </a:effectRef>
+          <a:fontRef idx="minor">
+            <a:schemeClr val="lt1"/>
+          </a:fontRef>
+        </p:style>
+        <p:txBody>
+          <a:bodyPr rtlCol="0" anchor="ctr"/>
+          <a:lstStyle/>
+          <a:p>
+            <a:pPr algn="ctr"/>
+            <a:endParaRPr lang="en-US"/>
+          </a:p>
+        </p:txBody>
+      </p:sp>
+      <p:sp>
+        <p:nvSpPr>
           <p:cNvPr id="2" name="Title 1">
             <a:extLst>
               <a:ext uri="{FF2B5EF4-FFF2-40B4-BE49-F238E27FC236}">
-                <a16:creationId xmlns:a16="http://schemas.microsoft.com/office/drawing/2014/main" id="{132A8181-F351-4517-8197-14300310A69D}"/>
+                <a16:creationId xmlns:a16="http://schemas.microsoft.com/office/drawing/2014/main" id="{BB6B329F-66D6-42EE-82DD-B81655B95A17}"/>
               </a:ext>
             </a:extLst>
           </p:cNvPr>
@@ -3597,53 +6021,192 @@
           <a:lstStyle/>
           <a:p>
             <a:r>
-              <a:rPr lang="en-US"/>
-              <a:t>Create Recipe</a:t>
-            </a:r>
-          </a:p>
-        </p:txBody>
-      </p:sp>
-      <p:sp>
-        <p:nvSpPr>
-          <p:cNvPr id="3" name="Content Placeholder 2">
-            <a:extLst>
-              <a:ext uri="{FF2B5EF4-FFF2-40B4-BE49-F238E27FC236}">
-                <a16:creationId xmlns:a16="http://schemas.microsoft.com/office/drawing/2014/main" id="{083B8B7D-46C8-4C69-90E6-CFF65E5A218D}"/>
-              </a:ext>
-            </a:extLst>
-          </p:cNvPr>
-          <p:cNvSpPr>
-            <a:spLocks noGrp="1"/>
-          </p:cNvSpPr>
-          <p:nvPr>
-            <p:ph idx="1"/>
-          </p:nvPr>
-        </p:nvSpPr>
-        <p:spPr/>
-        <p:txBody>
-          <a:bodyPr/>
-          <a:lstStyle/>
-          <a:p>
+              <a:rPr lang="en-US" b="1" dirty="0">
+                <a:solidFill>
+                  <a:schemeClr val="bg1"/>
+                </a:solidFill>
+                <a:latin typeface="Quicksand" panose="02070303000000060000" pitchFamily="18" charset="0"/>
+              </a:rPr>
+              <a:t>Create Recipe Form (/create)</a:t>
+            </a:r>
+          </a:p>
+        </p:txBody>
+      </p:sp>
+      <p:sp>
+        <p:nvSpPr>
+          <p:cNvPr id="4" name="Rectangle 3">
+            <a:extLst>
+              <a:ext uri="{FF2B5EF4-FFF2-40B4-BE49-F238E27FC236}">
+                <a16:creationId xmlns:a16="http://schemas.microsoft.com/office/drawing/2014/main" id="{379CDECF-74BF-44F4-92E3-2A273826367E}"/>
+              </a:ext>
+            </a:extLst>
+          </p:cNvPr>
+          <p:cNvSpPr/>
+          <p:nvPr/>
+        </p:nvSpPr>
+        <p:spPr>
+          <a:xfrm>
+            <a:off x="10206681" y="-840259"/>
+            <a:ext cx="963827" cy="8501448"/>
+          </a:xfrm>
+          <a:prstGeom prst="rect">
+            <a:avLst/>
+          </a:prstGeom>
+          <a:solidFill>
+            <a:srgbClr val="861657"/>
+          </a:solidFill>
+          <a:ln>
+            <a:noFill/>
+          </a:ln>
+          <a:effectLst>
+            <a:outerShdw blurRad="63500" sx="102000" sy="102000" algn="ctr" rotWithShape="0">
+              <a:prstClr val="black">
+                <a:alpha val="40000"/>
+              </a:prstClr>
+            </a:outerShdw>
+          </a:effectLst>
+        </p:spPr>
+        <p:style>
+          <a:lnRef idx="2">
+            <a:schemeClr val="accent1">
+              <a:shade val="50000"/>
+            </a:schemeClr>
+          </a:lnRef>
+          <a:fillRef idx="1">
+            <a:schemeClr val="accent1"/>
+          </a:fillRef>
+          <a:effectRef idx="0">
+            <a:schemeClr val="accent1"/>
+          </a:effectRef>
+          <a:fontRef idx="minor">
+            <a:schemeClr val="lt1"/>
+          </a:fontRef>
+        </p:style>
+        <p:txBody>
+          <a:bodyPr rtlCol="0" anchor="ctr"/>
+          <a:lstStyle/>
+          <a:p>
+            <a:pPr algn="ctr"/>
             <a:endParaRPr lang="en-US"/>
           </a:p>
         </p:txBody>
       </p:sp>
+      <p:sp>
+        <p:nvSpPr>
+          <p:cNvPr id="5" name="Rectangle 4">
+            <a:extLst>
+              <a:ext uri="{FF2B5EF4-FFF2-40B4-BE49-F238E27FC236}">
+                <a16:creationId xmlns:a16="http://schemas.microsoft.com/office/drawing/2014/main" id="{90080D6F-F4A9-42C9-BCAE-E72A037517C3}"/>
+              </a:ext>
+            </a:extLst>
+          </p:cNvPr>
+          <p:cNvSpPr/>
+          <p:nvPr/>
+        </p:nvSpPr>
+        <p:spPr>
+          <a:xfrm>
+            <a:off x="11372336" y="-821724"/>
+            <a:ext cx="243016" cy="8501448"/>
+          </a:xfrm>
+          <a:prstGeom prst="rect">
+            <a:avLst/>
+          </a:prstGeom>
+          <a:solidFill>
+            <a:srgbClr val="861657"/>
+          </a:solidFill>
+          <a:ln>
+            <a:noFill/>
+          </a:ln>
+          <a:effectLst>
+            <a:outerShdw blurRad="63500" sx="102000" sy="102000" algn="ctr" rotWithShape="0">
+              <a:prstClr val="black">
+                <a:alpha val="40000"/>
+              </a:prstClr>
+            </a:outerShdw>
+          </a:effectLst>
+        </p:spPr>
+        <p:style>
+          <a:lnRef idx="2">
+            <a:schemeClr val="accent1">
+              <a:shade val="50000"/>
+            </a:schemeClr>
+          </a:lnRef>
+          <a:fillRef idx="1">
+            <a:schemeClr val="accent1"/>
+          </a:fillRef>
+          <a:effectRef idx="0">
+            <a:schemeClr val="accent1"/>
+          </a:effectRef>
+          <a:fontRef idx="minor">
+            <a:schemeClr val="lt1"/>
+          </a:fontRef>
+        </p:style>
+        <p:txBody>
+          <a:bodyPr rtlCol="0" anchor="ctr"/>
+          <a:lstStyle/>
+          <a:p>
+            <a:pPr algn="ctr"/>
+            <a:endParaRPr lang="en-US"/>
+          </a:p>
+        </p:txBody>
+      </p:sp>
+      <p:pic>
+        <p:nvPicPr>
+          <p:cNvPr id="3" name="Picture 2">
+            <a:extLst>
+              <a:ext uri="{FF2B5EF4-FFF2-40B4-BE49-F238E27FC236}">
+                <a16:creationId xmlns:a16="http://schemas.microsoft.com/office/drawing/2014/main" id="{089164DD-B509-42CD-A180-98E15C945FC9}"/>
+              </a:ext>
+            </a:extLst>
+          </p:cNvPr>
+          <p:cNvPicPr>
+            <a:picLocks noChangeAspect="1"/>
+          </p:cNvPicPr>
+          <p:nvPr/>
+        </p:nvPicPr>
+        <p:blipFill>
+          <a:blip r:embed="rId3"/>
+          <a:stretch>
+            <a:fillRect/>
+          </a:stretch>
+        </p:blipFill>
+        <p:spPr>
+          <a:xfrm>
+            <a:off x="507456" y="1516165"/>
+            <a:ext cx="9105900" cy="5000625"/>
+          </a:xfrm>
+          <a:prstGeom prst="rect">
+            <a:avLst/>
+          </a:prstGeom>
+        </p:spPr>
+      </p:pic>
     </p:spTree>
     <p:extLst>
       <p:ext uri="{BB962C8B-B14F-4D97-AF65-F5344CB8AC3E}">
-        <p14:creationId xmlns:p14="http://schemas.microsoft.com/office/powerpoint/2010/main" val="834410710"/>
+        <p14:creationId xmlns:p14="http://schemas.microsoft.com/office/powerpoint/2010/main" val="3497621925"/>
       </p:ext>
     </p:extLst>
   </p:cSld>
   <p:clrMapOvr>
     <a:masterClrMapping/>
   </p:clrMapOvr>
+  <p:transition spd="slow">
+    <p:push dir="u"/>
+  </p:transition>
 </p:sld>
 </file>
 
 <file path=ppt/slides/slide5.xml><?xml version="1.0" encoding="utf-8"?>
 <p:sld xmlns:a="http://schemas.openxmlformats.org/drawingml/2006/main" xmlns:r="http://schemas.openxmlformats.org/officeDocument/2006/relationships" xmlns:p="http://schemas.openxmlformats.org/presentationml/2006/main">
   <p:cSld>
+    <p:bg>
+      <p:bgPr>
+        <a:solidFill>
+          <a:srgbClr val="CE2D75"/>
+        </a:solidFill>
+        <a:effectLst/>
+      </p:bgPr>
+    </p:bg>
     <p:spTree>
       <p:nvGrpSpPr>
         <p:cNvPr id="1" name=""/>
@@ -3660,10 +6223,234 @@
       </p:grpSpPr>
       <p:sp>
         <p:nvSpPr>
+          <p:cNvPr id="7" name="Rectangle 6">
+            <a:extLst>
+              <a:ext uri="{FF2B5EF4-FFF2-40B4-BE49-F238E27FC236}">
+                <a16:creationId xmlns:a16="http://schemas.microsoft.com/office/drawing/2014/main" id="{A6850917-8652-4383-995B-9767AA7442AE}"/>
+              </a:ext>
+            </a:extLst>
+          </p:cNvPr>
+          <p:cNvSpPr/>
+          <p:nvPr/>
+        </p:nvSpPr>
+        <p:spPr>
+          <a:xfrm rot="10800000">
+            <a:off x="9714271" y="-2266335"/>
+            <a:ext cx="2477729" cy="12565626"/>
+          </a:xfrm>
+          <a:prstGeom prst="rect">
+            <a:avLst/>
+          </a:prstGeom>
+          <a:solidFill>
+            <a:srgbClr val="CE2D75"/>
+          </a:solidFill>
+          <a:ln>
+            <a:noFill/>
+          </a:ln>
+          <a:effectLst>
+            <a:innerShdw blurRad="546100" dist="50800">
+              <a:prstClr val="black">
+                <a:alpha val="45000"/>
+              </a:prstClr>
+            </a:innerShdw>
+          </a:effectLst>
+        </p:spPr>
+        <p:style>
+          <a:lnRef idx="2">
+            <a:schemeClr val="accent1">
+              <a:shade val="50000"/>
+            </a:schemeClr>
+          </a:lnRef>
+          <a:fillRef idx="1">
+            <a:schemeClr val="accent1"/>
+          </a:fillRef>
+          <a:effectRef idx="0">
+            <a:schemeClr val="accent1"/>
+          </a:effectRef>
+          <a:fontRef idx="minor">
+            <a:schemeClr val="lt1"/>
+          </a:fontRef>
+        </p:style>
+        <p:txBody>
+          <a:bodyPr rtlCol="0" anchor="ctr"/>
+          <a:lstStyle/>
+          <a:p>
+            <a:pPr algn="ctr"/>
+            <a:endParaRPr lang="en-US"/>
+          </a:p>
+        </p:txBody>
+      </p:sp>
+      <p:sp>
+        <p:nvSpPr>
+          <p:cNvPr id="8" name="Rectangle 7">
+            <a:extLst>
+              <a:ext uri="{FF2B5EF4-FFF2-40B4-BE49-F238E27FC236}">
+                <a16:creationId xmlns:a16="http://schemas.microsoft.com/office/drawing/2014/main" id="{887F3168-6639-4E53-8D6F-D90E84D40768}"/>
+              </a:ext>
+            </a:extLst>
+          </p:cNvPr>
+          <p:cNvSpPr/>
+          <p:nvPr/>
+        </p:nvSpPr>
+        <p:spPr>
+          <a:xfrm rot="10800000">
+            <a:off x="8038004" y="-2477729"/>
+            <a:ext cx="3416710" cy="13219471"/>
+          </a:xfrm>
+          <a:prstGeom prst="rect">
+            <a:avLst/>
+          </a:prstGeom>
+          <a:solidFill>
+            <a:srgbClr val="CE2D75"/>
+          </a:solidFill>
+          <a:ln>
+            <a:noFill/>
+          </a:ln>
+          <a:effectLst/>
+        </p:spPr>
+        <p:style>
+          <a:lnRef idx="2">
+            <a:schemeClr val="accent1">
+              <a:shade val="50000"/>
+            </a:schemeClr>
+          </a:lnRef>
+          <a:fillRef idx="1">
+            <a:schemeClr val="accent1"/>
+          </a:fillRef>
+          <a:effectRef idx="0">
+            <a:schemeClr val="accent1"/>
+          </a:effectRef>
+          <a:fontRef idx="minor">
+            <a:schemeClr val="lt1"/>
+          </a:fontRef>
+        </p:style>
+        <p:txBody>
+          <a:bodyPr rtlCol="0" anchor="ctr"/>
+          <a:lstStyle/>
+          <a:p>
+            <a:pPr algn="ctr"/>
+            <a:endParaRPr lang="en-US" dirty="0"/>
+          </a:p>
+        </p:txBody>
+      </p:sp>
+      <p:sp>
+        <p:nvSpPr>
+          <p:cNvPr id="9" name="Rectangle 8">
+            <a:extLst>
+              <a:ext uri="{FF2B5EF4-FFF2-40B4-BE49-F238E27FC236}">
+                <a16:creationId xmlns:a16="http://schemas.microsoft.com/office/drawing/2014/main" id="{FDD1ACB1-7FEE-4262-A3F7-5E130DBBB513}"/>
+              </a:ext>
+            </a:extLst>
+          </p:cNvPr>
+          <p:cNvSpPr/>
+          <p:nvPr/>
+        </p:nvSpPr>
+        <p:spPr>
+          <a:xfrm>
+            <a:off x="0" y="-2477729"/>
+            <a:ext cx="2477729" cy="12565626"/>
+          </a:xfrm>
+          <a:prstGeom prst="rect">
+            <a:avLst/>
+          </a:prstGeom>
+          <a:solidFill>
+            <a:srgbClr val="CE2D75"/>
+          </a:solidFill>
+          <a:ln>
+            <a:noFill/>
+          </a:ln>
+          <a:effectLst>
+            <a:innerShdw blurRad="546100" dist="50800" dir="10800000">
+              <a:prstClr val="black">
+                <a:alpha val="45000"/>
+              </a:prstClr>
+            </a:innerShdw>
+          </a:effectLst>
+        </p:spPr>
+        <p:style>
+          <a:lnRef idx="2">
+            <a:schemeClr val="accent1">
+              <a:shade val="50000"/>
+            </a:schemeClr>
+          </a:lnRef>
+          <a:fillRef idx="1">
+            <a:schemeClr val="accent1"/>
+          </a:fillRef>
+          <a:effectRef idx="0">
+            <a:schemeClr val="accent1"/>
+          </a:effectRef>
+          <a:fontRef idx="minor">
+            <a:schemeClr val="lt1"/>
+          </a:fontRef>
+        </p:style>
+        <p:txBody>
+          <a:bodyPr rtlCol="0" anchor="ctr"/>
+          <a:lstStyle/>
+          <a:p>
+            <a:pPr algn="ctr"/>
+            <a:endParaRPr lang="en-US"/>
+          </a:p>
+        </p:txBody>
+      </p:sp>
+      <p:sp>
+        <p:nvSpPr>
+          <p:cNvPr id="10" name="Rectangle 9">
+            <a:extLst>
+              <a:ext uri="{FF2B5EF4-FFF2-40B4-BE49-F238E27FC236}">
+                <a16:creationId xmlns:a16="http://schemas.microsoft.com/office/drawing/2014/main" id="{1EF2AD43-D3C4-41B6-B450-19320FAFBC3D}"/>
+              </a:ext>
+            </a:extLst>
+          </p:cNvPr>
+          <p:cNvSpPr/>
+          <p:nvPr/>
+        </p:nvSpPr>
+        <p:spPr>
+          <a:xfrm>
+            <a:off x="513403" y="-2920180"/>
+            <a:ext cx="3416710" cy="13219471"/>
+          </a:xfrm>
+          <a:prstGeom prst="rect">
+            <a:avLst/>
+          </a:prstGeom>
+          <a:solidFill>
+            <a:srgbClr val="CE2D75"/>
+          </a:solidFill>
+          <a:ln>
+            <a:noFill/>
+          </a:ln>
+          <a:effectLst/>
+        </p:spPr>
+        <p:style>
+          <a:lnRef idx="2">
+            <a:schemeClr val="accent1">
+              <a:shade val="50000"/>
+            </a:schemeClr>
+          </a:lnRef>
+          <a:fillRef idx="1">
+            <a:schemeClr val="accent1"/>
+          </a:fillRef>
+          <a:effectRef idx="0">
+            <a:schemeClr val="accent1"/>
+          </a:effectRef>
+          <a:fontRef idx="minor">
+            <a:schemeClr val="lt1"/>
+          </a:fontRef>
+        </p:style>
+        <p:txBody>
+          <a:bodyPr rtlCol="0" anchor="ctr"/>
+          <a:lstStyle/>
+          <a:p>
+            <a:pPr algn="ctr"/>
+            <a:endParaRPr lang="en-US"/>
+          </a:p>
+        </p:txBody>
+      </p:sp>
+      <p:sp>
+        <p:nvSpPr>
           <p:cNvPr id="2" name="Title 1">
             <a:extLst>
               <a:ext uri="{FF2B5EF4-FFF2-40B4-BE49-F238E27FC236}">
-                <a16:creationId xmlns:a16="http://schemas.microsoft.com/office/drawing/2014/main" id="{3D03723B-7817-4102-94E9-64DA97C0E788}"/>
+                <a16:creationId xmlns:a16="http://schemas.microsoft.com/office/drawing/2014/main" id="{BB6B329F-66D6-42EE-82DD-B81655B95A17}"/>
               </a:ext>
             </a:extLst>
           </p:cNvPr>
@@ -3680,53 +6467,207 @@
           <a:lstStyle/>
           <a:p>
             <a:r>
-              <a:rPr lang="en-US" dirty="0"/>
-              <a:t>Schedule</a:t>
-            </a:r>
-          </a:p>
-        </p:txBody>
-      </p:sp>
-      <p:sp>
-        <p:nvSpPr>
-          <p:cNvPr id="3" name="Content Placeholder 2">
-            <a:extLst>
-              <a:ext uri="{FF2B5EF4-FFF2-40B4-BE49-F238E27FC236}">
-                <a16:creationId xmlns:a16="http://schemas.microsoft.com/office/drawing/2014/main" id="{9295C346-F6B7-45F2-91C6-B80C23509336}"/>
-              </a:ext>
-            </a:extLst>
-          </p:cNvPr>
-          <p:cNvSpPr>
-            <a:spLocks noGrp="1"/>
-          </p:cNvSpPr>
-          <p:nvPr>
-            <p:ph idx="1"/>
-          </p:nvPr>
-        </p:nvSpPr>
-        <p:spPr/>
-        <p:txBody>
-          <a:bodyPr/>
-          <a:lstStyle/>
-          <a:p>
+              <a:rPr lang="en-US" b="1" dirty="0">
+                <a:solidFill>
+                  <a:schemeClr val="bg1"/>
+                </a:solidFill>
+                <a:latin typeface="Quicksand" panose="02070303000000060000" pitchFamily="18" charset="0"/>
+              </a:rPr>
+              <a:t>Recipe Page (/recipes</a:t>
+            </a:r>
+            <a:r>
+              <a:rPr lang="en-US" b="1">
+                <a:solidFill>
+                  <a:schemeClr val="bg1"/>
+                </a:solidFill>
+                <a:latin typeface="Quicksand" panose="02070303000000060000" pitchFamily="18" charset="0"/>
+              </a:rPr>
+              <a:t>/:slug)</a:t>
+            </a:r>
+            <a:endParaRPr lang="en-US" b="1" dirty="0">
+              <a:solidFill>
+                <a:schemeClr val="bg1"/>
+              </a:solidFill>
+              <a:latin typeface="Quicksand" panose="02070303000000060000" pitchFamily="18" charset="0"/>
+            </a:endParaRPr>
+          </a:p>
+        </p:txBody>
+      </p:sp>
+      <p:sp>
+        <p:nvSpPr>
+          <p:cNvPr id="4" name="Rectangle 3">
+            <a:extLst>
+              <a:ext uri="{FF2B5EF4-FFF2-40B4-BE49-F238E27FC236}">
+                <a16:creationId xmlns:a16="http://schemas.microsoft.com/office/drawing/2014/main" id="{379CDECF-74BF-44F4-92E3-2A273826367E}"/>
+              </a:ext>
+            </a:extLst>
+          </p:cNvPr>
+          <p:cNvSpPr/>
+          <p:nvPr/>
+        </p:nvSpPr>
+        <p:spPr>
+          <a:xfrm>
+            <a:off x="10206681" y="-840259"/>
+            <a:ext cx="963827" cy="8501448"/>
+          </a:xfrm>
+          <a:prstGeom prst="rect">
+            <a:avLst/>
+          </a:prstGeom>
+          <a:solidFill>
+            <a:srgbClr val="861657"/>
+          </a:solidFill>
+          <a:ln>
+            <a:noFill/>
+          </a:ln>
+          <a:effectLst>
+            <a:outerShdw blurRad="63500" sx="102000" sy="102000" algn="ctr" rotWithShape="0">
+              <a:prstClr val="black">
+                <a:alpha val="40000"/>
+              </a:prstClr>
+            </a:outerShdw>
+          </a:effectLst>
+        </p:spPr>
+        <p:style>
+          <a:lnRef idx="2">
+            <a:schemeClr val="accent1">
+              <a:shade val="50000"/>
+            </a:schemeClr>
+          </a:lnRef>
+          <a:fillRef idx="1">
+            <a:schemeClr val="accent1"/>
+          </a:fillRef>
+          <a:effectRef idx="0">
+            <a:schemeClr val="accent1"/>
+          </a:effectRef>
+          <a:fontRef idx="minor">
+            <a:schemeClr val="lt1"/>
+          </a:fontRef>
+        </p:style>
+        <p:txBody>
+          <a:bodyPr rtlCol="0" anchor="ctr"/>
+          <a:lstStyle/>
+          <a:p>
+            <a:pPr algn="ctr"/>
             <a:endParaRPr lang="en-US"/>
           </a:p>
         </p:txBody>
       </p:sp>
+      <p:sp>
+        <p:nvSpPr>
+          <p:cNvPr id="5" name="Rectangle 4">
+            <a:extLst>
+              <a:ext uri="{FF2B5EF4-FFF2-40B4-BE49-F238E27FC236}">
+                <a16:creationId xmlns:a16="http://schemas.microsoft.com/office/drawing/2014/main" id="{90080D6F-F4A9-42C9-BCAE-E72A037517C3}"/>
+              </a:ext>
+            </a:extLst>
+          </p:cNvPr>
+          <p:cNvSpPr/>
+          <p:nvPr/>
+        </p:nvSpPr>
+        <p:spPr>
+          <a:xfrm>
+            <a:off x="11372336" y="-821724"/>
+            <a:ext cx="243016" cy="8501448"/>
+          </a:xfrm>
+          <a:prstGeom prst="rect">
+            <a:avLst/>
+          </a:prstGeom>
+          <a:solidFill>
+            <a:srgbClr val="861657"/>
+          </a:solidFill>
+          <a:ln>
+            <a:noFill/>
+          </a:ln>
+          <a:effectLst>
+            <a:outerShdw blurRad="63500" sx="102000" sy="102000" algn="ctr" rotWithShape="0">
+              <a:prstClr val="black">
+                <a:alpha val="40000"/>
+              </a:prstClr>
+            </a:outerShdw>
+          </a:effectLst>
+        </p:spPr>
+        <p:style>
+          <a:lnRef idx="2">
+            <a:schemeClr val="accent1">
+              <a:shade val="50000"/>
+            </a:schemeClr>
+          </a:lnRef>
+          <a:fillRef idx="1">
+            <a:schemeClr val="accent1"/>
+          </a:fillRef>
+          <a:effectRef idx="0">
+            <a:schemeClr val="accent1"/>
+          </a:effectRef>
+          <a:fontRef idx="minor">
+            <a:schemeClr val="lt1"/>
+          </a:fontRef>
+        </p:style>
+        <p:txBody>
+          <a:bodyPr rtlCol="0" anchor="ctr"/>
+          <a:lstStyle/>
+          <a:p>
+            <a:pPr algn="ctr"/>
+            <a:endParaRPr lang="en-US"/>
+          </a:p>
+        </p:txBody>
+      </p:sp>
+      <p:pic>
+        <p:nvPicPr>
+          <p:cNvPr id="3" name="Picture 2">
+            <a:extLst>
+              <a:ext uri="{FF2B5EF4-FFF2-40B4-BE49-F238E27FC236}">
+                <a16:creationId xmlns:a16="http://schemas.microsoft.com/office/drawing/2014/main" id="{617AA094-363D-4AAD-93CB-8696CADC7C0B}"/>
+              </a:ext>
+            </a:extLst>
+          </p:cNvPr>
+          <p:cNvPicPr>
+            <a:picLocks noChangeAspect="1"/>
+          </p:cNvPicPr>
+          <p:nvPr/>
+        </p:nvPicPr>
+        <p:blipFill>
+          <a:blip r:embed="rId3"/>
+          <a:stretch>
+            <a:fillRect/>
+          </a:stretch>
+        </p:blipFill>
+        <p:spPr>
+          <a:xfrm>
+            <a:off x="611883" y="1645623"/>
+            <a:ext cx="9134475" cy="2676525"/>
+          </a:xfrm>
+          <a:prstGeom prst="rect">
+            <a:avLst/>
+          </a:prstGeom>
+        </p:spPr>
+      </p:pic>
     </p:spTree>
     <p:extLst>
       <p:ext uri="{BB962C8B-B14F-4D97-AF65-F5344CB8AC3E}">
-        <p14:creationId xmlns:p14="http://schemas.microsoft.com/office/powerpoint/2010/main" val="1816218681"/>
+        <p14:creationId xmlns:p14="http://schemas.microsoft.com/office/powerpoint/2010/main" val="2618550669"/>
       </p:ext>
     </p:extLst>
   </p:cSld>
   <p:clrMapOvr>
     <a:masterClrMapping/>
   </p:clrMapOvr>
+  <p:transition spd="slow">
+    <p:push dir="u"/>
+  </p:transition>
 </p:sld>
 </file>
 
 <file path=ppt/slides/slide6.xml><?xml version="1.0" encoding="utf-8"?>
 <p:sld xmlns:a="http://schemas.openxmlformats.org/drawingml/2006/main" xmlns:r="http://schemas.openxmlformats.org/officeDocument/2006/relationships" xmlns:p="http://schemas.openxmlformats.org/presentationml/2006/main">
   <p:cSld>
+    <p:bg>
+      <p:bgPr>
+        <a:solidFill>
+          <a:srgbClr val="CE2D75"/>
+        </a:solidFill>
+        <a:effectLst/>
+      </p:bgPr>
+    </p:bg>
     <p:spTree>
       <p:nvGrpSpPr>
         <p:cNvPr id="1" name=""/>
@@ -3743,10 +6684,234 @@
       </p:grpSpPr>
       <p:sp>
         <p:nvSpPr>
+          <p:cNvPr id="7" name="Rectangle 6">
+            <a:extLst>
+              <a:ext uri="{FF2B5EF4-FFF2-40B4-BE49-F238E27FC236}">
+                <a16:creationId xmlns:a16="http://schemas.microsoft.com/office/drawing/2014/main" id="{A6850917-8652-4383-995B-9767AA7442AE}"/>
+              </a:ext>
+            </a:extLst>
+          </p:cNvPr>
+          <p:cNvSpPr/>
+          <p:nvPr/>
+        </p:nvSpPr>
+        <p:spPr>
+          <a:xfrm rot="10800000">
+            <a:off x="9714271" y="-2266335"/>
+            <a:ext cx="2477729" cy="12565626"/>
+          </a:xfrm>
+          <a:prstGeom prst="rect">
+            <a:avLst/>
+          </a:prstGeom>
+          <a:solidFill>
+            <a:srgbClr val="CE2D75"/>
+          </a:solidFill>
+          <a:ln>
+            <a:noFill/>
+          </a:ln>
+          <a:effectLst>
+            <a:innerShdw blurRad="546100" dist="50800">
+              <a:prstClr val="black">
+                <a:alpha val="45000"/>
+              </a:prstClr>
+            </a:innerShdw>
+          </a:effectLst>
+        </p:spPr>
+        <p:style>
+          <a:lnRef idx="2">
+            <a:schemeClr val="accent1">
+              <a:shade val="50000"/>
+            </a:schemeClr>
+          </a:lnRef>
+          <a:fillRef idx="1">
+            <a:schemeClr val="accent1"/>
+          </a:fillRef>
+          <a:effectRef idx="0">
+            <a:schemeClr val="accent1"/>
+          </a:effectRef>
+          <a:fontRef idx="minor">
+            <a:schemeClr val="lt1"/>
+          </a:fontRef>
+        </p:style>
+        <p:txBody>
+          <a:bodyPr rtlCol="0" anchor="ctr"/>
+          <a:lstStyle/>
+          <a:p>
+            <a:pPr algn="ctr"/>
+            <a:endParaRPr lang="en-US"/>
+          </a:p>
+        </p:txBody>
+      </p:sp>
+      <p:sp>
+        <p:nvSpPr>
+          <p:cNvPr id="8" name="Rectangle 7">
+            <a:extLst>
+              <a:ext uri="{FF2B5EF4-FFF2-40B4-BE49-F238E27FC236}">
+                <a16:creationId xmlns:a16="http://schemas.microsoft.com/office/drawing/2014/main" id="{887F3168-6639-4E53-8D6F-D90E84D40768}"/>
+              </a:ext>
+            </a:extLst>
+          </p:cNvPr>
+          <p:cNvSpPr/>
+          <p:nvPr/>
+        </p:nvSpPr>
+        <p:spPr>
+          <a:xfrm rot="10800000">
+            <a:off x="8038004" y="-2477729"/>
+            <a:ext cx="3416710" cy="13219471"/>
+          </a:xfrm>
+          <a:prstGeom prst="rect">
+            <a:avLst/>
+          </a:prstGeom>
+          <a:solidFill>
+            <a:srgbClr val="CE2D75"/>
+          </a:solidFill>
+          <a:ln>
+            <a:noFill/>
+          </a:ln>
+          <a:effectLst/>
+        </p:spPr>
+        <p:style>
+          <a:lnRef idx="2">
+            <a:schemeClr val="accent1">
+              <a:shade val="50000"/>
+            </a:schemeClr>
+          </a:lnRef>
+          <a:fillRef idx="1">
+            <a:schemeClr val="accent1"/>
+          </a:fillRef>
+          <a:effectRef idx="0">
+            <a:schemeClr val="accent1"/>
+          </a:effectRef>
+          <a:fontRef idx="minor">
+            <a:schemeClr val="lt1"/>
+          </a:fontRef>
+        </p:style>
+        <p:txBody>
+          <a:bodyPr rtlCol="0" anchor="ctr"/>
+          <a:lstStyle/>
+          <a:p>
+            <a:pPr algn="ctr"/>
+            <a:endParaRPr lang="en-US" dirty="0"/>
+          </a:p>
+        </p:txBody>
+      </p:sp>
+      <p:sp>
+        <p:nvSpPr>
+          <p:cNvPr id="9" name="Rectangle 8">
+            <a:extLst>
+              <a:ext uri="{FF2B5EF4-FFF2-40B4-BE49-F238E27FC236}">
+                <a16:creationId xmlns:a16="http://schemas.microsoft.com/office/drawing/2014/main" id="{FDD1ACB1-7FEE-4262-A3F7-5E130DBBB513}"/>
+              </a:ext>
+            </a:extLst>
+          </p:cNvPr>
+          <p:cNvSpPr/>
+          <p:nvPr/>
+        </p:nvSpPr>
+        <p:spPr>
+          <a:xfrm>
+            <a:off x="0" y="-2477729"/>
+            <a:ext cx="2477729" cy="12565626"/>
+          </a:xfrm>
+          <a:prstGeom prst="rect">
+            <a:avLst/>
+          </a:prstGeom>
+          <a:solidFill>
+            <a:srgbClr val="CE2D75"/>
+          </a:solidFill>
+          <a:ln>
+            <a:noFill/>
+          </a:ln>
+          <a:effectLst>
+            <a:innerShdw blurRad="546100" dist="50800" dir="10800000">
+              <a:prstClr val="black">
+                <a:alpha val="45000"/>
+              </a:prstClr>
+            </a:innerShdw>
+          </a:effectLst>
+        </p:spPr>
+        <p:style>
+          <a:lnRef idx="2">
+            <a:schemeClr val="accent1">
+              <a:shade val="50000"/>
+            </a:schemeClr>
+          </a:lnRef>
+          <a:fillRef idx="1">
+            <a:schemeClr val="accent1"/>
+          </a:fillRef>
+          <a:effectRef idx="0">
+            <a:schemeClr val="accent1"/>
+          </a:effectRef>
+          <a:fontRef idx="minor">
+            <a:schemeClr val="lt1"/>
+          </a:fontRef>
+        </p:style>
+        <p:txBody>
+          <a:bodyPr rtlCol="0" anchor="ctr"/>
+          <a:lstStyle/>
+          <a:p>
+            <a:pPr algn="ctr"/>
+            <a:endParaRPr lang="en-US"/>
+          </a:p>
+        </p:txBody>
+      </p:sp>
+      <p:sp>
+        <p:nvSpPr>
+          <p:cNvPr id="10" name="Rectangle 9">
+            <a:extLst>
+              <a:ext uri="{FF2B5EF4-FFF2-40B4-BE49-F238E27FC236}">
+                <a16:creationId xmlns:a16="http://schemas.microsoft.com/office/drawing/2014/main" id="{1EF2AD43-D3C4-41B6-B450-19320FAFBC3D}"/>
+              </a:ext>
+            </a:extLst>
+          </p:cNvPr>
+          <p:cNvSpPr/>
+          <p:nvPr/>
+        </p:nvSpPr>
+        <p:spPr>
+          <a:xfrm>
+            <a:off x="513403" y="-2920180"/>
+            <a:ext cx="3416710" cy="13219471"/>
+          </a:xfrm>
+          <a:prstGeom prst="rect">
+            <a:avLst/>
+          </a:prstGeom>
+          <a:solidFill>
+            <a:srgbClr val="CE2D75"/>
+          </a:solidFill>
+          <a:ln>
+            <a:noFill/>
+          </a:ln>
+          <a:effectLst/>
+        </p:spPr>
+        <p:style>
+          <a:lnRef idx="2">
+            <a:schemeClr val="accent1">
+              <a:shade val="50000"/>
+            </a:schemeClr>
+          </a:lnRef>
+          <a:fillRef idx="1">
+            <a:schemeClr val="accent1"/>
+          </a:fillRef>
+          <a:effectRef idx="0">
+            <a:schemeClr val="accent1"/>
+          </a:effectRef>
+          <a:fontRef idx="minor">
+            <a:schemeClr val="lt1"/>
+          </a:fontRef>
+        </p:style>
+        <p:txBody>
+          <a:bodyPr rtlCol="0" anchor="ctr"/>
+          <a:lstStyle/>
+          <a:p>
+            <a:pPr algn="ctr"/>
+            <a:endParaRPr lang="en-US"/>
+          </a:p>
+        </p:txBody>
+      </p:sp>
+      <p:sp>
+        <p:nvSpPr>
           <p:cNvPr id="2" name="Title 1">
             <a:extLst>
               <a:ext uri="{FF2B5EF4-FFF2-40B4-BE49-F238E27FC236}">
-                <a16:creationId xmlns:a16="http://schemas.microsoft.com/office/drawing/2014/main" id="{E7E7ED81-D466-4A33-8BC6-231BB7740D59}"/>
+                <a16:creationId xmlns:a16="http://schemas.microsoft.com/office/drawing/2014/main" id="{BB6B329F-66D6-42EE-82DD-B81655B95A17}"/>
               </a:ext>
             </a:extLst>
           </p:cNvPr>
@@ -3763,18 +6928,141 @@
           <a:lstStyle/>
           <a:p>
             <a:r>
-              <a:rPr lang="en-US" dirty="0"/>
-              <a:t>Questions?</a:t>
-            </a:r>
-          </a:p>
-        </p:txBody>
-      </p:sp>
-      <p:sp>
-        <p:nvSpPr>
-          <p:cNvPr id="3" name="Content Placeholder 2">
-            <a:extLst>
-              <a:ext uri="{FF2B5EF4-FFF2-40B4-BE49-F238E27FC236}">
-                <a16:creationId xmlns:a16="http://schemas.microsoft.com/office/drawing/2014/main" id="{DC14B2E5-D39D-49D9-9E2E-8DD5E296A585}"/>
+              <a:rPr lang="en-US" b="1" dirty="0">
+                <a:solidFill>
+                  <a:schemeClr val="bg1"/>
+                </a:solidFill>
+                <a:latin typeface="Quicksand" panose="02070303000000060000" pitchFamily="18" charset="0"/>
+              </a:rPr>
+              <a:t>Schedule</a:t>
+            </a:r>
+          </a:p>
+        </p:txBody>
+      </p:sp>
+      <p:sp>
+        <p:nvSpPr>
+          <p:cNvPr id="4" name="Rectangle 3">
+            <a:extLst>
+              <a:ext uri="{FF2B5EF4-FFF2-40B4-BE49-F238E27FC236}">
+                <a16:creationId xmlns:a16="http://schemas.microsoft.com/office/drawing/2014/main" id="{379CDECF-74BF-44F4-92E3-2A273826367E}"/>
+              </a:ext>
+            </a:extLst>
+          </p:cNvPr>
+          <p:cNvSpPr/>
+          <p:nvPr/>
+        </p:nvSpPr>
+        <p:spPr>
+          <a:xfrm>
+            <a:off x="10206681" y="-840259"/>
+            <a:ext cx="963827" cy="8501448"/>
+          </a:xfrm>
+          <a:prstGeom prst="rect">
+            <a:avLst/>
+          </a:prstGeom>
+          <a:solidFill>
+            <a:srgbClr val="861657"/>
+          </a:solidFill>
+          <a:ln>
+            <a:noFill/>
+          </a:ln>
+          <a:effectLst>
+            <a:outerShdw blurRad="63500" sx="102000" sy="102000" algn="ctr" rotWithShape="0">
+              <a:prstClr val="black">
+                <a:alpha val="40000"/>
+              </a:prstClr>
+            </a:outerShdw>
+          </a:effectLst>
+        </p:spPr>
+        <p:style>
+          <a:lnRef idx="2">
+            <a:schemeClr val="accent1">
+              <a:shade val="50000"/>
+            </a:schemeClr>
+          </a:lnRef>
+          <a:fillRef idx="1">
+            <a:schemeClr val="accent1"/>
+          </a:fillRef>
+          <a:effectRef idx="0">
+            <a:schemeClr val="accent1"/>
+          </a:effectRef>
+          <a:fontRef idx="minor">
+            <a:schemeClr val="lt1"/>
+          </a:fontRef>
+        </p:style>
+        <p:txBody>
+          <a:bodyPr rtlCol="0" anchor="ctr"/>
+          <a:lstStyle/>
+          <a:p>
+            <a:pPr algn="ctr"/>
+            <a:endParaRPr lang="en-US"/>
+          </a:p>
+        </p:txBody>
+      </p:sp>
+      <p:sp>
+        <p:nvSpPr>
+          <p:cNvPr id="5" name="Rectangle 4">
+            <a:extLst>
+              <a:ext uri="{FF2B5EF4-FFF2-40B4-BE49-F238E27FC236}">
+                <a16:creationId xmlns:a16="http://schemas.microsoft.com/office/drawing/2014/main" id="{90080D6F-F4A9-42C9-BCAE-E72A037517C3}"/>
+              </a:ext>
+            </a:extLst>
+          </p:cNvPr>
+          <p:cNvSpPr/>
+          <p:nvPr/>
+        </p:nvSpPr>
+        <p:spPr>
+          <a:xfrm>
+            <a:off x="11372336" y="-821724"/>
+            <a:ext cx="243016" cy="8501448"/>
+          </a:xfrm>
+          <a:prstGeom prst="rect">
+            <a:avLst/>
+          </a:prstGeom>
+          <a:solidFill>
+            <a:srgbClr val="861657"/>
+          </a:solidFill>
+          <a:ln>
+            <a:noFill/>
+          </a:ln>
+          <a:effectLst>
+            <a:outerShdw blurRad="63500" sx="102000" sy="102000" algn="ctr" rotWithShape="0">
+              <a:prstClr val="black">
+                <a:alpha val="40000"/>
+              </a:prstClr>
+            </a:outerShdw>
+          </a:effectLst>
+        </p:spPr>
+        <p:style>
+          <a:lnRef idx="2">
+            <a:schemeClr val="accent1">
+              <a:shade val="50000"/>
+            </a:schemeClr>
+          </a:lnRef>
+          <a:fillRef idx="1">
+            <a:schemeClr val="accent1"/>
+          </a:fillRef>
+          <a:effectRef idx="0">
+            <a:schemeClr val="accent1"/>
+          </a:effectRef>
+          <a:fontRef idx="minor">
+            <a:schemeClr val="lt1"/>
+          </a:fontRef>
+        </p:style>
+        <p:txBody>
+          <a:bodyPr rtlCol="0" anchor="ctr"/>
+          <a:lstStyle/>
+          <a:p>
+            <a:pPr algn="ctr"/>
+            <a:endParaRPr lang="en-US"/>
+          </a:p>
+        </p:txBody>
+      </p:sp>
+      <p:sp>
+        <p:nvSpPr>
+          <p:cNvPr id="12" name="Content Placeholder 2">
+            <a:extLst>
+              <a:ext uri="{FF2B5EF4-FFF2-40B4-BE49-F238E27FC236}">
+                <a16:creationId xmlns:a16="http://schemas.microsoft.com/office/drawing/2014/main" id="{9578B3FC-902C-4A5A-A124-6C20291DF1AE}"/>
               </a:ext>
             </a:extLst>
           </p:cNvPr>
@@ -3785,25 +7073,1262 @@
             <p:ph idx="1"/>
           </p:nvPr>
         </p:nvSpPr>
-        <p:spPr/>
-        <p:txBody>
-          <a:bodyPr/>
-          <a:lstStyle/>
-          <a:p>
-            <a:endParaRPr lang="en-US"/>
+        <p:spPr>
+          <a:xfrm>
+            <a:off x="838200" y="1356853"/>
+            <a:ext cx="9166653" cy="5501147"/>
+          </a:xfrm>
+        </p:spPr>
+        <p:txBody>
+          <a:bodyPr>
+            <a:normAutofit/>
+          </a:bodyPr>
+          <a:lstStyle/>
+          <a:p>
+            <a:pPr marL="0" indent="0">
+              <a:buNone/>
+            </a:pPr>
+            <a:r>
+              <a:rPr lang="en-US" b="1" dirty="0">
+                <a:solidFill>
+                  <a:schemeClr val="bg1"/>
+                </a:solidFill>
+                <a:effectLst>
+                  <a:outerShdw blurRad="38100" dist="38100" dir="2700000" algn="tl">
+                    <a:srgbClr val="000000">
+                      <a:alpha val="43137"/>
+                    </a:srgbClr>
+                  </a:outerShdw>
+                </a:effectLst>
+                <a:latin typeface="Quicksand" panose="02070303000000060000" pitchFamily="18" charset="0"/>
+              </a:rPr>
+              <a:t>October</a:t>
+            </a:r>
+            <a:br>
+              <a:rPr lang="en-US" dirty="0">
+                <a:solidFill>
+                  <a:schemeClr val="bg1"/>
+                </a:solidFill>
+                <a:effectLst>
+                  <a:outerShdw blurRad="38100" dist="38100" dir="2700000" algn="tl">
+                    <a:srgbClr val="000000">
+                      <a:alpha val="43137"/>
+                    </a:srgbClr>
+                  </a:outerShdw>
+                </a:effectLst>
+                <a:latin typeface="Quicksand" panose="02070303000000060000" pitchFamily="18" charset="0"/>
+              </a:rPr>
+            </a:br>
+            <a:r>
+              <a:rPr lang="en-US" dirty="0">
+                <a:solidFill>
+                  <a:schemeClr val="bg1"/>
+                </a:solidFill>
+                <a:effectLst>
+                  <a:outerShdw blurRad="38100" dist="38100" dir="2700000" algn="tl">
+                    <a:srgbClr val="000000">
+                      <a:alpha val="43137"/>
+                    </a:srgbClr>
+                  </a:outerShdw>
+                </a:effectLst>
+                <a:latin typeface="Quicksand" panose="02070303000000060000" pitchFamily="18" charset="0"/>
+              </a:rPr>
+              <a:t>	</a:t>
+            </a:r>
+            <a:r>
+              <a:rPr lang="en-US" sz="2000" b="1" dirty="0">
+                <a:solidFill>
+                  <a:schemeClr val="accent6">
+                    <a:lumMod val="40000"/>
+                    <a:lumOff val="60000"/>
+                  </a:schemeClr>
+                </a:solidFill>
+              </a:rPr>
+              <a:t>✔</a:t>
+            </a:r>
+            <a:r>
+              <a:rPr lang="en-US" sz="2000" b="1" dirty="0">
+                <a:solidFill>
+                  <a:schemeClr val="bg1"/>
+                </a:solidFill>
+                <a:effectLst>
+                  <a:outerShdw blurRad="38100" dist="38100" dir="2700000" algn="tl">
+                    <a:srgbClr val="000000">
+                      <a:alpha val="43137"/>
+                    </a:srgbClr>
+                  </a:outerShdw>
+                </a:effectLst>
+                <a:latin typeface="Quicksand" panose="02070303000000060000" pitchFamily="18" charset="0"/>
+              </a:rPr>
+              <a:t>Create database</a:t>
+            </a:r>
+            <a:br>
+              <a:rPr lang="en-US" sz="2000" b="1" dirty="0">
+                <a:solidFill>
+                  <a:schemeClr val="bg1"/>
+                </a:solidFill>
+                <a:effectLst>
+                  <a:outerShdw blurRad="38100" dist="38100" dir="2700000" algn="tl">
+                    <a:srgbClr val="000000">
+                      <a:alpha val="43137"/>
+                    </a:srgbClr>
+                  </a:outerShdw>
+                </a:effectLst>
+                <a:latin typeface="Quicksand" panose="02070303000000060000" pitchFamily="18" charset="0"/>
+              </a:rPr>
+            </a:br>
+            <a:r>
+              <a:rPr lang="en-US" sz="2000" b="1" dirty="0">
+                <a:solidFill>
+                  <a:schemeClr val="bg1"/>
+                </a:solidFill>
+                <a:effectLst>
+                  <a:outerShdw blurRad="38100" dist="38100" dir="2700000" algn="tl">
+                    <a:srgbClr val="000000">
+                      <a:alpha val="43137"/>
+                    </a:srgbClr>
+                  </a:outerShdw>
+                </a:effectLst>
+                <a:latin typeface="Quicksand" panose="02070303000000060000" pitchFamily="18" charset="0"/>
+              </a:rPr>
+              <a:t>	</a:t>
+            </a:r>
+            <a:r>
+              <a:rPr lang="en-US" sz="2000" b="1" dirty="0">
+                <a:solidFill>
+                  <a:schemeClr val="accent6">
+                    <a:lumMod val="40000"/>
+                    <a:lumOff val="60000"/>
+                  </a:schemeClr>
+                </a:solidFill>
+              </a:rPr>
+              <a:t>✔</a:t>
+            </a:r>
+            <a:r>
+              <a:rPr lang="en-US" sz="2000" b="1" dirty="0">
+                <a:solidFill>
+                  <a:schemeClr val="bg1"/>
+                </a:solidFill>
+                <a:effectLst>
+                  <a:outerShdw blurRad="38100" dist="38100" dir="2700000" algn="tl">
+                    <a:srgbClr val="000000">
+                      <a:alpha val="43137"/>
+                    </a:srgbClr>
+                  </a:outerShdw>
+                </a:effectLst>
+                <a:latin typeface="Quicksand" panose="02070303000000060000" pitchFamily="18" charset="0"/>
+              </a:rPr>
+              <a:t>Complete User Creation/Login/Logout Functionality</a:t>
+            </a:r>
+            <a:br>
+              <a:rPr lang="en-US" sz="2000" b="1" dirty="0">
+                <a:solidFill>
+                  <a:schemeClr val="bg1"/>
+                </a:solidFill>
+                <a:effectLst>
+                  <a:outerShdw blurRad="38100" dist="38100" dir="2700000" algn="tl">
+                    <a:srgbClr val="000000">
+                      <a:alpha val="43137"/>
+                    </a:srgbClr>
+                  </a:outerShdw>
+                </a:effectLst>
+                <a:latin typeface="Quicksand" panose="02070303000000060000" pitchFamily="18" charset="0"/>
+              </a:rPr>
+            </a:br>
+            <a:r>
+              <a:rPr lang="en-US" sz="2000" b="1" dirty="0">
+                <a:solidFill>
+                  <a:schemeClr val="bg1"/>
+                </a:solidFill>
+                <a:effectLst>
+                  <a:outerShdw blurRad="38100" dist="38100" dir="2700000" algn="tl">
+                    <a:srgbClr val="000000">
+                      <a:alpha val="43137"/>
+                    </a:srgbClr>
+                  </a:outerShdw>
+                </a:effectLst>
+                <a:latin typeface="Quicksand" panose="02070303000000060000" pitchFamily="18" charset="0"/>
+              </a:rPr>
+              <a:t>	</a:t>
+            </a:r>
+            <a:r>
+              <a:rPr lang="en-US" sz="2000" b="1" dirty="0">
+                <a:solidFill>
+                  <a:schemeClr val="accent6">
+                    <a:lumMod val="40000"/>
+                    <a:lumOff val="60000"/>
+                  </a:schemeClr>
+                </a:solidFill>
+              </a:rPr>
+              <a:t>✔</a:t>
+            </a:r>
+            <a:r>
+              <a:rPr lang="en-US" sz="2000" b="1" dirty="0">
+                <a:solidFill>
+                  <a:schemeClr val="bg1"/>
+                </a:solidFill>
+                <a:effectLst>
+                  <a:outerShdw blurRad="38100" dist="38100" dir="2700000" algn="tl">
+                    <a:srgbClr val="000000">
+                      <a:alpha val="43137"/>
+                    </a:srgbClr>
+                  </a:outerShdw>
+                </a:effectLst>
+                <a:latin typeface="Quicksand" panose="02070303000000060000" pitchFamily="18" charset="0"/>
+              </a:rPr>
+              <a:t>Complete Recipe Creation Functionality</a:t>
+            </a:r>
+            <a:br>
+              <a:rPr lang="en-US" sz="2000" b="1" dirty="0">
+                <a:solidFill>
+                  <a:schemeClr val="bg1"/>
+                </a:solidFill>
+                <a:effectLst>
+                  <a:outerShdw blurRad="38100" dist="38100" dir="2700000" algn="tl">
+                    <a:srgbClr val="000000">
+                      <a:alpha val="43137"/>
+                    </a:srgbClr>
+                  </a:outerShdw>
+                </a:effectLst>
+                <a:latin typeface="Quicksand" panose="02070303000000060000" pitchFamily="18" charset="0"/>
+              </a:rPr>
+            </a:br>
+            <a:r>
+              <a:rPr lang="en-US" sz="2000" b="1" dirty="0">
+                <a:solidFill>
+                  <a:schemeClr val="bg1"/>
+                </a:solidFill>
+                <a:effectLst>
+                  <a:outerShdw blurRad="38100" dist="38100" dir="2700000" algn="tl">
+                    <a:srgbClr val="000000">
+                      <a:alpha val="43137"/>
+                    </a:srgbClr>
+                  </a:outerShdw>
+                </a:effectLst>
+                <a:latin typeface="Quicksand" panose="02070303000000060000" pitchFamily="18" charset="0"/>
+              </a:rPr>
+              <a:t>	</a:t>
+            </a:r>
+            <a:r>
+              <a:rPr lang="en-US" sz="2000" b="1" dirty="0">
+                <a:solidFill>
+                  <a:schemeClr val="accent4">
+                    <a:lumMod val="40000"/>
+                    <a:lumOff val="60000"/>
+                  </a:schemeClr>
+                </a:solidFill>
+              </a:rPr>
+              <a:t>〜</a:t>
+            </a:r>
+            <a:r>
+              <a:rPr lang="en-US" sz="2000" b="1" dirty="0"/>
+              <a:t>  </a:t>
+            </a:r>
+            <a:r>
+              <a:rPr lang="en-US" sz="2000" b="1" dirty="0">
+                <a:solidFill>
+                  <a:schemeClr val="bg1"/>
+                </a:solidFill>
+                <a:effectLst>
+                  <a:outerShdw blurRad="38100" dist="38100" dir="2700000" algn="tl">
+                    <a:srgbClr val="000000">
+                      <a:alpha val="43137"/>
+                    </a:srgbClr>
+                  </a:outerShdw>
+                </a:effectLst>
+                <a:latin typeface="Quicksand" panose="02070303000000060000" pitchFamily="18" charset="0"/>
+              </a:rPr>
+              <a:t>Style User Login Tools</a:t>
+            </a:r>
+            <a:br>
+              <a:rPr lang="en-US" sz="2000" b="1" dirty="0">
+                <a:solidFill>
+                  <a:schemeClr val="bg1"/>
+                </a:solidFill>
+                <a:effectLst>
+                  <a:outerShdw blurRad="38100" dist="38100" dir="2700000" algn="tl">
+                    <a:srgbClr val="000000">
+                      <a:alpha val="43137"/>
+                    </a:srgbClr>
+                  </a:outerShdw>
+                </a:effectLst>
+                <a:latin typeface="Quicksand" panose="02070303000000060000" pitchFamily="18" charset="0"/>
+              </a:rPr>
+            </a:br>
+            <a:r>
+              <a:rPr lang="en-US" sz="2000" b="1" dirty="0">
+                <a:solidFill>
+                  <a:schemeClr val="bg1"/>
+                </a:solidFill>
+                <a:effectLst>
+                  <a:outerShdw blurRad="38100" dist="38100" dir="2700000" algn="tl">
+                    <a:srgbClr val="000000">
+                      <a:alpha val="43137"/>
+                    </a:srgbClr>
+                  </a:outerShdw>
+                </a:effectLst>
+                <a:latin typeface="Quicksand" panose="02070303000000060000" pitchFamily="18" charset="0"/>
+              </a:rPr>
+              <a:t>	</a:t>
+            </a:r>
+            <a:r>
+              <a:rPr lang="en-US" sz="2000" b="1" dirty="0">
+                <a:solidFill>
+                  <a:schemeClr val="accent4">
+                    <a:lumMod val="40000"/>
+                    <a:lumOff val="60000"/>
+                  </a:schemeClr>
+                </a:solidFill>
+              </a:rPr>
+              <a:t>〜</a:t>
+            </a:r>
+            <a:r>
+              <a:rPr lang="en-US" sz="2000" b="1" dirty="0"/>
+              <a:t>  </a:t>
+            </a:r>
+            <a:r>
+              <a:rPr lang="en-US" sz="2000" b="1" dirty="0">
+                <a:solidFill>
+                  <a:schemeClr val="bg1"/>
+                </a:solidFill>
+                <a:effectLst>
+                  <a:outerShdw blurRad="38100" dist="38100" dir="2700000" algn="tl">
+                    <a:srgbClr val="000000">
+                      <a:alpha val="43137"/>
+                    </a:srgbClr>
+                  </a:outerShdw>
+                </a:effectLst>
+                <a:latin typeface="Quicksand" panose="02070303000000060000" pitchFamily="18" charset="0"/>
+              </a:rPr>
+              <a:t>Style Recipe Creation Page</a:t>
+            </a:r>
+          </a:p>
+          <a:p>
+            <a:pPr marL="0" indent="0">
+              <a:buNone/>
+            </a:pPr>
+            <a:r>
+              <a:rPr lang="en-US" b="1" dirty="0">
+                <a:solidFill>
+                  <a:schemeClr val="bg1"/>
+                </a:solidFill>
+                <a:effectLst>
+                  <a:outerShdw blurRad="38100" dist="38100" dir="2700000" algn="tl">
+                    <a:srgbClr val="000000">
+                      <a:alpha val="43137"/>
+                    </a:srgbClr>
+                  </a:outerShdw>
+                </a:effectLst>
+                <a:latin typeface="Quicksand" panose="02070303000000060000" pitchFamily="18" charset="0"/>
+              </a:rPr>
+              <a:t>November</a:t>
+            </a:r>
+            <a:br>
+              <a:rPr lang="en-US" dirty="0">
+                <a:solidFill>
+                  <a:schemeClr val="bg1"/>
+                </a:solidFill>
+                <a:effectLst>
+                  <a:outerShdw blurRad="38100" dist="38100" dir="2700000" algn="tl">
+                    <a:srgbClr val="000000">
+                      <a:alpha val="43137"/>
+                    </a:srgbClr>
+                  </a:outerShdw>
+                </a:effectLst>
+                <a:latin typeface="Quicksand" panose="02070303000000060000" pitchFamily="18" charset="0"/>
+              </a:rPr>
+            </a:br>
+            <a:r>
+              <a:rPr lang="en-US" dirty="0">
+                <a:solidFill>
+                  <a:schemeClr val="bg1"/>
+                </a:solidFill>
+                <a:effectLst>
+                  <a:outerShdw blurRad="38100" dist="38100" dir="2700000" algn="tl">
+                    <a:srgbClr val="000000">
+                      <a:alpha val="43137"/>
+                    </a:srgbClr>
+                  </a:outerShdw>
+                </a:effectLst>
+                <a:latin typeface="Quicksand" panose="02070303000000060000" pitchFamily="18" charset="0"/>
+              </a:rPr>
+              <a:t>	</a:t>
+            </a:r>
+            <a:r>
+              <a:rPr lang="en-US" sz="2000" b="1" dirty="0">
+                <a:solidFill>
+                  <a:schemeClr val="accent4">
+                    <a:lumMod val="40000"/>
+                    <a:lumOff val="60000"/>
+                  </a:schemeClr>
+                </a:solidFill>
+              </a:rPr>
+              <a:t>〜</a:t>
+            </a:r>
+            <a:r>
+              <a:rPr lang="en-US" sz="2000" b="1" dirty="0"/>
+              <a:t> </a:t>
+            </a:r>
+            <a:r>
+              <a:rPr lang="en-US" sz="2000" b="1" dirty="0">
+                <a:solidFill>
+                  <a:schemeClr val="bg1"/>
+                </a:solidFill>
+                <a:effectLst>
+                  <a:outerShdw blurRad="38100" dist="38100" dir="2700000" algn="tl">
+                    <a:srgbClr val="000000">
+                      <a:alpha val="43137"/>
+                    </a:srgbClr>
+                  </a:outerShdw>
+                </a:effectLst>
+                <a:latin typeface="Quicksand" panose="02070303000000060000" pitchFamily="18" charset="0"/>
+              </a:rPr>
+              <a:t>Complete Comment Functionality</a:t>
+            </a:r>
+            <a:br>
+              <a:rPr lang="en-US" sz="2000" b="1" dirty="0">
+                <a:solidFill>
+                  <a:schemeClr val="bg1"/>
+                </a:solidFill>
+                <a:effectLst>
+                  <a:outerShdw blurRad="38100" dist="38100" dir="2700000" algn="tl">
+                    <a:srgbClr val="000000">
+                      <a:alpha val="43137"/>
+                    </a:srgbClr>
+                  </a:outerShdw>
+                </a:effectLst>
+                <a:latin typeface="Quicksand" panose="02070303000000060000" pitchFamily="18" charset="0"/>
+              </a:rPr>
+            </a:br>
+            <a:r>
+              <a:rPr lang="en-US" sz="2000" b="1" dirty="0">
+                <a:solidFill>
+                  <a:schemeClr val="bg1"/>
+                </a:solidFill>
+                <a:effectLst>
+                  <a:outerShdw blurRad="38100" dist="38100" dir="2700000" algn="tl">
+                    <a:srgbClr val="000000">
+                      <a:alpha val="43137"/>
+                    </a:srgbClr>
+                  </a:outerShdw>
+                </a:effectLst>
+                <a:latin typeface="Quicksand" panose="02070303000000060000" pitchFamily="18" charset="0"/>
+              </a:rPr>
+              <a:t>	</a:t>
+            </a:r>
+            <a:r>
+              <a:rPr lang="en-US" sz="2000" b="1" dirty="0">
+                <a:solidFill>
+                  <a:schemeClr val="accent1">
+                    <a:lumMod val="20000"/>
+                    <a:lumOff val="80000"/>
+                  </a:schemeClr>
+                </a:solidFill>
+              </a:rPr>
+              <a:t>✘</a:t>
+            </a:r>
+            <a:r>
+              <a:rPr lang="en-US" sz="2000" b="1" dirty="0"/>
+              <a:t> </a:t>
+            </a:r>
+            <a:r>
+              <a:rPr lang="en-US" sz="2000" b="1" dirty="0">
+                <a:solidFill>
+                  <a:schemeClr val="bg1"/>
+                </a:solidFill>
+                <a:effectLst>
+                  <a:outerShdw blurRad="38100" dist="38100" dir="2700000" algn="tl">
+                    <a:srgbClr val="000000">
+                      <a:alpha val="43137"/>
+                    </a:srgbClr>
+                  </a:outerShdw>
+                </a:effectLst>
+                <a:latin typeface="Quicksand" panose="02070303000000060000" pitchFamily="18" charset="0"/>
+              </a:rPr>
+              <a:t>Complete Tagging Functionality</a:t>
+            </a:r>
+            <a:br>
+              <a:rPr lang="en-US" sz="2000" b="1" dirty="0">
+                <a:solidFill>
+                  <a:schemeClr val="bg1"/>
+                </a:solidFill>
+                <a:effectLst>
+                  <a:outerShdw blurRad="38100" dist="38100" dir="2700000" algn="tl">
+                    <a:srgbClr val="000000">
+                      <a:alpha val="43137"/>
+                    </a:srgbClr>
+                  </a:outerShdw>
+                </a:effectLst>
+                <a:latin typeface="Quicksand" panose="02070303000000060000" pitchFamily="18" charset="0"/>
+              </a:rPr>
+            </a:br>
+            <a:r>
+              <a:rPr lang="en-US" sz="2000" b="1" dirty="0">
+                <a:solidFill>
+                  <a:schemeClr val="bg1"/>
+                </a:solidFill>
+                <a:effectLst>
+                  <a:outerShdw blurRad="38100" dist="38100" dir="2700000" algn="tl">
+                    <a:srgbClr val="000000">
+                      <a:alpha val="43137"/>
+                    </a:srgbClr>
+                  </a:outerShdw>
+                </a:effectLst>
+                <a:latin typeface="Quicksand" panose="02070303000000060000" pitchFamily="18" charset="0"/>
+              </a:rPr>
+              <a:t>	</a:t>
+            </a:r>
+            <a:r>
+              <a:rPr lang="en-US" sz="2000" b="1" dirty="0">
+                <a:solidFill>
+                  <a:schemeClr val="accent1">
+                    <a:lumMod val="20000"/>
+                    <a:lumOff val="80000"/>
+                  </a:schemeClr>
+                </a:solidFill>
+              </a:rPr>
+              <a:t>✘</a:t>
+            </a:r>
+            <a:r>
+              <a:rPr lang="en-US" sz="2000" b="1" dirty="0"/>
+              <a:t> </a:t>
+            </a:r>
+            <a:r>
+              <a:rPr lang="en-US" sz="2000" b="1" dirty="0">
+                <a:solidFill>
+                  <a:schemeClr val="bg1"/>
+                </a:solidFill>
+                <a:effectLst>
+                  <a:outerShdw blurRad="38100" dist="38100" dir="2700000" algn="tl">
+                    <a:srgbClr val="000000">
+                      <a:alpha val="43137"/>
+                    </a:srgbClr>
+                  </a:outerShdw>
+                </a:effectLst>
+                <a:latin typeface="Quicksand" panose="02070303000000060000" pitchFamily="18" charset="0"/>
+              </a:rPr>
+              <a:t>Style Recipe Page</a:t>
+            </a:r>
+          </a:p>
+          <a:p>
+            <a:pPr marL="0" indent="0">
+              <a:buNone/>
+            </a:pPr>
+            <a:r>
+              <a:rPr lang="en-US" b="1" dirty="0">
+                <a:solidFill>
+                  <a:schemeClr val="bg1"/>
+                </a:solidFill>
+                <a:effectLst>
+                  <a:outerShdw blurRad="38100" dist="38100" dir="2700000" algn="tl">
+                    <a:srgbClr val="000000">
+                      <a:alpha val="43137"/>
+                    </a:srgbClr>
+                  </a:outerShdw>
+                </a:effectLst>
+                <a:latin typeface="Quicksand" panose="02070303000000060000" pitchFamily="18" charset="0"/>
+              </a:rPr>
+              <a:t>December</a:t>
+            </a:r>
+            <a:br>
+              <a:rPr lang="en-US" dirty="0">
+                <a:solidFill>
+                  <a:schemeClr val="bg1"/>
+                </a:solidFill>
+                <a:effectLst>
+                  <a:outerShdw blurRad="38100" dist="38100" dir="2700000" algn="tl">
+                    <a:srgbClr val="000000">
+                      <a:alpha val="43137"/>
+                    </a:srgbClr>
+                  </a:outerShdw>
+                </a:effectLst>
+                <a:latin typeface="Quicksand" panose="02070303000000060000" pitchFamily="18" charset="0"/>
+              </a:rPr>
+            </a:br>
+            <a:r>
+              <a:rPr lang="en-US" dirty="0">
+                <a:solidFill>
+                  <a:schemeClr val="bg1"/>
+                </a:solidFill>
+                <a:effectLst>
+                  <a:outerShdw blurRad="38100" dist="38100" dir="2700000" algn="tl">
+                    <a:srgbClr val="000000">
+                      <a:alpha val="43137"/>
+                    </a:srgbClr>
+                  </a:outerShdw>
+                </a:effectLst>
+                <a:latin typeface="Quicksand" panose="02070303000000060000" pitchFamily="18" charset="0"/>
+              </a:rPr>
+              <a:t>	</a:t>
+            </a:r>
+            <a:r>
+              <a:rPr lang="en-US" sz="2000" b="1" dirty="0">
+                <a:solidFill>
+                  <a:schemeClr val="accent1">
+                    <a:lumMod val="20000"/>
+                    <a:lumOff val="80000"/>
+                  </a:schemeClr>
+                </a:solidFill>
+              </a:rPr>
+              <a:t>✘</a:t>
+            </a:r>
+            <a:r>
+              <a:rPr lang="en-US" sz="2000" b="1" dirty="0"/>
+              <a:t> </a:t>
+            </a:r>
+            <a:r>
+              <a:rPr lang="en-US" sz="2000" b="1" dirty="0">
+                <a:solidFill>
+                  <a:schemeClr val="bg1"/>
+                </a:solidFill>
+                <a:effectLst>
+                  <a:outerShdw blurRad="38100" dist="38100" dir="2700000" algn="tl">
+                    <a:srgbClr val="000000">
+                      <a:alpha val="43137"/>
+                    </a:srgbClr>
+                  </a:outerShdw>
+                </a:effectLst>
+                <a:latin typeface="Quicksand" panose="02070303000000060000" pitchFamily="18" charset="0"/>
+              </a:rPr>
+              <a:t>Complete Recipe Search Functionality</a:t>
+            </a:r>
+            <a:br>
+              <a:rPr lang="en-US" sz="2000" b="1" dirty="0">
+                <a:solidFill>
+                  <a:schemeClr val="bg1"/>
+                </a:solidFill>
+                <a:effectLst>
+                  <a:outerShdw blurRad="38100" dist="38100" dir="2700000" algn="tl">
+                    <a:srgbClr val="000000">
+                      <a:alpha val="43137"/>
+                    </a:srgbClr>
+                  </a:outerShdw>
+                </a:effectLst>
+                <a:latin typeface="Quicksand" panose="02070303000000060000" pitchFamily="18" charset="0"/>
+              </a:rPr>
+            </a:br>
+            <a:r>
+              <a:rPr lang="en-US" sz="2000" b="1" dirty="0">
+                <a:solidFill>
+                  <a:schemeClr val="bg1"/>
+                </a:solidFill>
+                <a:effectLst>
+                  <a:outerShdw blurRad="38100" dist="38100" dir="2700000" algn="tl">
+                    <a:srgbClr val="000000">
+                      <a:alpha val="43137"/>
+                    </a:srgbClr>
+                  </a:outerShdw>
+                </a:effectLst>
+                <a:latin typeface="Quicksand" panose="02070303000000060000" pitchFamily="18" charset="0"/>
+              </a:rPr>
+              <a:t>	</a:t>
+            </a:r>
+            <a:r>
+              <a:rPr lang="en-US" sz="2000" b="1" dirty="0">
+                <a:solidFill>
+                  <a:schemeClr val="accent1">
+                    <a:lumMod val="20000"/>
+                    <a:lumOff val="80000"/>
+                  </a:schemeClr>
+                </a:solidFill>
+              </a:rPr>
+              <a:t>✘</a:t>
+            </a:r>
+            <a:r>
+              <a:rPr lang="en-US" sz="2000" b="1" dirty="0"/>
+              <a:t> </a:t>
+            </a:r>
+            <a:r>
+              <a:rPr lang="en-US" sz="2000" b="1" dirty="0">
+                <a:solidFill>
+                  <a:schemeClr val="bg1"/>
+                </a:solidFill>
+                <a:effectLst>
+                  <a:outerShdw blurRad="38100" dist="38100" dir="2700000" algn="tl">
+                    <a:srgbClr val="000000">
+                      <a:alpha val="43137"/>
+                    </a:srgbClr>
+                  </a:outerShdw>
+                </a:effectLst>
+                <a:latin typeface="Quicksand" panose="02070303000000060000" pitchFamily="18" charset="0"/>
+              </a:rPr>
+              <a:t>Responsivity Testing</a:t>
+            </a:r>
+            <a:br>
+              <a:rPr lang="en-US" sz="2000" b="1" dirty="0">
+                <a:solidFill>
+                  <a:schemeClr val="bg1"/>
+                </a:solidFill>
+                <a:effectLst>
+                  <a:outerShdw blurRad="38100" dist="38100" dir="2700000" algn="tl">
+                    <a:srgbClr val="000000">
+                      <a:alpha val="43137"/>
+                    </a:srgbClr>
+                  </a:outerShdw>
+                </a:effectLst>
+                <a:latin typeface="Quicksand" panose="02070303000000060000" pitchFamily="18" charset="0"/>
+              </a:rPr>
+            </a:br>
+            <a:r>
+              <a:rPr lang="en-US" sz="2000" b="1" dirty="0">
+                <a:solidFill>
+                  <a:schemeClr val="bg1"/>
+                </a:solidFill>
+                <a:effectLst>
+                  <a:outerShdw blurRad="38100" dist="38100" dir="2700000" algn="tl">
+                    <a:srgbClr val="000000">
+                      <a:alpha val="43137"/>
+                    </a:srgbClr>
+                  </a:outerShdw>
+                </a:effectLst>
+                <a:latin typeface="Quicksand" panose="02070303000000060000" pitchFamily="18" charset="0"/>
+              </a:rPr>
+              <a:t>	</a:t>
+            </a:r>
+            <a:r>
+              <a:rPr lang="en-US" sz="2000" b="1" dirty="0">
+                <a:solidFill>
+                  <a:schemeClr val="accent1">
+                    <a:lumMod val="20000"/>
+                    <a:lumOff val="80000"/>
+                  </a:schemeClr>
+                </a:solidFill>
+              </a:rPr>
+              <a:t>✘</a:t>
+            </a:r>
+            <a:r>
+              <a:rPr lang="en-US" sz="2000" b="1" dirty="0"/>
+              <a:t> </a:t>
+            </a:r>
+            <a:r>
+              <a:rPr lang="en-US" sz="2000" b="1" dirty="0">
+                <a:solidFill>
+                  <a:schemeClr val="bg1"/>
+                </a:solidFill>
+                <a:effectLst>
+                  <a:outerShdw blurRad="38100" dist="38100" dir="2700000" algn="tl">
+                    <a:srgbClr val="000000">
+                      <a:alpha val="43137"/>
+                    </a:srgbClr>
+                  </a:outerShdw>
+                </a:effectLst>
+                <a:latin typeface="Quicksand" panose="02070303000000060000" pitchFamily="18" charset="0"/>
+              </a:rPr>
+              <a:t>Speed Testing</a:t>
+            </a:r>
+            <a:br>
+              <a:rPr lang="en-US" sz="2000" b="1" dirty="0">
+                <a:solidFill>
+                  <a:schemeClr val="bg1"/>
+                </a:solidFill>
+                <a:effectLst>
+                  <a:outerShdw blurRad="38100" dist="38100" dir="2700000" algn="tl">
+                    <a:srgbClr val="000000">
+                      <a:alpha val="43137"/>
+                    </a:srgbClr>
+                  </a:outerShdw>
+                </a:effectLst>
+                <a:latin typeface="Quicksand" panose="02070303000000060000" pitchFamily="18" charset="0"/>
+              </a:rPr>
+            </a:br>
+            <a:r>
+              <a:rPr lang="en-US" sz="2000" b="1" dirty="0">
+                <a:solidFill>
+                  <a:schemeClr val="bg1"/>
+                </a:solidFill>
+                <a:effectLst>
+                  <a:outerShdw blurRad="38100" dist="38100" dir="2700000" algn="tl">
+                    <a:srgbClr val="000000">
+                      <a:alpha val="43137"/>
+                    </a:srgbClr>
+                  </a:outerShdw>
+                </a:effectLst>
+                <a:latin typeface="Quicksand" panose="02070303000000060000" pitchFamily="18" charset="0"/>
+              </a:rPr>
+              <a:t>	</a:t>
+            </a:r>
+            <a:r>
+              <a:rPr lang="en-US" sz="2000" b="1" dirty="0">
+                <a:solidFill>
+                  <a:schemeClr val="accent1">
+                    <a:lumMod val="20000"/>
+                    <a:lumOff val="80000"/>
+                  </a:schemeClr>
+                </a:solidFill>
+              </a:rPr>
+              <a:t>✘</a:t>
+            </a:r>
+            <a:r>
+              <a:rPr lang="en-US" sz="2000" b="1" dirty="0"/>
+              <a:t> </a:t>
+            </a:r>
+            <a:r>
+              <a:rPr lang="en-US" sz="2000" b="1" dirty="0">
+                <a:solidFill>
+                  <a:schemeClr val="bg1"/>
+                </a:solidFill>
+                <a:effectLst>
+                  <a:outerShdw blurRad="38100" dist="38100" dir="2700000" algn="tl">
+                    <a:srgbClr val="000000">
+                      <a:alpha val="43137"/>
+                    </a:srgbClr>
+                  </a:outerShdw>
+                </a:effectLst>
+                <a:latin typeface="Quicksand" panose="02070303000000060000" pitchFamily="18" charset="0"/>
+              </a:rPr>
+              <a:t>Penetration Testing</a:t>
+            </a:r>
+            <a:endParaRPr lang="en-US" b="1" dirty="0">
+              <a:solidFill>
+                <a:schemeClr val="bg1"/>
+              </a:solidFill>
+              <a:effectLst>
+                <a:outerShdw blurRad="38100" dist="38100" dir="2700000" algn="tl">
+                  <a:srgbClr val="000000">
+                    <a:alpha val="43137"/>
+                  </a:srgbClr>
+                </a:outerShdw>
+              </a:effectLst>
+              <a:latin typeface="Quicksand" panose="02070303000000060000" pitchFamily="18" charset="0"/>
+            </a:endParaRPr>
           </a:p>
         </p:txBody>
       </p:sp>
     </p:spTree>
     <p:extLst>
       <p:ext uri="{BB962C8B-B14F-4D97-AF65-F5344CB8AC3E}">
-        <p14:creationId xmlns:p14="http://schemas.microsoft.com/office/powerpoint/2010/main" val="3955775043"/>
+        <p14:creationId xmlns:p14="http://schemas.microsoft.com/office/powerpoint/2010/main" val="2584398314"/>
       </p:ext>
     </p:extLst>
   </p:cSld>
   <p:clrMapOvr>
     <a:masterClrMapping/>
   </p:clrMapOvr>
+  <p:transition spd="slow">
+    <p:push dir="u"/>
+  </p:transition>
+</p:sld>
+</file>
+
+<file path=ppt/slides/slide7.xml><?xml version="1.0" encoding="utf-8"?>
+<p:sld xmlns:a="http://schemas.openxmlformats.org/drawingml/2006/main" xmlns:r="http://schemas.openxmlformats.org/officeDocument/2006/relationships" xmlns:p="http://schemas.openxmlformats.org/presentationml/2006/main">
+  <p:cSld>
+    <p:bg>
+      <p:bgPr>
+        <a:solidFill>
+          <a:srgbClr val="CE2D75"/>
+        </a:solidFill>
+        <a:effectLst/>
+      </p:bgPr>
+    </p:bg>
+    <p:spTree>
+      <p:nvGrpSpPr>
+        <p:cNvPr id="1" name=""/>
+        <p:cNvGrpSpPr/>
+        <p:nvPr/>
+      </p:nvGrpSpPr>
+      <p:grpSpPr>
+        <a:xfrm>
+          <a:off x="0" y="0"/>
+          <a:ext cx="0" cy="0"/>
+          <a:chOff x="0" y="0"/>
+          <a:chExt cx="0" cy="0"/>
+        </a:xfrm>
+      </p:grpSpPr>
+      <p:sp>
+        <p:nvSpPr>
+          <p:cNvPr id="7" name="Rectangle 6">
+            <a:extLst>
+              <a:ext uri="{FF2B5EF4-FFF2-40B4-BE49-F238E27FC236}">
+                <a16:creationId xmlns:a16="http://schemas.microsoft.com/office/drawing/2014/main" id="{A6850917-8652-4383-995B-9767AA7442AE}"/>
+              </a:ext>
+            </a:extLst>
+          </p:cNvPr>
+          <p:cNvSpPr/>
+          <p:nvPr/>
+        </p:nvSpPr>
+        <p:spPr>
+          <a:xfrm rot="10800000">
+            <a:off x="9714271" y="-2266335"/>
+            <a:ext cx="2477729" cy="12565626"/>
+          </a:xfrm>
+          <a:prstGeom prst="rect">
+            <a:avLst/>
+          </a:prstGeom>
+          <a:solidFill>
+            <a:srgbClr val="CE2D75"/>
+          </a:solidFill>
+          <a:ln>
+            <a:noFill/>
+          </a:ln>
+          <a:effectLst>
+            <a:innerShdw blurRad="546100" dist="50800">
+              <a:prstClr val="black">
+                <a:alpha val="45000"/>
+              </a:prstClr>
+            </a:innerShdw>
+          </a:effectLst>
+        </p:spPr>
+        <p:style>
+          <a:lnRef idx="2">
+            <a:schemeClr val="accent1">
+              <a:shade val="50000"/>
+            </a:schemeClr>
+          </a:lnRef>
+          <a:fillRef idx="1">
+            <a:schemeClr val="accent1"/>
+          </a:fillRef>
+          <a:effectRef idx="0">
+            <a:schemeClr val="accent1"/>
+          </a:effectRef>
+          <a:fontRef idx="minor">
+            <a:schemeClr val="lt1"/>
+          </a:fontRef>
+        </p:style>
+        <p:txBody>
+          <a:bodyPr rtlCol="0" anchor="ctr"/>
+          <a:lstStyle/>
+          <a:p>
+            <a:pPr algn="ctr"/>
+            <a:endParaRPr lang="en-US"/>
+          </a:p>
+        </p:txBody>
+      </p:sp>
+      <p:sp>
+        <p:nvSpPr>
+          <p:cNvPr id="8" name="Rectangle 7">
+            <a:extLst>
+              <a:ext uri="{FF2B5EF4-FFF2-40B4-BE49-F238E27FC236}">
+                <a16:creationId xmlns:a16="http://schemas.microsoft.com/office/drawing/2014/main" id="{887F3168-6639-4E53-8D6F-D90E84D40768}"/>
+              </a:ext>
+            </a:extLst>
+          </p:cNvPr>
+          <p:cNvSpPr/>
+          <p:nvPr/>
+        </p:nvSpPr>
+        <p:spPr>
+          <a:xfrm rot="10800000">
+            <a:off x="8038004" y="-2477729"/>
+            <a:ext cx="3416710" cy="13219471"/>
+          </a:xfrm>
+          <a:prstGeom prst="rect">
+            <a:avLst/>
+          </a:prstGeom>
+          <a:solidFill>
+            <a:srgbClr val="CE2D75"/>
+          </a:solidFill>
+          <a:ln>
+            <a:noFill/>
+          </a:ln>
+          <a:effectLst/>
+        </p:spPr>
+        <p:style>
+          <a:lnRef idx="2">
+            <a:schemeClr val="accent1">
+              <a:shade val="50000"/>
+            </a:schemeClr>
+          </a:lnRef>
+          <a:fillRef idx="1">
+            <a:schemeClr val="accent1"/>
+          </a:fillRef>
+          <a:effectRef idx="0">
+            <a:schemeClr val="accent1"/>
+          </a:effectRef>
+          <a:fontRef idx="minor">
+            <a:schemeClr val="lt1"/>
+          </a:fontRef>
+        </p:style>
+        <p:txBody>
+          <a:bodyPr rtlCol="0" anchor="ctr"/>
+          <a:lstStyle/>
+          <a:p>
+            <a:pPr algn="ctr"/>
+            <a:endParaRPr lang="en-US" dirty="0"/>
+          </a:p>
+        </p:txBody>
+      </p:sp>
+      <p:sp>
+        <p:nvSpPr>
+          <p:cNvPr id="9" name="Rectangle 8">
+            <a:extLst>
+              <a:ext uri="{FF2B5EF4-FFF2-40B4-BE49-F238E27FC236}">
+                <a16:creationId xmlns:a16="http://schemas.microsoft.com/office/drawing/2014/main" id="{FDD1ACB1-7FEE-4262-A3F7-5E130DBBB513}"/>
+              </a:ext>
+            </a:extLst>
+          </p:cNvPr>
+          <p:cNvSpPr/>
+          <p:nvPr/>
+        </p:nvSpPr>
+        <p:spPr>
+          <a:xfrm>
+            <a:off x="0" y="-2477729"/>
+            <a:ext cx="2477729" cy="12565626"/>
+          </a:xfrm>
+          <a:prstGeom prst="rect">
+            <a:avLst/>
+          </a:prstGeom>
+          <a:solidFill>
+            <a:srgbClr val="CE2D75"/>
+          </a:solidFill>
+          <a:ln>
+            <a:noFill/>
+          </a:ln>
+          <a:effectLst>
+            <a:innerShdw blurRad="546100" dist="50800" dir="10800000">
+              <a:prstClr val="black">
+                <a:alpha val="45000"/>
+              </a:prstClr>
+            </a:innerShdw>
+          </a:effectLst>
+        </p:spPr>
+        <p:style>
+          <a:lnRef idx="2">
+            <a:schemeClr val="accent1">
+              <a:shade val="50000"/>
+            </a:schemeClr>
+          </a:lnRef>
+          <a:fillRef idx="1">
+            <a:schemeClr val="accent1"/>
+          </a:fillRef>
+          <a:effectRef idx="0">
+            <a:schemeClr val="accent1"/>
+          </a:effectRef>
+          <a:fontRef idx="minor">
+            <a:schemeClr val="lt1"/>
+          </a:fontRef>
+        </p:style>
+        <p:txBody>
+          <a:bodyPr rtlCol="0" anchor="ctr"/>
+          <a:lstStyle/>
+          <a:p>
+            <a:pPr algn="ctr"/>
+            <a:endParaRPr lang="en-US"/>
+          </a:p>
+        </p:txBody>
+      </p:sp>
+      <p:sp>
+        <p:nvSpPr>
+          <p:cNvPr id="10" name="Rectangle 9">
+            <a:extLst>
+              <a:ext uri="{FF2B5EF4-FFF2-40B4-BE49-F238E27FC236}">
+                <a16:creationId xmlns:a16="http://schemas.microsoft.com/office/drawing/2014/main" id="{1EF2AD43-D3C4-41B6-B450-19320FAFBC3D}"/>
+              </a:ext>
+            </a:extLst>
+          </p:cNvPr>
+          <p:cNvSpPr/>
+          <p:nvPr/>
+        </p:nvSpPr>
+        <p:spPr>
+          <a:xfrm>
+            <a:off x="513403" y="-2920180"/>
+            <a:ext cx="3416710" cy="13219471"/>
+          </a:xfrm>
+          <a:prstGeom prst="rect">
+            <a:avLst/>
+          </a:prstGeom>
+          <a:solidFill>
+            <a:srgbClr val="CE2D75"/>
+          </a:solidFill>
+          <a:ln>
+            <a:noFill/>
+          </a:ln>
+          <a:effectLst/>
+        </p:spPr>
+        <p:style>
+          <a:lnRef idx="2">
+            <a:schemeClr val="accent1">
+              <a:shade val="50000"/>
+            </a:schemeClr>
+          </a:lnRef>
+          <a:fillRef idx="1">
+            <a:schemeClr val="accent1"/>
+          </a:fillRef>
+          <a:effectRef idx="0">
+            <a:schemeClr val="accent1"/>
+          </a:effectRef>
+          <a:fontRef idx="minor">
+            <a:schemeClr val="lt1"/>
+          </a:fontRef>
+        </p:style>
+        <p:txBody>
+          <a:bodyPr rtlCol="0" anchor="ctr"/>
+          <a:lstStyle/>
+          <a:p>
+            <a:pPr algn="ctr"/>
+            <a:endParaRPr lang="en-US"/>
+          </a:p>
+        </p:txBody>
+      </p:sp>
+      <p:sp>
+        <p:nvSpPr>
+          <p:cNvPr id="2" name="Title 1">
+            <a:extLst>
+              <a:ext uri="{FF2B5EF4-FFF2-40B4-BE49-F238E27FC236}">
+                <a16:creationId xmlns:a16="http://schemas.microsoft.com/office/drawing/2014/main" id="{BB6B329F-66D6-42EE-82DD-B81655B95A17}"/>
+              </a:ext>
+            </a:extLst>
+          </p:cNvPr>
+          <p:cNvSpPr>
+            <a:spLocks noGrp="1"/>
+          </p:cNvSpPr>
+          <p:nvPr>
+            <p:ph type="title"/>
+          </p:nvPr>
+        </p:nvSpPr>
+        <p:spPr>
+          <a:xfrm>
+            <a:off x="838200" y="365125"/>
+            <a:ext cx="8445843" cy="1325563"/>
+          </a:xfrm>
+        </p:spPr>
+        <p:txBody>
+          <a:bodyPr/>
+          <a:lstStyle/>
+          <a:p>
+            <a:pPr algn="ctr"/>
+            <a:r>
+              <a:rPr lang="en-US" b="1" dirty="0">
+                <a:solidFill>
+                  <a:schemeClr val="bg1"/>
+                </a:solidFill>
+                <a:latin typeface="Quicksand" panose="02070303000000060000" pitchFamily="18" charset="0"/>
+              </a:rPr>
+              <a:t>Questions?</a:t>
+            </a:r>
+          </a:p>
+        </p:txBody>
+      </p:sp>
+      <p:sp>
+        <p:nvSpPr>
+          <p:cNvPr id="4" name="Rectangle 3">
+            <a:extLst>
+              <a:ext uri="{FF2B5EF4-FFF2-40B4-BE49-F238E27FC236}">
+                <a16:creationId xmlns:a16="http://schemas.microsoft.com/office/drawing/2014/main" id="{379CDECF-74BF-44F4-92E3-2A273826367E}"/>
+              </a:ext>
+            </a:extLst>
+          </p:cNvPr>
+          <p:cNvSpPr/>
+          <p:nvPr/>
+        </p:nvSpPr>
+        <p:spPr>
+          <a:xfrm>
+            <a:off x="10206681" y="-840259"/>
+            <a:ext cx="963827" cy="8501448"/>
+          </a:xfrm>
+          <a:prstGeom prst="rect">
+            <a:avLst/>
+          </a:prstGeom>
+          <a:solidFill>
+            <a:srgbClr val="861657"/>
+          </a:solidFill>
+          <a:ln>
+            <a:noFill/>
+          </a:ln>
+          <a:effectLst>
+            <a:outerShdw blurRad="63500" sx="102000" sy="102000" algn="ctr" rotWithShape="0">
+              <a:prstClr val="black">
+                <a:alpha val="40000"/>
+              </a:prstClr>
+            </a:outerShdw>
+          </a:effectLst>
+        </p:spPr>
+        <p:style>
+          <a:lnRef idx="2">
+            <a:schemeClr val="accent1">
+              <a:shade val="50000"/>
+            </a:schemeClr>
+          </a:lnRef>
+          <a:fillRef idx="1">
+            <a:schemeClr val="accent1"/>
+          </a:fillRef>
+          <a:effectRef idx="0">
+            <a:schemeClr val="accent1"/>
+          </a:effectRef>
+          <a:fontRef idx="minor">
+            <a:schemeClr val="lt1"/>
+          </a:fontRef>
+        </p:style>
+        <p:txBody>
+          <a:bodyPr rtlCol="0" anchor="ctr"/>
+          <a:lstStyle/>
+          <a:p>
+            <a:pPr algn="ctr"/>
+            <a:endParaRPr lang="en-US"/>
+          </a:p>
+        </p:txBody>
+      </p:sp>
+      <p:sp>
+        <p:nvSpPr>
+          <p:cNvPr id="5" name="Rectangle 4">
+            <a:extLst>
+              <a:ext uri="{FF2B5EF4-FFF2-40B4-BE49-F238E27FC236}">
+                <a16:creationId xmlns:a16="http://schemas.microsoft.com/office/drawing/2014/main" id="{90080D6F-F4A9-42C9-BCAE-E72A037517C3}"/>
+              </a:ext>
+            </a:extLst>
+          </p:cNvPr>
+          <p:cNvSpPr/>
+          <p:nvPr/>
+        </p:nvSpPr>
+        <p:spPr>
+          <a:xfrm>
+            <a:off x="11372336" y="-821724"/>
+            <a:ext cx="243016" cy="8501448"/>
+          </a:xfrm>
+          <a:prstGeom prst="rect">
+            <a:avLst/>
+          </a:prstGeom>
+          <a:solidFill>
+            <a:srgbClr val="861657"/>
+          </a:solidFill>
+          <a:ln>
+            <a:noFill/>
+          </a:ln>
+          <a:effectLst>
+            <a:outerShdw blurRad="63500" sx="102000" sy="102000" algn="ctr" rotWithShape="0">
+              <a:prstClr val="black">
+                <a:alpha val="40000"/>
+              </a:prstClr>
+            </a:outerShdw>
+          </a:effectLst>
+        </p:spPr>
+        <p:style>
+          <a:lnRef idx="2">
+            <a:schemeClr val="accent1">
+              <a:shade val="50000"/>
+            </a:schemeClr>
+          </a:lnRef>
+          <a:fillRef idx="1">
+            <a:schemeClr val="accent1"/>
+          </a:fillRef>
+          <a:effectRef idx="0">
+            <a:schemeClr val="accent1"/>
+          </a:effectRef>
+          <a:fontRef idx="minor">
+            <a:schemeClr val="lt1"/>
+          </a:fontRef>
+        </p:style>
+        <p:txBody>
+          <a:bodyPr rtlCol="0" anchor="ctr"/>
+          <a:lstStyle/>
+          <a:p>
+            <a:pPr algn="ctr"/>
+            <a:endParaRPr lang="en-US"/>
+          </a:p>
+        </p:txBody>
+      </p:sp>
+    </p:spTree>
+    <p:extLst>
+      <p:ext uri="{BB962C8B-B14F-4D97-AF65-F5344CB8AC3E}">
+        <p14:creationId xmlns:p14="http://schemas.microsoft.com/office/powerpoint/2010/main" val="2788167378"/>
+      </p:ext>
+    </p:extLst>
+  </p:cSld>
+  <p:clrMapOvr>
+    <a:masterClrMapping/>
+  </p:clrMapOvr>
+  <p:transition spd="slow">
+    <p:push dir="u"/>
+  </p:transition>
 </p:sld>
 </file>
 
@@ -4100,4 +8625,299 @@
     </a:ext>
   </a:extLst>
 </a:theme>
+</file>
+
+<file path=ppt/theme/theme2.xml><?xml version="1.0" encoding="utf-8"?>
+<a:theme xmlns:a="http://schemas.openxmlformats.org/drawingml/2006/main" name="Office Theme">
+  <a:themeElements>
+    <a:clrScheme name="Office">
+      <a:dk1>
+        <a:sysClr val="windowText" lastClr="000000"/>
+      </a:dk1>
+      <a:lt1>
+        <a:sysClr val="window" lastClr="FFFFFF"/>
+      </a:lt1>
+      <a:dk2>
+        <a:srgbClr val="44546A"/>
+      </a:dk2>
+      <a:lt2>
+        <a:srgbClr val="E7E6E6"/>
+      </a:lt2>
+      <a:accent1>
+        <a:srgbClr val="4472C4"/>
+      </a:accent1>
+      <a:accent2>
+        <a:srgbClr val="ED7D31"/>
+      </a:accent2>
+      <a:accent3>
+        <a:srgbClr val="A5A5A5"/>
+      </a:accent3>
+      <a:accent4>
+        <a:srgbClr val="FFC000"/>
+      </a:accent4>
+      <a:accent5>
+        <a:srgbClr val="5B9BD5"/>
+      </a:accent5>
+      <a:accent6>
+        <a:srgbClr val="70AD47"/>
+      </a:accent6>
+      <a:hlink>
+        <a:srgbClr val="0563C1"/>
+      </a:hlink>
+      <a:folHlink>
+        <a:srgbClr val="954F72"/>
+      </a:folHlink>
+    </a:clrScheme>
+    <a:fontScheme name="Office">
+      <a:majorFont>
+        <a:latin typeface="Calibri Light" panose="020F0302020204030204"/>
+        <a:ea typeface=""/>
+        <a:cs typeface=""/>
+        <a:font script="Jpan" typeface="游ゴシック Light"/>
+        <a:font script="Hang" typeface="맑은 고딕"/>
+        <a:font script="Hans" typeface="等线 Light"/>
+        <a:font script="Hant" typeface="新細明體"/>
+        <a:font script="Arab" typeface="Times New Roman"/>
+        <a:font script="Hebr" typeface="Times New Roman"/>
+        <a:font script="Thai" typeface="Angsana New"/>
+        <a:font script="Ethi" typeface="Nyala"/>
+        <a:font script="Beng" typeface="Vrinda"/>
+        <a:font script="Gujr" typeface="Shruti"/>
+        <a:font script="Khmr" typeface="MoolBoran"/>
+        <a:font script="Knda" typeface="Tunga"/>
+        <a:font script="Guru" typeface="Raavi"/>
+        <a:font script="Cans" typeface="Euphemia"/>
+        <a:font script="Cher" typeface="Plantagenet Cherokee"/>
+        <a:font script="Yiii" typeface="Microsoft Yi Baiti"/>
+        <a:font script="Tibt" typeface="Microsoft Himalaya"/>
+        <a:font script="Thaa" typeface="MV Boli"/>
+        <a:font script="Deva" typeface="Mangal"/>
+        <a:font script="Telu" typeface="Gautami"/>
+        <a:font script="Taml" typeface="Latha"/>
+        <a:font script="Syrc" typeface="Estrangelo Edessa"/>
+        <a:font script="Orya" typeface="Kalinga"/>
+        <a:font script="Mlym" typeface="Kartika"/>
+        <a:font script="Laoo" typeface="DokChampa"/>
+        <a:font script="Sinh" typeface="Iskoola Pota"/>
+        <a:font script="Mong" typeface="Mongolian Baiti"/>
+        <a:font script="Viet" typeface="Times New Roman"/>
+        <a:font script="Uigh" typeface="Microsoft Uighur"/>
+        <a:font script="Geor" typeface="Sylfaen"/>
+        <a:font script="Armn" typeface="Arial"/>
+        <a:font script="Bugi" typeface="Leelawadee UI"/>
+        <a:font script="Bopo" typeface="Microsoft JhengHei"/>
+        <a:font script="Java" typeface="Javanese Text"/>
+        <a:font script="Lisu" typeface="Segoe UI"/>
+        <a:font script="Mymr" typeface="Myanmar Text"/>
+        <a:font script="Nkoo" typeface="Ebrima"/>
+        <a:font script="Olck" typeface="Nirmala UI"/>
+        <a:font script="Osma" typeface="Ebrima"/>
+        <a:font script="Phag" typeface="Phagspa"/>
+        <a:font script="Syrn" typeface="Estrangelo Edessa"/>
+        <a:font script="Syrj" typeface="Estrangelo Edessa"/>
+        <a:font script="Syre" typeface="Estrangelo Edessa"/>
+        <a:font script="Sora" typeface="Nirmala UI"/>
+        <a:font script="Tale" typeface="Microsoft Tai Le"/>
+        <a:font script="Talu" typeface="Microsoft New Tai Lue"/>
+        <a:font script="Tfng" typeface="Ebrima"/>
+      </a:majorFont>
+      <a:minorFont>
+        <a:latin typeface="Calibri" panose="020F0502020204030204"/>
+        <a:ea typeface=""/>
+        <a:cs typeface=""/>
+        <a:font script="Jpan" typeface="游ゴシック"/>
+        <a:font script="Hang" typeface="맑은 고딕"/>
+        <a:font script="Hans" typeface="等线"/>
+        <a:font script="Hant" typeface="新細明體"/>
+        <a:font script="Arab" typeface="Arial"/>
+        <a:font script="Hebr" typeface="Arial"/>
+        <a:font script="Thai" typeface="Cordia New"/>
+        <a:font script="Ethi" typeface="Nyala"/>
+        <a:font script="Beng" typeface="Vrinda"/>
+        <a:font script="Gujr" typeface="Shruti"/>
+        <a:font script="Khmr" typeface="DaunPenh"/>
+        <a:font script="Knda" typeface="Tunga"/>
+        <a:font script="Guru" typeface="Raavi"/>
+        <a:font script="Cans" typeface="Euphemia"/>
+        <a:font script="Cher" typeface="Plantagenet Cherokee"/>
+        <a:font script="Yiii" typeface="Microsoft Yi Baiti"/>
+        <a:font script="Tibt" typeface="Microsoft Himalaya"/>
+        <a:font script="Thaa" typeface="MV Boli"/>
+        <a:font script="Deva" typeface="Mangal"/>
+        <a:font script="Telu" typeface="Gautami"/>
+        <a:font script="Taml" typeface="Latha"/>
+        <a:font script="Syrc" typeface="Estrangelo Edessa"/>
+        <a:font script="Orya" typeface="Kalinga"/>
+        <a:font script="Mlym" typeface="Kartika"/>
+        <a:font script="Laoo" typeface="DokChampa"/>
+        <a:font script="Sinh" typeface="Iskoola Pota"/>
+        <a:font script="Mong" typeface="Mongolian Baiti"/>
+        <a:font script="Viet" typeface="Arial"/>
+        <a:font script="Uigh" typeface="Microsoft Uighur"/>
+        <a:font script="Geor" typeface="Sylfaen"/>
+        <a:font script="Armn" typeface="Arial"/>
+        <a:font script="Bugi" typeface="Leelawadee UI"/>
+        <a:font script="Bopo" typeface="Microsoft JhengHei"/>
+        <a:font script="Java" typeface="Javanese Text"/>
+        <a:font script="Lisu" typeface="Segoe UI"/>
+        <a:font script="Mymr" typeface="Myanmar Text"/>
+        <a:font script="Nkoo" typeface="Ebrima"/>
+        <a:font script="Olck" typeface="Nirmala UI"/>
+        <a:font script="Osma" typeface="Ebrima"/>
+        <a:font script="Phag" typeface="Phagspa"/>
+        <a:font script="Syrn" typeface="Estrangelo Edessa"/>
+        <a:font script="Syrj" typeface="Estrangelo Edessa"/>
+        <a:font script="Syre" typeface="Estrangelo Edessa"/>
+        <a:font script="Sora" typeface="Nirmala UI"/>
+        <a:font script="Tale" typeface="Microsoft Tai Le"/>
+        <a:font script="Talu" typeface="Microsoft New Tai Lue"/>
+        <a:font script="Tfng" typeface="Ebrima"/>
+      </a:minorFont>
+    </a:fontScheme>
+    <a:fmtScheme name="Office">
+      <a:fillStyleLst>
+        <a:solidFill>
+          <a:schemeClr val="phClr"/>
+        </a:solidFill>
+        <a:gradFill rotWithShape="1">
+          <a:gsLst>
+            <a:gs pos="0">
+              <a:schemeClr val="phClr">
+                <a:lumMod val="110000"/>
+                <a:satMod val="105000"/>
+                <a:tint val="67000"/>
+              </a:schemeClr>
+            </a:gs>
+            <a:gs pos="50000">
+              <a:schemeClr val="phClr">
+                <a:lumMod val="105000"/>
+                <a:satMod val="103000"/>
+                <a:tint val="73000"/>
+              </a:schemeClr>
+            </a:gs>
+            <a:gs pos="100000">
+              <a:schemeClr val="phClr">
+                <a:lumMod val="105000"/>
+                <a:satMod val="109000"/>
+                <a:tint val="81000"/>
+              </a:schemeClr>
+            </a:gs>
+          </a:gsLst>
+          <a:lin ang="5400000" scaled="0"/>
+        </a:gradFill>
+        <a:gradFill rotWithShape="1">
+          <a:gsLst>
+            <a:gs pos="0">
+              <a:schemeClr val="phClr">
+                <a:satMod val="103000"/>
+                <a:lumMod val="102000"/>
+                <a:tint val="94000"/>
+              </a:schemeClr>
+            </a:gs>
+            <a:gs pos="50000">
+              <a:schemeClr val="phClr">
+                <a:satMod val="110000"/>
+                <a:lumMod val="100000"/>
+                <a:shade val="100000"/>
+              </a:schemeClr>
+            </a:gs>
+            <a:gs pos="100000">
+              <a:schemeClr val="phClr">
+                <a:lumMod val="99000"/>
+                <a:satMod val="120000"/>
+                <a:shade val="78000"/>
+              </a:schemeClr>
+            </a:gs>
+          </a:gsLst>
+          <a:lin ang="5400000" scaled="0"/>
+        </a:gradFill>
+      </a:fillStyleLst>
+      <a:lnStyleLst>
+        <a:ln w="6350" cap="flat" cmpd="sng" algn="ctr">
+          <a:solidFill>
+            <a:schemeClr val="phClr"/>
+          </a:solidFill>
+          <a:prstDash val="solid"/>
+          <a:miter lim="800000"/>
+        </a:ln>
+        <a:ln w="12700" cap="flat" cmpd="sng" algn="ctr">
+          <a:solidFill>
+            <a:schemeClr val="phClr"/>
+          </a:solidFill>
+          <a:prstDash val="solid"/>
+          <a:miter lim="800000"/>
+        </a:ln>
+        <a:ln w="19050" cap="flat" cmpd="sng" algn="ctr">
+          <a:solidFill>
+            <a:schemeClr val="phClr"/>
+          </a:solidFill>
+          <a:prstDash val="solid"/>
+          <a:miter lim="800000"/>
+        </a:ln>
+      </a:lnStyleLst>
+      <a:effectStyleLst>
+        <a:effectStyle>
+          <a:effectLst/>
+        </a:effectStyle>
+        <a:effectStyle>
+          <a:effectLst/>
+        </a:effectStyle>
+        <a:effectStyle>
+          <a:effectLst>
+            <a:outerShdw blurRad="57150" dist="19050" dir="5400000" algn="ctr" rotWithShape="0">
+              <a:srgbClr val="000000">
+                <a:alpha val="63000"/>
+              </a:srgbClr>
+            </a:outerShdw>
+          </a:effectLst>
+        </a:effectStyle>
+      </a:effectStyleLst>
+      <a:bgFillStyleLst>
+        <a:solidFill>
+          <a:schemeClr val="phClr"/>
+        </a:solidFill>
+        <a:solidFill>
+          <a:schemeClr val="phClr">
+            <a:tint val="95000"/>
+            <a:satMod val="170000"/>
+          </a:schemeClr>
+        </a:solidFill>
+        <a:gradFill rotWithShape="1">
+          <a:gsLst>
+            <a:gs pos="0">
+              <a:schemeClr val="phClr">
+                <a:tint val="93000"/>
+                <a:satMod val="150000"/>
+                <a:shade val="98000"/>
+                <a:lumMod val="102000"/>
+              </a:schemeClr>
+            </a:gs>
+            <a:gs pos="50000">
+              <a:schemeClr val="phClr">
+                <a:tint val="98000"/>
+                <a:satMod val="130000"/>
+                <a:shade val="90000"/>
+                <a:lumMod val="103000"/>
+              </a:schemeClr>
+            </a:gs>
+            <a:gs pos="100000">
+              <a:schemeClr val="phClr">
+                <a:shade val="63000"/>
+                <a:satMod val="120000"/>
+              </a:schemeClr>
+            </a:gs>
+          </a:gsLst>
+          <a:lin ang="5400000" scaled="0"/>
+        </a:gradFill>
+      </a:bgFillStyleLst>
+    </a:fmtScheme>
+  </a:themeElements>
+  <a:objectDefaults/>
+  <a:extraClrSchemeLst/>
+  <a:extLst>
+    <a:ext uri="{05A4C25C-085E-4340-85A3-A5531E510DB2}">
+      <thm15:themeFamily xmlns:thm15="http://schemas.microsoft.com/office/thememl/2012/main" name="Office Theme" id="{62F939B6-93AF-4DB8-9C6B-D6C7DFDC589F}" vid="{4A3C46E8-61CC-4603-A589-7422A47A8E4A}"/>
+    </a:ext>
+  </a:extLst>
+</a:theme>
 </file>
--- a/SecondPresentation.pptx
+++ b/SecondPresentation.pptx
@@ -5,16 +5,17 @@
     <p:sldMasterId id="2147483648" r:id="rId1"/>
   </p:sldMasterIdLst>
   <p:notesMasterIdLst>
-    <p:notesMasterId r:id="rId9"/>
+    <p:notesMasterId r:id="rId10"/>
   </p:notesMasterIdLst>
   <p:sldIdLst>
     <p:sldId id="262" r:id="rId2"/>
     <p:sldId id="265" r:id="rId3"/>
-    <p:sldId id="266" r:id="rId4"/>
-    <p:sldId id="268" r:id="rId5"/>
-    <p:sldId id="267" r:id="rId6"/>
-    <p:sldId id="270" r:id="rId7"/>
-    <p:sldId id="269" r:id="rId8"/>
+    <p:sldId id="271" r:id="rId4"/>
+    <p:sldId id="266" r:id="rId5"/>
+    <p:sldId id="268" r:id="rId6"/>
+    <p:sldId id="267" r:id="rId7"/>
+    <p:sldId id="270" r:id="rId8"/>
+    <p:sldId id="269" r:id="rId9"/>
   </p:sldIdLst>
   <p:sldSz cx="12192000" cy="6858000"/>
   <p:notesSz cx="6858000" cy="9144000"/>
@@ -203,7 +204,7 @@
           <a:p>
             <a:fld id="{B6C0561D-6E65-4779-8689-F523603A3DDD}" type="datetimeFigureOut">
               <a:rPr lang="en-US" smtClean="0"/>
-              <a:t>11/3/2019</a:t>
+              <a:t>11/4/2019</a:t>
             </a:fld>
             <a:endParaRPr lang="en-US"/>
           </a:p>
@@ -721,7 +722,7 @@
     </p:spTree>
     <p:extLst>
       <p:ext uri="{BB962C8B-B14F-4D97-AF65-F5344CB8AC3E}">
-        <p14:creationId xmlns:p14="http://schemas.microsoft.com/office/powerpoint/2010/main" val="2945440330"/>
+        <p14:creationId xmlns:p14="http://schemas.microsoft.com/office/powerpoint/2010/main" val="3176998887"/>
       </p:ext>
     </p:extLst>
   </p:cSld>
@@ -808,7 +809,7 @@
     </p:spTree>
     <p:extLst>
       <p:ext uri="{BB962C8B-B14F-4D97-AF65-F5344CB8AC3E}">
-        <p14:creationId xmlns:p14="http://schemas.microsoft.com/office/powerpoint/2010/main" val="2327931572"/>
+        <p14:creationId xmlns:p14="http://schemas.microsoft.com/office/powerpoint/2010/main" val="2945440330"/>
       </p:ext>
     </p:extLst>
   </p:cSld>
@@ -895,7 +896,7 @@
     </p:spTree>
     <p:extLst>
       <p:ext uri="{BB962C8B-B14F-4D97-AF65-F5344CB8AC3E}">
-        <p14:creationId xmlns:p14="http://schemas.microsoft.com/office/powerpoint/2010/main" val="1722338640"/>
+        <p14:creationId xmlns:p14="http://schemas.microsoft.com/office/powerpoint/2010/main" val="2327931572"/>
       </p:ext>
     </p:extLst>
   </p:cSld>
@@ -982,7 +983,7 @@
     </p:spTree>
     <p:extLst>
       <p:ext uri="{BB962C8B-B14F-4D97-AF65-F5344CB8AC3E}">
-        <p14:creationId xmlns:p14="http://schemas.microsoft.com/office/powerpoint/2010/main" val="3880787153"/>
+        <p14:creationId xmlns:p14="http://schemas.microsoft.com/office/powerpoint/2010/main" val="1722338640"/>
       </p:ext>
     </p:extLst>
   </p:cSld>
@@ -1061,6 +1062,93 @@
             <a:fld id="{34183C30-C335-4E0B-914B-A5F4AAEA7570}" type="slidenum">
               <a:rPr lang="en-US" smtClean="0"/>
               <a:t>7</a:t>
+            </a:fld>
+            <a:endParaRPr lang="en-US"/>
+          </a:p>
+        </p:txBody>
+      </p:sp>
+    </p:spTree>
+    <p:extLst>
+      <p:ext uri="{BB962C8B-B14F-4D97-AF65-F5344CB8AC3E}">
+        <p14:creationId xmlns:p14="http://schemas.microsoft.com/office/powerpoint/2010/main" val="3880787153"/>
+      </p:ext>
+    </p:extLst>
+  </p:cSld>
+  <p:clrMapOvr>
+    <a:masterClrMapping/>
+  </p:clrMapOvr>
+</p:notes>
+</file>
+
+<file path=ppt/notesSlides/notesSlide8.xml><?xml version="1.0" encoding="utf-8"?>
+<p:notes xmlns:a="http://schemas.openxmlformats.org/drawingml/2006/main" xmlns:r="http://schemas.openxmlformats.org/officeDocument/2006/relationships" xmlns:p="http://schemas.openxmlformats.org/presentationml/2006/main">
+  <p:cSld>
+    <p:spTree>
+      <p:nvGrpSpPr>
+        <p:cNvPr id="1" name=""/>
+        <p:cNvGrpSpPr/>
+        <p:nvPr/>
+      </p:nvGrpSpPr>
+      <p:grpSpPr>
+        <a:xfrm>
+          <a:off x="0" y="0"/>
+          <a:ext cx="0" cy="0"/>
+          <a:chOff x="0" y="0"/>
+          <a:chExt cx="0" cy="0"/>
+        </a:xfrm>
+      </p:grpSpPr>
+      <p:sp>
+        <p:nvSpPr>
+          <p:cNvPr id="2" name="Slide Image Placeholder 1"/>
+          <p:cNvSpPr>
+            <a:spLocks noGrp="1" noRot="1" noChangeAspect="1"/>
+          </p:cNvSpPr>
+          <p:nvPr>
+            <p:ph type="sldImg"/>
+          </p:nvPr>
+        </p:nvSpPr>
+        <p:spPr/>
+      </p:sp>
+      <p:sp>
+        <p:nvSpPr>
+          <p:cNvPr id="3" name="Notes Placeholder 2"/>
+          <p:cNvSpPr>
+            <a:spLocks noGrp="1"/>
+          </p:cNvSpPr>
+          <p:nvPr>
+            <p:ph type="body" idx="1"/>
+          </p:nvPr>
+        </p:nvSpPr>
+        <p:spPr/>
+        <p:txBody>
+          <a:bodyPr/>
+          <a:lstStyle/>
+          <a:p>
+            <a:r>
+              <a:rPr lang="en-US" dirty="0"/>
+              <a:t>Proposal</a:t>
+            </a:r>
+          </a:p>
+        </p:txBody>
+      </p:sp>
+      <p:sp>
+        <p:nvSpPr>
+          <p:cNvPr id="4" name="Slide Number Placeholder 3"/>
+          <p:cNvSpPr>
+            <a:spLocks noGrp="1"/>
+          </p:cNvSpPr>
+          <p:nvPr>
+            <p:ph type="sldNum" sz="quarter" idx="5"/>
+          </p:nvPr>
+        </p:nvSpPr>
+        <p:spPr/>
+        <p:txBody>
+          <a:bodyPr/>
+          <a:lstStyle/>
+          <a:p>
+            <a:fld id="{34183C30-C335-4E0B-914B-A5F4AAEA7570}" type="slidenum">
+              <a:rPr lang="en-US" smtClean="0"/>
+              <a:t>8</a:t>
             </a:fld>
             <a:endParaRPr lang="en-US"/>
           </a:p>
@@ -1226,7 +1314,7 @@
           <a:p>
             <a:fld id="{B1C4178F-1736-4F41-BF4A-731F588A4210}" type="datetimeFigureOut">
               <a:rPr lang="en-US" smtClean="0"/>
-              <a:t>11/3/2019</a:t>
+              <a:t>11/4/2019</a:t>
             </a:fld>
             <a:endParaRPr lang="en-US"/>
           </a:p>
@@ -1424,7 +1512,7 @@
           <a:p>
             <a:fld id="{B1C4178F-1736-4F41-BF4A-731F588A4210}" type="datetimeFigureOut">
               <a:rPr lang="en-US" smtClean="0"/>
-              <a:t>11/3/2019</a:t>
+              <a:t>11/4/2019</a:t>
             </a:fld>
             <a:endParaRPr lang="en-US"/>
           </a:p>
@@ -1632,7 +1720,7 @@
           <a:p>
             <a:fld id="{B1C4178F-1736-4F41-BF4A-731F588A4210}" type="datetimeFigureOut">
               <a:rPr lang="en-US" smtClean="0"/>
-              <a:t>11/3/2019</a:t>
+              <a:t>11/4/2019</a:t>
             </a:fld>
             <a:endParaRPr lang="en-US"/>
           </a:p>
@@ -1830,7 +1918,7 @@
           <a:p>
             <a:fld id="{B1C4178F-1736-4F41-BF4A-731F588A4210}" type="datetimeFigureOut">
               <a:rPr lang="en-US" smtClean="0"/>
-              <a:t>11/3/2019</a:t>
+              <a:t>11/4/2019</a:t>
             </a:fld>
             <a:endParaRPr lang="en-US"/>
           </a:p>
@@ -2105,7 +2193,7 @@
           <a:p>
             <a:fld id="{B1C4178F-1736-4F41-BF4A-731F588A4210}" type="datetimeFigureOut">
               <a:rPr lang="en-US" smtClean="0"/>
-              <a:t>11/3/2019</a:t>
+              <a:t>11/4/2019</a:t>
             </a:fld>
             <a:endParaRPr lang="en-US"/>
           </a:p>
@@ -2370,7 +2458,7 @@
           <a:p>
             <a:fld id="{B1C4178F-1736-4F41-BF4A-731F588A4210}" type="datetimeFigureOut">
               <a:rPr lang="en-US" smtClean="0"/>
-              <a:t>11/3/2019</a:t>
+              <a:t>11/4/2019</a:t>
             </a:fld>
             <a:endParaRPr lang="en-US"/>
           </a:p>
@@ -2782,7 +2870,7 @@
           <a:p>
             <a:fld id="{B1C4178F-1736-4F41-BF4A-731F588A4210}" type="datetimeFigureOut">
               <a:rPr lang="en-US" smtClean="0"/>
-              <a:t>11/3/2019</a:t>
+              <a:t>11/4/2019</a:t>
             </a:fld>
             <a:endParaRPr lang="en-US"/>
           </a:p>
@@ -2923,7 +3011,7 @@
           <a:p>
             <a:fld id="{B1C4178F-1736-4F41-BF4A-731F588A4210}" type="datetimeFigureOut">
               <a:rPr lang="en-US" smtClean="0"/>
-              <a:t>11/3/2019</a:t>
+              <a:t>11/4/2019</a:t>
             </a:fld>
             <a:endParaRPr lang="en-US"/>
           </a:p>
@@ -3036,7 +3124,7 @@
           <a:p>
             <a:fld id="{B1C4178F-1736-4F41-BF4A-731F588A4210}" type="datetimeFigureOut">
               <a:rPr lang="en-US" smtClean="0"/>
-              <a:t>11/3/2019</a:t>
+              <a:t>11/4/2019</a:t>
             </a:fld>
             <a:endParaRPr lang="en-US"/>
           </a:p>
@@ -3347,7 +3435,7 @@
           <a:p>
             <a:fld id="{B1C4178F-1736-4F41-BF4A-731F588A4210}" type="datetimeFigureOut">
               <a:rPr lang="en-US" smtClean="0"/>
-              <a:t>11/3/2019</a:t>
+              <a:t>11/4/2019</a:t>
             </a:fld>
             <a:endParaRPr lang="en-US"/>
           </a:p>
@@ -3635,7 +3723,7 @@
           <a:p>
             <a:fld id="{B1C4178F-1736-4F41-BF4A-731F588A4210}" type="datetimeFigureOut">
               <a:rPr lang="en-US" smtClean="0"/>
-              <a:t>11/3/2019</a:t>
+              <a:t>11/4/2019</a:t>
             </a:fld>
             <a:endParaRPr lang="en-US"/>
           </a:p>
@@ -3876,7 +3964,7 @@
           <a:p>
             <a:fld id="{B1C4178F-1736-4F41-BF4A-731F588A4210}" type="datetimeFigureOut">
               <a:rPr lang="en-US" smtClean="0"/>
-              <a:t>11/3/2019</a:t>
+              <a:t>11/4/2019</a:t>
             </a:fld>
             <a:endParaRPr lang="en-US"/>
           </a:p>
@@ -4605,6 +4693,38 @@
               </a:rPr>
               <a:t>Matt Imel</a:t>
             </a:r>
+            <a:br>
+              <a:rPr lang="en-US" dirty="0">
+                <a:solidFill>
+                  <a:schemeClr val="bg1"/>
+                </a:solidFill>
+                <a:latin typeface="Quicksand" panose="02070303000000060000" pitchFamily="18" charset="0"/>
+              </a:rPr>
+            </a:br>
+            <a:r>
+              <a:rPr lang="en-US" dirty="0">
+                <a:solidFill>
+                  <a:schemeClr val="bg1"/>
+                </a:solidFill>
+                <a:latin typeface="Quicksand" panose="02070303000000060000" pitchFamily="18" charset="0"/>
+              </a:rPr>
+              <a:t>Advisor: Prof. </a:t>
+            </a:r>
+            <a:r>
+              <a:rPr lang="en-US" dirty="0" err="1">
+                <a:solidFill>
+                  <a:schemeClr val="bg1"/>
+                </a:solidFill>
+                <a:latin typeface="Quicksand" panose="02070303000000060000" pitchFamily="18" charset="0"/>
+              </a:rPr>
+              <a:t>Neilsen</a:t>
+            </a:r>
+            <a:endParaRPr lang="en-US" dirty="0">
+              <a:solidFill>
+                <a:schemeClr val="bg1"/>
+              </a:solidFill>
+              <a:latin typeface="Quicksand" panose="02070303000000060000" pitchFamily="18" charset="0"/>
+            </a:endParaRPr>
           </a:p>
         </p:txBody>
       </p:sp>
@@ -5066,7 +5186,7 @@
                 </a:effectLst>
                 <a:latin typeface="Quicksand" panose="02070303000000060000" pitchFamily="18" charset="0"/>
               </a:rPr>
-              <a:t>Promotes a collaborative and constructive environment around creating and refining recipes.</a:t>
+              <a:t>Motivation: Promotion of a collaborative and constructive environment around creating and refining recipes.</a:t>
             </a:r>
           </a:p>
           <a:p>
@@ -5087,7 +5207,28 @@
                 </a:effectLst>
                 <a:latin typeface="Quicksand" panose="02070303000000060000" pitchFamily="18" charset="0"/>
               </a:rPr>
-              <a:t>Allow users to upload “Variants” to recipes. Variants can be tagged not only by cuisine or type, but by intent.</a:t>
+              <a:t>Allow users to create profiles and upload recipes.</a:t>
+            </a:r>
+          </a:p>
+          <a:p>
+            <a:pPr marL="0" indent="0">
+              <a:buNone/>
+            </a:pPr>
+            <a:r>
+              <a:rPr lang="en-US" b="1" dirty="0">
+                <a:solidFill>
+                  <a:schemeClr val="bg1"/>
+                </a:solidFill>
+                <a:effectLst>
+                  <a:outerShdw blurRad="38100" dist="38100" dir="2700000" algn="tl">
+                    <a:srgbClr val="000000">
+                      <a:alpha val="43137"/>
+                    </a:srgbClr>
+                  </a:outerShdw>
+                </a:effectLst>
+                <a:latin typeface="Quicksand" panose="02070303000000060000" pitchFamily="18" charset="0"/>
+              </a:rPr>
+              <a:t>Allow users to upload “variants” to recipes which are attached to their comments. Variants can be tagged not only by cuisine or type, but by intent.</a:t>
             </a:r>
             <a:br>
               <a:rPr lang="en-US" b="1" dirty="0">
@@ -5133,7 +5274,7 @@
                 </a:effectLst>
                 <a:latin typeface="Quicksand" panose="02070303000000060000" pitchFamily="18" charset="0"/>
               </a:rPr>
-              <a:t>Webpage, using </a:t>
+              <a:t>Uses </a:t>
             </a:r>
             <a:r>
               <a:rPr lang="en-US" b="1" dirty="0" err="1">
@@ -5165,7 +5306,7 @@
                 </a:effectLst>
                 <a:latin typeface="Quicksand" panose="02070303000000060000" pitchFamily="18" charset="0"/>
               </a:rPr>
-              <a:t> as a framework.</a:t>
+              <a:t> as a web framework, MySQL as the database system.</a:t>
             </a:r>
           </a:p>
         </p:txBody>
@@ -5437,7 +5578,7 @@
           <a:lstStyle/>
           <a:p>
             <a:pPr algn="ctr"/>
-            <a:endParaRPr lang="en-US" dirty="0"/>
+            <a:endParaRPr lang="en-US"/>
           </a:p>
         </p:txBody>
       </p:sp>
@@ -5581,7 +5722,7 @@
                 </a:solidFill>
                 <a:latin typeface="Quicksand" panose="02070303000000060000" pitchFamily="18" charset="0"/>
               </a:rPr>
-              <a:t>Login System (/)</a:t>
+              <a:t>Database</a:t>
             </a:r>
           </a:p>
         </p:txBody>
@@ -5706,10 +5847,10 @@
       </p:sp>
       <p:pic>
         <p:nvPicPr>
-          <p:cNvPr id="11" name="Picture 10">
-            <a:extLst>
-              <a:ext uri="{FF2B5EF4-FFF2-40B4-BE49-F238E27FC236}">
-                <a16:creationId xmlns:a16="http://schemas.microsoft.com/office/drawing/2014/main" id="{1979B55E-DCD3-4F09-8287-2F2201387C7E}"/>
+          <p:cNvPr id="6" name="Picture 5">
+            <a:extLst>
+              <a:ext uri="{FF2B5EF4-FFF2-40B4-BE49-F238E27FC236}">
+                <a16:creationId xmlns:a16="http://schemas.microsoft.com/office/drawing/2014/main" id="{B03EE2A0-DADB-4CFF-A4BB-FCEB52CE9F7B}"/>
               </a:ext>
             </a:extLst>
           </p:cNvPr>
@@ -5726,18 +5867,97 @@
         </p:blipFill>
         <p:spPr>
           <a:xfrm>
-            <a:off x="468312" y="1439069"/>
-            <a:ext cx="8258175" cy="5124450"/>
+            <a:off x="333290" y="1690688"/>
+            <a:ext cx="9712753" cy="4021469"/>
           </a:xfrm>
           <a:prstGeom prst="rect">
             <a:avLst/>
           </a:prstGeom>
         </p:spPr>
       </p:pic>
+      <p:sp>
+        <p:nvSpPr>
+          <p:cNvPr id="11" name="Content Placeholder 2">
+            <a:extLst>
+              <a:ext uri="{FF2B5EF4-FFF2-40B4-BE49-F238E27FC236}">
+                <a16:creationId xmlns:a16="http://schemas.microsoft.com/office/drawing/2014/main" id="{51D9963E-FF92-46D0-A5D6-B8B18BEBC35A}"/>
+              </a:ext>
+            </a:extLst>
+          </p:cNvPr>
+          <p:cNvSpPr>
+            <a:spLocks noGrp="1"/>
+          </p:cNvSpPr>
+          <p:nvPr>
+            <p:ph idx="1"/>
+          </p:nvPr>
+        </p:nvSpPr>
+        <p:spPr>
+          <a:xfrm>
+            <a:off x="838200" y="5712157"/>
+            <a:ext cx="9166653" cy="1145843"/>
+          </a:xfrm>
+        </p:spPr>
+        <p:txBody>
+          <a:bodyPr>
+            <a:normAutofit/>
+          </a:bodyPr>
+          <a:lstStyle/>
+          <a:p>
+            <a:pPr marL="0" indent="0">
+              <a:buNone/>
+            </a:pPr>
+            <a:r>
+              <a:rPr lang="en-US" sz="1800" b="1" dirty="0">
+                <a:solidFill>
+                  <a:schemeClr val="bg1"/>
+                </a:solidFill>
+                <a:effectLst>
+                  <a:outerShdw blurRad="38100" dist="38100" dir="2700000" algn="tl">
+                    <a:srgbClr val="000000">
+                      <a:alpha val="43137"/>
+                    </a:srgbClr>
+                  </a:outerShdw>
+                </a:effectLst>
+                <a:latin typeface="Quicksand" panose="02070303000000060000" pitchFamily="18" charset="0"/>
+              </a:rPr>
+              <a:t>Courtesy of </a:t>
+            </a:r>
+            <a:r>
+              <a:rPr lang="en-US" sz="1800" b="1" dirty="0" err="1">
+                <a:solidFill>
+                  <a:schemeClr val="bg1"/>
+                </a:solidFill>
+                <a:effectLst>
+                  <a:outerShdw blurRad="38100" dist="38100" dir="2700000" algn="tl">
+                    <a:srgbClr val="000000">
+                      <a:alpha val="43137"/>
+                    </a:srgbClr>
+                  </a:outerShdw>
+                </a:effectLst>
+                <a:latin typeface="Quicksand" panose="02070303000000060000" pitchFamily="18" charset="0"/>
+              </a:rPr>
+              <a:t>QuickDBD</a:t>
+            </a:r>
+            <a:endParaRPr lang="en-US" sz="1800" b="1" dirty="0">
+              <a:solidFill>
+                <a:schemeClr val="bg1"/>
+              </a:solidFill>
+              <a:effectLst>
+                <a:outerShdw blurRad="38100" dist="38100" dir="2700000" algn="tl">
+                  <a:srgbClr val="000000">
+                    <a:alpha val="43137"/>
+                  </a:srgbClr>
+                </a:outerShdw>
+              </a:effectLst>
+              <a:latin typeface="Quicksand" panose="02070303000000060000" pitchFamily="18" charset="0"/>
+            </a:endParaRPr>
+          </a:p>
+        </p:txBody>
+      </p:sp>
     </p:spTree>
     <p:extLst>
       <p:ext uri="{BB962C8B-B14F-4D97-AF65-F5344CB8AC3E}">
-        <p14:creationId xmlns:p14="http://schemas.microsoft.com/office/powerpoint/2010/main" val="2252199940"/>
+        <p14:creationId xmlns:p14="http://schemas.microsoft.com/office/powerpoint/2010/main" val="3117628142"/>
       </p:ext>
     </p:extLst>
   </p:cSld>
@@ -6027,7 +6247,7 @@
                 </a:solidFill>
                 <a:latin typeface="Quicksand" panose="02070303000000060000" pitchFamily="18" charset="0"/>
               </a:rPr>
-              <a:t>Create Recipe Form (/create)</a:t>
+              <a:t>Login System (/login)</a:t>
             </a:r>
           </a:p>
         </p:txBody>
@@ -6152,10 +6372,10 @@
       </p:sp>
       <p:pic>
         <p:nvPicPr>
-          <p:cNvPr id="3" name="Picture 2">
-            <a:extLst>
-              <a:ext uri="{FF2B5EF4-FFF2-40B4-BE49-F238E27FC236}">
-                <a16:creationId xmlns:a16="http://schemas.microsoft.com/office/drawing/2014/main" id="{089164DD-B509-42CD-A180-98E15C945FC9}"/>
+          <p:cNvPr id="11" name="Picture 10">
+            <a:extLst>
+              <a:ext uri="{FF2B5EF4-FFF2-40B4-BE49-F238E27FC236}">
+                <a16:creationId xmlns:a16="http://schemas.microsoft.com/office/drawing/2014/main" id="{1979B55E-DCD3-4F09-8287-2F2201387C7E}"/>
               </a:ext>
             </a:extLst>
           </p:cNvPr>
@@ -6172,8 +6392,8 @@
         </p:blipFill>
         <p:spPr>
           <a:xfrm>
-            <a:off x="507456" y="1516165"/>
-            <a:ext cx="9105900" cy="5000625"/>
+            <a:off x="468312" y="1439069"/>
+            <a:ext cx="8258175" cy="5124450"/>
           </a:xfrm>
           <a:prstGeom prst="rect">
             <a:avLst/>
@@ -6183,7 +6403,7 @@
     </p:spTree>
     <p:extLst>
       <p:ext uri="{BB962C8B-B14F-4D97-AF65-F5344CB8AC3E}">
-        <p14:creationId xmlns:p14="http://schemas.microsoft.com/office/powerpoint/2010/main" val="3497621925"/>
+        <p14:creationId xmlns:p14="http://schemas.microsoft.com/office/powerpoint/2010/main" val="2252199940"/>
       </p:ext>
     </p:extLst>
   </p:cSld>
@@ -6473,23 +6693,8 @@
                 </a:solidFill>
                 <a:latin typeface="Quicksand" panose="02070303000000060000" pitchFamily="18" charset="0"/>
               </a:rPr>
-              <a:t>Recipe Page (/recipes</a:t>
-            </a:r>
-            <a:r>
-              <a:rPr lang="en-US" b="1">
-                <a:solidFill>
-                  <a:schemeClr val="bg1"/>
-                </a:solidFill>
-                <a:latin typeface="Quicksand" panose="02070303000000060000" pitchFamily="18" charset="0"/>
-              </a:rPr>
-              <a:t>/:slug)</a:t>
-            </a:r>
-            <a:endParaRPr lang="en-US" b="1" dirty="0">
-              <a:solidFill>
-                <a:schemeClr val="bg1"/>
-              </a:solidFill>
-              <a:latin typeface="Quicksand" panose="02070303000000060000" pitchFamily="18" charset="0"/>
-            </a:endParaRPr>
+              <a:t>Create Recipe Form (/create)</a:t>
+            </a:r>
           </a:p>
         </p:txBody>
       </p:sp>
@@ -6616,7 +6821,7 @@
           <p:cNvPr id="3" name="Picture 2">
             <a:extLst>
               <a:ext uri="{FF2B5EF4-FFF2-40B4-BE49-F238E27FC236}">
-                <a16:creationId xmlns:a16="http://schemas.microsoft.com/office/drawing/2014/main" id="{617AA094-363D-4AAD-93CB-8696CADC7C0B}"/>
+                <a16:creationId xmlns:a16="http://schemas.microsoft.com/office/drawing/2014/main" id="{089164DD-B509-42CD-A180-98E15C945FC9}"/>
               </a:ext>
             </a:extLst>
           </p:cNvPr>
@@ -6633,8 +6838,8 @@
         </p:blipFill>
         <p:spPr>
           <a:xfrm>
-            <a:off x="611883" y="1645623"/>
-            <a:ext cx="9134475" cy="2676525"/>
+            <a:off x="507456" y="1516165"/>
+            <a:ext cx="9105900" cy="5000625"/>
           </a:xfrm>
           <a:prstGeom prst="rect">
             <a:avLst/>
@@ -6644,7 +6849,7 @@
     </p:spTree>
     <p:extLst>
       <p:ext uri="{BB962C8B-B14F-4D97-AF65-F5344CB8AC3E}">
-        <p14:creationId xmlns:p14="http://schemas.microsoft.com/office/powerpoint/2010/main" val="2618550669"/>
+        <p14:creationId xmlns:p14="http://schemas.microsoft.com/office/powerpoint/2010/main" val="3497621925"/>
       </p:ext>
     </p:extLst>
   </p:cSld>
@@ -6934,8 +7139,23 @@
                 </a:solidFill>
                 <a:latin typeface="Quicksand" panose="02070303000000060000" pitchFamily="18" charset="0"/>
               </a:rPr>
-              <a:t>Schedule</a:t>
-            </a:r>
+              <a:t>Recipe Page (/recipes</a:t>
+            </a:r>
+            <a:r>
+              <a:rPr lang="en-US" b="1">
+                <a:solidFill>
+                  <a:schemeClr val="bg1"/>
+                </a:solidFill>
+                <a:latin typeface="Quicksand" panose="02070303000000060000" pitchFamily="18" charset="0"/>
+              </a:rPr>
+              <a:t>/:slug)</a:t>
+            </a:r>
+            <a:endParaRPr lang="en-US" b="1" dirty="0">
+              <a:solidFill>
+                <a:schemeClr val="bg1"/>
+              </a:solidFill>
+              <a:latin typeface="Quicksand" panose="02070303000000060000" pitchFamily="18" charset="0"/>
+            </a:endParaRPr>
           </a:p>
         </p:txBody>
       </p:sp>
@@ -7057,6 +7277,452 @@
           </a:p>
         </p:txBody>
       </p:sp>
+      <p:pic>
+        <p:nvPicPr>
+          <p:cNvPr id="3" name="Picture 2">
+            <a:extLst>
+              <a:ext uri="{FF2B5EF4-FFF2-40B4-BE49-F238E27FC236}">
+                <a16:creationId xmlns:a16="http://schemas.microsoft.com/office/drawing/2014/main" id="{617AA094-363D-4AAD-93CB-8696CADC7C0B}"/>
+              </a:ext>
+            </a:extLst>
+          </p:cNvPr>
+          <p:cNvPicPr>
+            <a:picLocks noChangeAspect="1"/>
+          </p:cNvPicPr>
+          <p:nvPr/>
+        </p:nvPicPr>
+        <p:blipFill>
+          <a:blip r:embed="rId3"/>
+          <a:stretch>
+            <a:fillRect/>
+          </a:stretch>
+        </p:blipFill>
+        <p:spPr>
+          <a:xfrm>
+            <a:off x="611883" y="1645623"/>
+            <a:ext cx="9134475" cy="2676525"/>
+          </a:xfrm>
+          <a:prstGeom prst="rect">
+            <a:avLst/>
+          </a:prstGeom>
+        </p:spPr>
+      </p:pic>
+    </p:spTree>
+    <p:extLst>
+      <p:ext uri="{BB962C8B-B14F-4D97-AF65-F5344CB8AC3E}">
+        <p14:creationId xmlns:p14="http://schemas.microsoft.com/office/powerpoint/2010/main" val="2618550669"/>
+      </p:ext>
+    </p:extLst>
+  </p:cSld>
+  <p:clrMapOvr>
+    <a:masterClrMapping/>
+  </p:clrMapOvr>
+  <p:transition spd="slow">
+    <p:push dir="u"/>
+  </p:transition>
+</p:sld>
+</file>
+
+<file path=ppt/slides/slide7.xml><?xml version="1.0" encoding="utf-8"?>
+<p:sld xmlns:a="http://schemas.openxmlformats.org/drawingml/2006/main" xmlns:r="http://schemas.openxmlformats.org/officeDocument/2006/relationships" xmlns:p="http://schemas.openxmlformats.org/presentationml/2006/main">
+  <p:cSld>
+    <p:bg>
+      <p:bgPr>
+        <a:solidFill>
+          <a:srgbClr val="CE2D75"/>
+        </a:solidFill>
+        <a:effectLst/>
+      </p:bgPr>
+    </p:bg>
+    <p:spTree>
+      <p:nvGrpSpPr>
+        <p:cNvPr id="1" name=""/>
+        <p:cNvGrpSpPr/>
+        <p:nvPr/>
+      </p:nvGrpSpPr>
+      <p:grpSpPr>
+        <a:xfrm>
+          <a:off x="0" y="0"/>
+          <a:ext cx="0" cy="0"/>
+          <a:chOff x="0" y="0"/>
+          <a:chExt cx="0" cy="0"/>
+        </a:xfrm>
+      </p:grpSpPr>
+      <p:sp>
+        <p:nvSpPr>
+          <p:cNvPr id="7" name="Rectangle 6">
+            <a:extLst>
+              <a:ext uri="{FF2B5EF4-FFF2-40B4-BE49-F238E27FC236}">
+                <a16:creationId xmlns:a16="http://schemas.microsoft.com/office/drawing/2014/main" id="{A6850917-8652-4383-995B-9767AA7442AE}"/>
+              </a:ext>
+            </a:extLst>
+          </p:cNvPr>
+          <p:cNvSpPr/>
+          <p:nvPr/>
+        </p:nvSpPr>
+        <p:spPr>
+          <a:xfrm rot="10800000">
+            <a:off x="9714271" y="-2266335"/>
+            <a:ext cx="2477729" cy="12565626"/>
+          </a:xfrm>
+          <a:prstGeom prst="rect">
+            <a:avLst/>
+          </a:prstGeom>
+          <a:solidFill>
+            <a:srgbClr val="CE2D75"/>
+          </a:solidFill>
+          <a:ln>
+            <a:noFill/>
+          </a:ln>
+          <a:effectLst>
+            <a:innerShdw blurRad="546100" dist="50800">
+              <a:prstClr val="black">
+                <a:alpha val="45000"/>
+              </a:prstClr>
+            </a:innerShdw>
+          </a:effectLst>
+        </p:spPr>
+        <p:style>
+          <a:lnRef idx="2">
+            <a:schemeClr val="accent1">
+              <a:shade val="50000"/>
+            </a:schemeClr>
+          </a:lnRef>
+          <a:fillRef idx="1">
+            <a:schemeClr val="accent1"/>
+          </a:fillRef>
+          <a:effectRef idx="0">
+            <a:schemeClr val="accent1"/>
+          </a:effectRef>
+          <a:fontRef idx="minor">
+            <a:schemeClr val="lt1"/>
+          </a:fontRef>
+        </p:style>
+        <p:txBody>
+          <a:bodyPr rtlCol="0" anchor="ctr"/>
+          <a:lstStyle/>
+          <a:p>
+            <a:pPr algn="ctr"/>
+            <a:endParaRPr lang="en-US"/>
+          </a:p>
+        </p:txBody>
+      </p:sp>
+      <p:sp>
+        <p:nvSpPr>
+          <p:cNvPr id="8" name="Rectangle 7">
+            <a:extLst>
+              <a:ext uri="{FF2B5EF4-FFF2-40B4-BE49-F238E27FC236}">
+                <a16:creationId xmlns:a16="http://schemas.microsoft.com/office/drawing/2014/main" id="{887F3168-6639-4E53-8D6F-D90E84D40768}"/>
+              </a:ext>
+            </a:extLst>
+          </p:cNvPr>
+          <p:cNvSpPr/>
+          <p:nvPr/>
+        </p:nvSpPr>
+        <p:spPr>
+          <a:xfrm rot="10800000">
+            <a:off x="8038004" y="-2477729"/>
+            <a:ext cx="3416710" cy="13219471"/>
+          </a:xfrm>
+          <a:prstGeom prst="rect">
+            <a:avLst/>
+          </a:prstGeom>
+          <a:solidFill>
+            <a:srgbClr val="CE2D75"/>
+          </a:solidFill>
+          <a:ln>
+            <a:noFill/>
+          </a:ln>
+          <a:effectLst/>
+        </p:spPr>
+        <p:style>
+          <a:lnRef idx="2">
+            <a:schemeClr val="accent1">
+              <a:shade val="50000"/>
+            </a:schemeClr>
+          </a:lnRef>
+          <a:fillRef idx="1">
+            <a:schemeClr val="accent1"/>
+          </a:fillRef>
+          <a:effectRef idx="0">
+            <a:schemeClr val="accent1"/>
+          </a:effectRef>
+          <a:fontRef idx="minor">
+            <a:schemeClr val="lt1"/>
+          </a:fontRef>
+        </p:style>
+        <p:txBody>
+          <a:bodyPr rtlCol="0" anchor="ctr"/>
+          <a:lstStyle/>
+          <a:p>
+            <a:pPr algn="ctr"/>
+            <a:endParaRPr lang="en-US" dirty="0"/>
+          </a:p>
+        </p:txBody>
+      </p:sp>
+      <p:sp>
+        <p:nvSpPr>
+          <p:cNvPr id="9" name="Rectangle 8">
+            <a:extLst>
+              <a:ext uri="{FF2B5EF4-FFF2-40B4-BE49-F238E27FC236}">
+                <a16:creationId xmlns:a16="http://schemas.microsoft.com/office/drawing/2014/main" id="{FDD1ACB1-7FEE-4262-A3F7-5E130DBBB513}"/>
+              </a:ext>
+            </a:extLst>
+          </p:cNvPr>
+          <p:cNvSpPr/>
+          <p:nvPr/>
+        </p:nvSpPr>
+        <p:spPr>
+          <a:xfrm>
+            <a:off x="0" y="-2477729"/>
+            <a:ext cx="2477729" cy="12565626"/>
+          </a:xfrm>
+          <a:prstGeom prst="rect">
+            <a:avLst/>
+          </a:prstGeom>
+          <a:solidFill>
+            <a:srgbClr val="CE2D75"/>
+          </a:solidFill>
+          <a:ln>
+            <a:noFill/>
+          </a:ln>
+          <a:effectLst>
+            <a:innerShdw blurRad="546100" dist="50800" dir="10800000">
+              <a:prstClr val="black">
+                <a:alpha val="45000"/>
+              </a:prstClr>
+            </a:innerShdw>
+          </a:effectLst>
+        </p:spPr>
+        <p:style>
+          <a:lnRef idx="2">
+            <a:schemeClr val="accent1">
+              <a:shade val="50000"/>
+            </a:schemeClr>
+          </a:lnRef>
+          <a:fillRef idx="1">
+            <a:schemeClr val="accent1"/>
+          </a:fillRef>
+          <a:effectRef idx="0">
+            <a:schemeClr val="accent1"/>
+          </a:effectRef>
+          <a:fontRef idx="minor">
+            <a:schemeClr val="lt1"/>
+          </a:fontRef>
+        </p:style>
+        <p:txBody>
+          <a:bodyPr rtlCol="0" anchor="ctr"/>
+          <a:lstStyle/>
+          <a:p>
+            <a:pPr algn="ctr"/>
+            <a:endParaRPr lang="en-US"/>
+          </a:p>
+        </p:txBody>
+      </p:sp>
+      <p:sp>
+        <p:nvSpPr>
+          <p:cNvPr id="10" name="Rectangle 9">
+            <a:extLst>
+              <a:ext uri="{FF2B5EF4-FFF2-40B4-BE49-F238E27FC236}">
+                <a16:creationId xmlns:a16="http://schemas.microsoft.com/office/drawing/2014/main" id="{1EF2AD43-D3C4-41B6-B450-19320FAFBC3D}"/>
+              </a:ext>
+            </a:extLst>
+          </p:cNvPr>
+          <p:cNvSpPr/>
+          <p:nvPr/>
+        </p:nvSpPr>
+        <p:spPr>
+          <a:xfrm>
+            <a:off x="513403" y="-2920180"/>
+            <a:ext cx="3416710" cy="13219471"/>
+          </a:xfrm>
+          <a:prstGeom prst="rect">
+            <a:avLst/>
+          </a:prstGeom>
+          <a:solidFill>
+            <a:srgbClr val="CE2D75"/>
+          </a:solidFill>
+          <a:ln>
+            <a:noFill/>
+          </a:ln>
+          <a:effectLst/>
+        </p:spPr>
+        <p:style>
+          <a:lnRef idx="2">
+            <a:schemeClr val="accent1">
+              <a:shade val="50000"/>
+            </a:schemeClr>
+          </a:lnRef>
+          <a:fillRef idx="1">
+            <a:schemeClr val="accent1"/>
+          </a:fillRef>
+          <a:effectRef idx="0">
+            <a:schemeClr val="accent1"/>
+          </a:effectRef>
+          <a:fontRef idx="minor">
+            <a:schemeClr val="lt1"/>
+          </a:fontRef>
+        </p:style>
+        <p:txBody>
+          <a:bodyPr rtlCol="0" anchor="ctr"/>
+          <a:lstStyle/>
+          <a:p>
+            <a:pPr algn="ctr"/>
+            <a:endParaRPr lang="en-US"/>
+          </a:p>
+        </p:txBody>
+      </p:sp>
+      <p:sp>
+        <p:nvSpPr>
+          <p:cNvPr id="2" name="Title 1">
+            <a:extLst>
+              <a:ext uri="{FF2B5EF4-FFF2-40B4-BE49-F238E27FC236}">
+                <a16:creationId xmlns:a16="http://schemas.microsoft.com/office/drawing/2014/main" id="{BB6B329F-66D6-42EE-82DD-B81655B95A17}"/>
+              </a:ext>
+            </a:extLst>
+          </p:cNvPr>
+          <p:cNvSpPr>
+            <a:spLocks noGrp="1"/>
+          </p:cNvSpPr>
+          <p:nvPr>
+            <p:ph type="title"/>
+          </p:nvPr>
+        </p:nvSpPr>
+        <p:spPr/>
+        <p:txBody>
+          <a:bodyPr/>
+          <a:lstStyle/>
+          <a:p>
+            <a:r>
+              <a:rPr lang="en-US" b="1" dirty="0">
+                <a:solidFill>
+                  <a:schemeClr val="bg1"/>
+                </a:solidFill>
+                <a:latin typeface="Quicksand" panose="02070303000000060000" pitchFamily="18" charset="0"/>
+              </a:rPr>
+              <a:t>Schedule</a:t>
+            </a:r>
+          </a:p>
+        </p:txBody>
+      </p:sp>
+      <p:sp>
+        <p:nvSpPr>
+          <p:cNvPr id="4" name="Rectangle 3">
+            <a:extLst>
+              <a:ext uri="{FF2B5EF4-FFF2-40B4-BE49-F238E27FC236}">
+                <a16:creationId xmlns:a16="http://schemas.microsoft.com/office/drawing/2014/main" id="{379CDECF-74BF-44F4-92E3-2A273826367E}"/>
+              </a:ext>
+            </a:extLst>
+          </p:cNvPr>
+          <p:cNvSpPr/>
+          <p:nvPr/>
+        </p:nvSpPr>
+        <p:spPr>
+          <a:xfrm>
+            <a:off x="10206681" y="-840259"/>
+            <a:ext cx="963827" cy="8501448"/>
+          </a:xfrm>
+          <a:prstGeom prst="rect">
+            <a:avLst/>
+          </a:prstGeom>
+          <a:solidFill>
+            <a:srgbClr val="861657"/>
+          </a:solidFill>
+          <a:ln>
+            <a:noFill/>
+          </a:ln>
+          <a:effectLst>
+            <a:outerShdw blurRad="63500" sx="102000" sy="102000" algn="ctr" rotWithShape="0">
+              <a:prstClr val="black">
+                <a:alpha val="40000"/>
+              </a:prstClr>
+            </a:outerShdw>
+          </a:effectLst>
+        </p:spPr>
+        <p:style>
+          <a:lnRef idx="2">
+            <a:schemeClr val="accent1">
+              <a:shade val="50000"/>
+            </a:schemeClr>
+          </a:lnRef>
+          <a:fillRef idx="1">
+            <a:schemeClr val="accent1"/>
+          </a:fillRef>
+          <a:effectRef idx="0">
+            <a:schemeClr val="accent1"/>
+          </a:effectRef>
+          <a:fontRef idx="minor">
+            <a:schemeClr val="lt1"/>
+          </a:fontRef>
+        </p:style>
+        <p:txBody>
+          <a:bodyPr rtlCol="0" anchor="ctr"/>
+          <a:lstStyle/>
+          <a:p>
+            <a:pPr algn="ctr"/>
+            <a:endParaRPr lang="en-US"/>
+          </a:p>
+        </p:txBody>
+      </p:sp>
+      <p:sp>
+        <p:nvSpPr>
+          <p:cNvPr id="5" name="Rectangle 4">
+            <a:extLst>
+              <a:ext uri="{FF2B5EF4-FFF2-40B4-BE49-F238E27FC236}">
+                <a16:creationId xmlns:a16="http://schemas.microsoft.com/office/drawing/2014/main" id="{90080D6F-F4A9-42C9-BCAE-E72A037517C3}"/>
+              </a:ext>
+            </a:extLst>
+          </p:cNvPr>
+          <p:cNvSpPr/>
+          <p:nvPr/>
+        </p:nvSpPr>
+        <p:spPr>
+          <a:xfrm>
+            <a:off x="11372336" y="-821724"/>
+            <a:ext cx="243016" cy="8501448"/>
+          </a:xfrm>
+          <a:prstGeom prst="rect">
+            <a:avLst/>
+          </a:prstGeom>
+          <a:solidFill>
+            <a:srgbClr val="861657"/>
+          </a:solidFill>
+          <a:ln>
+            <a:noFill/>
+          </a:ln>
+          <a:effectLst>
+            <a:outerShdw blurRad="63500" sx="102000" sy="102000" algn="ctr" rotWithShape="0">
+              <a:prstClr val="black">
+                <a:alpha val="40000"/>
+              </a:prstClr>
+            </a:outerShdw>
+          </a:effectLst>
+        </p:spPr>
+        <p:style>
+          <a:lnRef idx="2">
+            <a:schemeClr val="accent1">
+              <a:shade val="50000"/>
+            </a:schemeClr>
+          </a:lnRef>
+          <a:fillRef idx="1">
+            <a:schemeClr val="accent1"/>
+          </a:fillRef>
+          <a:effectRef idx="0">
+            <a:schemeClr val="accent1"/>
+          </a:effectRef>
+          <a:fontRef idx="minor">
+            <a:schemeClr val="lt1"/>
+          </a:fontRef>
+        </p:style>
+        <p:txBody>
+          <a:bodyPr rtlCol="0" anchor="ctr"/>
+          <a:lstStyle/>
+          <a:p>
+            <a:pPr algn="ctr"/>
+            <a:endParaRPr lang="en-US"/>
+          </a:p>
+        </p:txBody>
+      </p:sp>
       <p:sp>
         <p:nvSpPr>
           <p:cNvPr id="12" name="Content Placeholder 2">
@@ -7910,7 +8576,7 @@
 </p:sld>
 </file>
 
-<file path=ppt/slides/slide7.xml><?xml version="1.0" encoding="utf-8"?>
+<file path=ppt/slides/slide8.xml><?xml version="1.0" encoding="utf-8"?>
 <p:sld xmlns:a="http://schemas.openxmlformats.org/drawingml/2006/main" xmlns:r="http://schemas.openxmlformats.org/officeDocument/2006/relationships" xmlns:p="http://schemas.openxmlformats.org/presentationml/2006/main">
   <p:cSld>
     <p:bg>
